--- a/디스플레이.pptx
+++ b/디스플레이.pptx
@@ -4,6 +4,9 @@
   <p:sldMasterIdLst>
     <p:sldMasterId id="2147483648" r:id="rId1"/>
   </p:sldMasterIdLst>
+  <p:notesMasterIdLst>
+    <p:notesMasterId r:id="rId28"/>
+  </p:notesMasterIdLst>
   <p:sldIdLst>
     <p:sldId id="256" r:id="rId2"/>
     <p:sldId id="257" r:id="rId3"/>
@@ -20,11 +23,17 @@
     <p:sldId id="268" r:id="rId14"/>
     <p:sldId id="269" r:id="rId15"/>
     <p:sldId id="270" r:id="rId16"/>
-    <p:sldId id="271" r:id="rId17"/>
-    <p:sldId id="272" r:id="rId18"/>
-    <p:sldId id="273" r:id="rId19"/>
-    <p:sldId id="274" r:id="rId20"/>
-    <p:sldId id="275" r:id="rId21"/>
+    <p:sldId id="277" r:id="rId17"/>
+    <p:sldId id="278" r:id="rId18"/>
+    <p:sldId id="279" r:id="rId19"/>
+    <p:sldId id="280" r:id="rId20"/>
+    <p:sldId id="281" r:id="rId21"/>
+    <p:sldId id="282" r:id="rId22"/>
+    <p:sldId id="271" r:id="rId23"/>
+    <p:sldId id="272" r:id="rId24"/>
+    <p:sldId id="273" r:id="rId25"/>
+    <p:sldId id="274" r:id="rId26"/>
+    <p:sldId id="275" r:id="rId27"/>
   </p:sldIdLst>
   <p:sldSz cx="18288000" cy="10287000"/>
   <p:notesSz cx="10287000" cy="18288000"/>
@@ -140,6 +149,356 @@
     </p:ext>
   </p:extLst>
 </p:presentation>
+</file>
+
+<file path=ppt/notesMasters/notesMaster1.xml><?xml version="1.0" encoding="utf-8"?>
+<p:notesMaster xmlns:a="http://schemas.openxmlformats.org/drawingml/2006/main" xmlns:r="http://schemas.openxmlformats.org/officeDocument/2006/relationships" xmlns:p="http://schemas.openxmlformats.org/presentationml/2006/main">
+  <p:cSld>
+    <p:bg>
+      <p:bgRef idx="1001">
+        <a:schemeClr val="bg1"/>
+      </p:bgRef>
+    </p:bg>
+    <p:spTree>
+      <p:nvGrpSpPr>
+        <p:cNvPr id="1" name=""/>
+        <p:cNvGrpSpPr/>
+        <p:nvPr/>
+      </p:nvGrpSpPr>
+      <p:grpSpPr>
+        <a:xfrm>
+          <a:off x="0" y="0"/>
+          <a:ext cx="0" cy="0"/>
+          <a:chOff x="0" y="0"/>
+          <a:chExt cx="0" cy="0"/>
+        </a:xfrm>
+      </p:grpSpPr>
+      <p:sp>
+        <p:nvSpPr>
+          <p:cNvPr id="2" name="머리글 개체 틀 1"/>
+          <p:cNvSpPr>
+            <a:spLocks noGrp="1"/>
+          </p:cNvSpPr>
+          <p:nvPr>
+            <p:ph type="hdr" sz="quarter"/>
+          </p:nvPr>
+        </p:nvSpPr>
+        <p:spPr>
+          <a:xfrm>
+            <a:off x="0" y="0"/>
+            <a:ext cx="4457700" cy="917575"/>
+          </a:xfrm>
+          <a:prstGeom prst="rect">
+            <a:avLst/>
+          </a:prstGeom>
+        </p:spPr>
+        <p:txBody>
+          <a:bodyPr vert="horz" lIns="91440" tIns="45720" rIns="91440" bIns="45720" rtlCol="0"/>
+          <a:lstStyle>
+            <a:lvl1pPr algn="l">
+              <a:defRPr sz="1200"/>
+            </a:lvl1pPr>
+          </a:lstStyle>
+          <a:p>
+            <a:endParaRPr lang="ko-KR" altLang="en-US"/>
+          </a:p>
+        </p:txBody>
+      </p:sp>
+      <p:sp>
+        <p:nvSpPr>
+          <p:cNvPr id="3" name="날짜 개체 틀 2"/>
+          <p:cNvSpPr>
+            <a:spLocks noGrp="1"/>
+          </p:cNvSpPr>
+          <p:nvPr>
+            <p:ph type="dt" idx="1"/>
+          </p:nvPr>
+        </p:nvSpPr>
+        <p:spPr>
+          <a:xfrm>
+            <a:off x="5827713" y="0"/>
+            <a:ext cx="4457700" cy="917575"/>
+          </a:xfrm>
+          <a:prstGeom prst="rect">
+            <a:avLst/>
+          </a:prstGeom>
+        </p:spPr>
+        <p:txBody>
+          <a:bodyPr vert="horz" lIns="91440" tIns="45720" rIns="91440" bIns="45720" rtlCol="0"/>
+          <a:lstStyle>
+            <a:lvl1pPr algn="r">
+              <a:defRPr sz="1200"/>
+            </a:lvl1pPr>
+          </a:lstStyle>
+          <a:p>
+            <a:fld id="{69EE20CA-1494-428F-BBDB-F050B642D66A}" type="datetimeFigureOut">
+              <a:rPr lang="ko-KR" altLang="en-US" smtClean="0"/>
+              <a:t>2023-05-10</a:t>
+            </a:fld>
+            <a:endParaRPr lang="ko-KR" altLang="en-US"/>
+          </a:p>
+        </p:txBody>
+      </p:sp>
+      <p:sp>
+        <p:nvSpPr>
+          <p:cNvPr id="4" name="슬라이드 이미지 개체 틀 3"/>
+          <p:cNvSpPr>
+            <a:spLocks noGrp="1" noRot="1" noChangeAspect="1"/>
+          </p:cNvSpPr>
+          <p:nvPr>
+            <p:ph type="sldImg" idx="2"/>
+          </p:nvPr>
+        </p:nvSpPr>
+        <p:spPr>
+          <a:xfrm>
+            <a:off x="-342900" y="2286000"/>
+            <a:ext cx="10972800" cy="6172200"/>
+          </a:xfrm>
+          <a:prstGeom prst="rect">
+            <a:avLst/>
+          </a:prstGeom>
+          <a:noFill/>
+          <a:ln w="12700">
+            <a:solidFill>
+              <a:prstClr val="black"/>
+            </a:solidFill>
+          </a:ln>
+        </p:spPr>
+        <p:txBody>
+          <a:bodyPr vert="horz" lIns="91440" tIns="45720" rIns="91440" bIns="45720" rtlCol="0" anchor="ctr"/>
+          <a:lstStyle/>
+          <a:p>
+            <a:endParaRPr lang="ko-KR" altLang="en-US"/>
+          </a:p>
+        </p:txBody>
+      </p:sp>
+      <p:sp>
+        <p:nvSpPr>
+          <p:cNvPr id="5" name="슬라이드 노트 개체 틀 4"/>
+          <p:cNvSpPr>
+            <a:spLocks noGrp="1"/>
+          </p:cNvSpPr>
+          <p:nvPr>
+            <p:ph type="body" sz="quarter" idx="3"/>
+          </p:nvPr>
+        </p:nvSpPr>
+        <p:spPr>
+          <a:xfrm>
+            <a:off x="1028700" y="8801100"/>
+            <a:ext cx="8229600" cy="7200900"/>
+          </a:xfrm>
+          <a:prstGeom prst="rect">
+            <a:avLst/>
+          </a:prstGeom>
+        </p:spPr>
+        <p:txBody>
+          <a:bodyPr vert="horz" lIns="91440" tIns="45720" rIns="91440" bIns="45720" rtlCol="0"/>
+          <a:lstStyle/>
+          <a:p>
+            <a:pPr lvl="0"/>
+            <a:r>
+              <a:rPr lang="ko-KR" altLang="en-US" smtClean="0"/>
+              <a:t>마스터 텍스트 스타일 편집</a:t>
+            </a:r>
+          </a:p>
+          <a:p>
+            <a:pPr lvl="1"/>
+            <a:r>
+              <a:rPr lang="ko-KR" altLang="en-US" smtClean="0"/>
+              <a:t>둘째 수준</a:t>
+            </a:r>
+          </a:p>
+          <a:p>
+            <a:pPr lvl="2"/>
+            <a:r>
+              <a:rPr lang="ko-KR" altLang="en-US" smtClean="0"/>
+              <a:t>셋째 수준</a:t>
+            </a:r>
+          </a:p>
+          <a:p>
+            <a:pPr lvl="3"/>
+            <a:r>
+              <a:rPr lang="ko-KR" altLang="en-US" smtClean="0"/>
+              <a:t>넷째 수준</a:t>
+            </a:r>
+          </a:p>
+          <a:p>
+            <a:pPr lvl="4"/>
+            <a:r>
+              <a:rPr lang="ko-KR" altLang="en-US" smtClean="0"/>
+              <a:t>다섯째 수준</a:t>
+            </a:r>
+            <a:endParaRPr lang="ko-KR" altLang="en-US"/>
+          </a:p>
+        </p:txBody>
+      </p:sp>
+      <p:sp>
+        <p:nvSpPr>
+          <p:cNvPr id="6" name="바닥글 개체 틀 5"/>
+          <p:cNvSpPr>
+            <a:spLocks noGrp="1"/>
+          </p:cNvSpPr>
+          <p:nvPr>
+            <p:ph type="ftr" sz="quarter" idx="4"/>
+          </p:nvPr>
+        </p:nvSpPr>
+        <p:spPr>
+          <a:xfrm>
+            <a:off x="0" y="17372013"/>
+            <a:ext cx="4457700" cy="915987"/>
+          </a:xfrm>
+          <a:prstGeom prst="rect">
+            <a:avLst/>
+          </a:prstGeom>
+        </p:spPr>
+        <p:txBody>
+          <a:bodyPr vert="horz" lIns="91440" tIns="45720" rIns="91440" bIns="45720" rtlCol="0" anchor="b"/>
+          <a:lstStyle>
+            <a:lvl1pPr algn="l">
+              <a:defRPr sz="1200"/>
+            </a:lvl1pPr>
+          </a:lstStyle>
+          <a:p>
+            <a:endParaRPr lang="ko-KR" altLang="en-US"/>
+          </a:p>
+        </p:txBody>
+      </p:sp>
+      <p:sp>
+        <p:nvSpPr>
+          <p:cNvPr id="7" name="슬라이드 번호 개체 틀 6"/>
+          <p:cNvSpPr>
+            <a:spLocks noGrp="1"/>
+          </p:cNvSpPr>
+          <p:nvPr>
+            <p:ph type="sldNum" sz="quarter" idx="5"/>
+          </p:nvPr>
+        </p:nvSpPr>
+        <p:spPr>
+          <a:xfrm>
+            <a:off x="5827713" y="17372013"/>
+            <a:ext cx="4457700" cy="915987"/>
+          </a:xfrm>
+          <a:prstGeom prst="rect">
+            <a:avLst/>
+          </a:prstGeom>
+        </p:spPr>
+        <p:txBody>
+          <a:bodyPr vert="horz" lIns="91440" tIns="45720" rIns="91440" bIns="45720" rtlCol="0" anchor="b"/>
+          <a:lstStyle>
+            <a:lvl1pPr algn="r">
+              <a:defRPr sz="1200"/>
+            </a:lvl1pPr>
+          </a:lstStyle>
+          <a:p>
+            <a:fld id="{00C96C88-9853-4CDD-916B-A7CFE15FD59C}" type="slidenum">
+              <a:rPr lang="ko-KR" altLang="en-US" smtClean="0"/>
+              <a:t>‹#›</a:t>
+            </a:fld>
+            <a:endParaRPr lang="ko-KR" altLang="en-US"/>
+          </a:p>
+        </p:txBody>
+      </p:sp>
+    </p:spTree>
+    <p:extLst>
+      <p:ext uri="{BB962C8B-B14F-4D97-AF65-F5344CB8AC3E}">
+        <p14:creationId xmlns:p14="http://schemas.microsoft.com/office/powerpoint/2010/main" val="1910427450"/>
+      </p:ext>
+    </p:extLst>
+  </p:cSld>
+  <p:clrMap bg1="lt1" tx1="dk1" bg2="lt2" tx2="dk2" accent1="accent1" accent2="accent2" accent3="accent3" accent4="accent4" accent5="accent5" accent6="accent6" hlink="hlink" folHlink="folHlink"/>
+  <p:notesStyle>
+    <a:lvl1pPr marL="0" algn="l" defTabSz="914400" rtl="0" eaLnBrk="1" latinLnBrk="1" hangingPunct="1">
+      <a:defRPr sz="1200" kern="1200">
+        <a:solidFill>
+          <a:schemeClr val="tx1"/>
+        </a:solidFill>
+        <a:latin typeface="+mn-lt"/>
+        <a:ea typeface="+mn-ea"/>
+        <a:cs typeface="+mn-cs"/>
+      </a:defRPr>
+    </a:lvl1pPr>
+    <a:lvl2pPr marL="457200" algn="l" defTabSz="914400" rtl="0" eaLnBrk="1" latinLnBrk="1" hangingPunct="1">
+      <a:defRPr sz="1200" kern="1200">
+        <a:solidFill>
+          <a:schemeClr val="tx1"/>
+        </a:solidFill>
+        <a:latin typeface="+mn-lt"/>
+        <a:ea typeface="+mn-ea"/>
+        <a:cs typeface="+mn-cs"/>
+      </a:defRPr>
+    </a:lvl2pPr>
+    <a:lvl3pPr marL="914400" algn="l" defTabSz="914400" rtl="0" eaLnBrk="1" latinLnBrk="1" hangingPunct="1">
+      <a:defRPr sz="1200" kern="1200">
+        <a:solidFill>
+          <a:schemeClr val="tx1"/>
+        </a:solidFill>
+        <a:latin typeface="+mn-lt"/>
+        <a:ea typeface="+mn-ea"/>
+        <a:cs typeface="+mn-cs"/>
+      </a:defRPr>
+    </a:lvl3pPr>
+    <a:lvl4pPr marL="1371600" algn="l" defTabSz="914400" rtl="0" eaLnBrk="1" latinLnBrk="1" hangingPunct="1">
+      <a:defRPr sz="1200" kern="1200">
+        <a:solidFill>
+          <a:schemeClr val="tx1"/>
+        </a:solidFill>
+        <a:latin typeface="+mn-lt"/>
+        <a:ea typeface="+mn-ea"/>
+        <a:cs typeface="+mn-cs"/>
+      </a:defRPr>
+    </a:lvl4pPr>
+    <a:lvl5pPr marL="1828800" algn="l" defTabSz="914400" rtl="0" eaLnBrk="1" latinLnBrk="1" hangingPunct="1">
+      <a:defRPr sz="1200" kern="1200">
+        <a:solidFill>
+          <a:schemeClr val="tx1"/>
+        </a:solidFill>
+        <a:latin typeface="+mn-lt"/>
+        <a:ea typeface="+mn-ea"/>
+        <a:cs typeface="+mn-cs"/>
+      </a:defRPr>
+    </a:lvl5pPr>
+    <a:lvl6pPr marL="2286000" algn="l" defTabSz="914400" rtl="0" eaLnBrk="1" latinLnBrk="1" hangingPunct="1">
+      <a:defRPr sz="1200" kern="1200">
+        <a:solidFill>
+          <a:schemeClr val="tx1"/>
+        </a:solidFill>
+        <a:latin typeface="+mn-lt"/>
+        <a:ea typeface="+mn-ea"/>
+        <a:cs typeface="+mn-cs"/>
+      </a:defRPr>
+    </a:lvl6pPr>
+    <a:lvl7pPr marL="2743200" algn="l" defTabSz="914400" rtl="0" eaLnBrk="1" latinLnBrk="1" hangingPunct="1">
+      <a:defRPr sz="1200" kern="1200">
+        <a:solidFill>
+          <a:schemeClr val="tx1"/>
+        </a:solidFill>
+        <a:latin typeface="+mn-lt"/>
+        <a:ea typeface="+mn-ea"/>
+        <a:cs typeface="+mn-cs"/>
+      </a:defRPr>
+    </a:lvl7pPr>
+    <a:lvl8pPr marL="3200400" algn="l" defTabSz="914400" rtl="0" eaLnBrk="1" latinLnBrk="1" hangingPunct="1">
+      <a:defRPr sz="1200" kern="1200">
+        <a:solidFill>
+          <a:schemeClr val="tx1"/>
+        </a:solidFill>
+        <a:latin typeface="+mn-lt"/>
+        <a:ea typeface="+mn-ea"/>
+        <a:cs typeface="+mn-cs"/>
+      </a:defRPr>
+    </a:lvl8pPr>
+    <a:lvl9pPr marL="3657600" algn="l" defTabSz="914400" rtl="0" eaLnBrk="1" latinLnBrk="1" hangingPunct="1">
+      <a:defRPr sz="1200" kern="1200">
+        <a:solidFill>
+          <a:schemeClr val="tx1"/>
+        </a:solidFill>
+        <a:latin typeface="+mn-lt"/>
+        <a:ea typeface="+mn-ea"/>
+        <a:cs typeface="+mn-cs"/>
+      </a:defRPr>
+    </a:lvl9pPr>
+  </p:notesStyle>
+</p:notesMaster>
 </file>
 
 <file path=ppt/slideLayouts/slideLayout1.xml><?xml version="1.0" encoding="utf-8"?>
@@ -323,7 +682,7 @@
           <a:p>
             <a:fld id="{F8166F1F-CE9B-4651-A6AA-CD717754106B}" type="datetimeFigureOut">
               <a:rPr lang="en-US" smtClean="0"/>
-              <a:t>5/9/2023</a:t>
+              <a:t>5/10/2023</a:t>
             </a:fld>
             <a:endParaRPr lang="en-US"/>
           </a:p>
@@ -488,7 +847,7 @@
           <a:p>
             <a:fld id="{A76116CE-C4A3-4A05-B2D7-7C2E9A889C0F}" type="datetimeFigureOut">
               <a:rPr lang="en-US" smtClean="0"/>
-              <a:t>5/9/2023</a:t>
+              <a:t>5/10/2023</a:t>
             </a:fld>
             <a:endParaRPr lang="en-US"/>
           </a:p>
@@ -663,7 +1022,7 @@
           <a:p>
             <a:fld id="{A76116CE-C4A3-4A05-B2D7-7C2E9A889C0F}" type="datetimeFigureOut">
               <a:rPr lang="en-US" smtClean="0"/>
-              <a:t>5/9/2023</a:t>
+              <a:t>5/10/2023</a:t>
             </a:fld>
             <a:endParaRPr lang="en-US"/>
           </a:p>
@@ -830,7 +1189,7 @@
           <a:p>
             <a:fld id="{A76116CE-C4A3-4A05-B2D7-7C2E9A889C0F}" type="datetimeFigureOut">
               <a:rPr lang="en-US" smtClean="0"/>
-              <a:t>5/9/2023</a:t>
+              <a:t>5/10/2023</a:t>
             </a:fld>
             <a:endParaRPr lang="en-US"/>
           </a:p>
@@ -1071,7 +1430,7 @@
           <a:p>
             <a:fld id="{A76116CE-C4A3-4A05-B2D7-7C2E9A889C0F}" type="datetimeFigureOut">
               <a:rPr lang="en-US" smtClean="0"/>
-              <a:t>5/9/2023</a:t>
+              <a:t>5/10/2023</a:t>
             </a:fld>
             <a:endParaRPr lang="en-US"/>
           </a:p>
@@ -1354,7 +1713,7 @@
           <a:p>
             <a:fld id="{A76116CE-C4A3-4A05-B2D7-7C2E9A889C0F}" type="datetimeFigureOut">
               <a:rPr lang="en-US" smtClean="0"/>
-              <a:t>5/9/2023</a:t>
+              <a:t>5/10/2023</a:t>
             </a:fld>
             <a:endParaRPr lang="en-US"/>
           </a:p>
@@ -1771,7 +2130,7 @@
           <a:p>
             <a:fld id="{A76116CE-C4A3-4A05-B2D7-7C2E9A889C0F}" type="datetimeFigureOut">
               <a:rPr lang="en-US" smtClean="0"/>
-              <a:t>5/9/2023</a:t>
+              <a:t>5/10/2023</a:t>
             </a:fld>
             <a:endParaRPr lang="en-US"/>
           </a:p>
@@ -1884,7 +2243,7 @@
           <a:p>
             <a:fld id="{A76116CE-C4A3-4A05-B2D7-7C2E9A889C0F}" type="datetimeFigureOut">
               <a:rPr lang="en-US" smtClean="0"/>
-              <a:t>5/9/2023</a:t>
+              <a:t>5/10/2023</a:t>
             </a:fld>
             <a:endParaRPr lang="en-US"/>
           </a:p>
@@ -1974,7 +2333,7 @@
           <a:p>
             <a:fld id="{A76116CE-C4A3-4A05-B2D7-7C2E9A889C0F}" type="datetimeFigureOut">
               <a:rPr lang="en-US" smtClean="0"/>
-              <a:t>5/9/2023</a:t>
+              <a:t>5/10/2023</a:t>
             </a:fld>
             <a:endParaRPr lang="en-US"/>
           </a:p>
@@ -2246,7 +2605,7 @@
           <a:p>
             <a:fld id="{A76116CE-C4A3-4A05-B2D7-7C2E9A889C0F}" type="datetimeFigureOut">
               <a:rPr lang="en-US" smtClean="0"/>
-              <a:t>5/9/2023</a:t>
+              <a:t>5/10/2023</a:t>
             </a:fld>
             <a:endParaRPr lang="en-US"/>
           </a:p>
@@ -2494,7 +2853,7 @@
           <a:p>
             <a:fld id="{A76116CE-C4A3-4A05-B2D7-7C2E9A889C0F}" type="datetimeFigureOut">
               <a:rPr lang="en-US" smtClean="0"/>
-              <a:t>5/9/2023</a:t>
+              <a:t>5/10/2023</a:t>
             </a:fld>
             <a:endParaRPr lang="en-US"/>
           </a:p>
@@ -2702,7 +3061,7 @@
           <a:p>
             <a:fld id="{F8166F1F-CE9B-4651-A6AA-CD717754106B}" type="datetimeFigureOut">
               <a:rPr lang="en-US" smtClean="0"/>
-              <a:t>5/9/2023</a:t>
+              <a:t>5/10/2023</a:t>
             </a:fld>
             <a:endParaRPr lang="en-US"/>
           </a:p>
@@ -3526,6 +3885,13 @@
   <p:clrMapOvr>
     <a:masterClrMapping/>
   </p:clrMapOvr>
+  <p:timing>
+    <p:tnLst>
+      <p:par>
+        <p:cTn id="1" dur="indefinite" restart="never" nodeType="tmRoot"/>
+      </p:par>
+    </p:tnLst>
+  </p:timing>
 </p:sld>
 </file>
 
@@ -3556,6 +3922,73 @@
       </p:grpSpPr>
       <p:pic>
         <p:nvPicPr>
+          <p:cNvPr id="9" name="그림 8"/>
+          <p:cNvPicPr>
+            <a:picLocks noChangeAspect="1"/>
+          </p:cNvPicPr>
+          <p:nvPr/>
+        </p:nvPicPr>
+        <p:blipFill>
+          <a:blip r:embed="rId2">
+            <a:extLst>
+              <a:ext uri="{28A0092B-C50C-407E-A947-70E740481C1C}">
+                <a14:useLocalDpi xmlns:a14="http://schemas.microsoft.com/office/drawing/2010/main" val="0"/>
+              </a:ext>
+            </a:extLst>
+          </a:blip>
+          <a:stretch>
+            <a:fillRect/>
+          </a:stretch>
+        </p:blipFill>
+        <p:spPr>
+          <a:xfrm>
+            <a:off x="3279466" y="6509147"/>
+            <a:ext cx="3583932" cy="3583932"/>
+          </a:xfrm>
+          <a:prstGeom prst="rect">
+            <a:avLst/>
+          </a:prstGeom>
+        </p:spPr>
+      </p:pic>
+      <p:pic>
+        <p:nvPicPr>
+          <p:cNvPr id="5" name="그림 4"/>
+          <p:cNvPicPr>
+            <a:picLocks noChangeAspect="1"/>
+          </p:cNvPicPr>
+          <p:nvPr/>
+        </p:nvPicPr>
+        <p:blipFill>
+          <a:blip r:embed="rId3" cstate="print">
+            <a:duotone>
+              <a:schemeClr val="bg2">
+                <a:shade val="45000"/>
+                <a:satMod val="135000"/>
+              </a:schemeClr>
+              <a:prstClr val="white"/>
+            </a:duotone>
+            <a:extLst>
+              <a:ext uri="{28A0092B-C50C-407E-A947-70E740481C1C}">
+                <a14:useLocalDpi xmlns:a14="http://schemas.microsoft.com/office/drawing/2010/main" val="0"/>
+              </a:ext>
+            </a:extLst>
+          </a:blip>
+          <a:stretch>
+            <a:fillRect/>
+          </a:stretch>
+        </p:blipFill>
+        <p:spPr>
+          <a:xfrm>
+            <a:off x="537240" y="3203731"/>
+            <a:ext cx="2059869" cy="2274920"/>
+          </a:xfrm>
+          <a:prstGeom prst="rect">
+            <a:avLst/>
+          </a:prstGeom>
+        </p:spPr>
+      </p:pic>
+      <p:pic>
+        <p:nvPicPr>
           <p:cNvPr id="2" name="Object 1"/>
           <p:cNvPicPr>
             <a:picLocks noChangeAspect="1"/>
@@ -3563,7 +3996,7 @@
           <p:nvPr/>
         </p:nvPicPr>
         <p:blipFill>
-          <a:blip r:embed="rId2" cstate="print"/>
+          <a:blip r:embed="rId4" cstate="print"/>
           <a:stretch>
             <a:fillRect/>
           </a:stretch>
@@ -3586,7 +4019,7 @@
         </p:nvGrpSpPr>
         <p:grpSpPr>
           <a:xfrm>
-            <a:off x="11274286" y="8703483"/>
+            <a:off x="6013736" y="8115300"/>
             <a:ext cx="4776266" cy="4776266"/>
             <a:chOff x="11274286" y="8703483"/>
             <a:chExt cx="4776266" cy="4776266"/>
@@ -3601,7 +4034,7 @@
             <p:nvPr/>
           </p:nvPicPr>
           <p:blipFill>
-            <a:blip r:embed="rId3" cstate="print"/>
+            <a:blip r:embed="rId5" cstate="print"/>
             <a:stretch>
               <a:fillRect/>
             </a:stretch>
@@ -3626,7 +4059,7 @@
           <p:nvPr/>
         </p:nvPicPr>
         <p:blipFill>
-          <a:blip r:embed="rId4" cstate="print"/>
+          <a:blip r:embed="rId6" cstate="print"/>
           <a:stretch>
             <a:fillRect/>
           </a:stretch>
@@ -3650,7 +4083,7 @@
           <p:nvPr/>
         </p:nvPicPr>
         <p:blipFill>
-          <a:blip r:embed="rId5" cstate="print"/>
+          <a:blip r:embed="rId7" cstate="print"/>
           <a:stretch>
             <a:fillRect/>
           </a:stretch>
@@ -3674,7 +4107,7 @@
           <p:nvPr/>
         </p:nvPicPr>
         <p:blipFill>
-          <a:blip r:embed="rId6" cstate="print"/>
+          <a:blip r:embed="rId8" cstate="print"/>
           <a:stretch>
             <a:fillRect/>
           </a:stretch>
@@ -3712,7 +4145,7 @@
             <p:nvPr/>
           </p:nvPicPr>
           <p:blipFill>
-            <a:blip r:embed="rId7" cstate="print"/>
+            <a:blip r:embed="rId9" cstate="print"/>
             <a:stretch>
               <a:fillRect/>
             </a:stretch>
@@ -3728,45 +4161,6 @@
           </p:spPr>
         </p:pic>
       </p:grpSp>
-      <p:grpSp>
-        <p:nvGrpSpPr>
-          <p:cNvPr id="1003" name="그룹 1003"/>
-          <p:cNvGrpSpPr/>
-          <p:nvPr/>
-        </p:nvGrpSpPr>
-        <p:grpSpPr>
-          <a:xfrm>
-            <a:off x="14447699" y="3028571"/>
-            <a:ext cx="5279665" cy="5279665"/>
-            <a:chOff x="14447699" y="3028571"/>
-            <a:chExt cx="5279665" cy="5279665"/>
-          </a:xfrm>
-        </p:grpSpPr>
-        <p:pic>
-          <p:nvPicPr>
-            <p:cNvPr id="13" name="Object 12"/>
-            <p:cNvPicPr>
-              <a:picLocks noChangeAspect="1"/>
-            </p:cNvPicPr>
-            <p:nvPr/>
-          </p:nvPicPr>
-          <p:blipFill>
-            <a:blip r:embed="rId8" cstate="print"/>
-            <a:stretch>
-              <a:fillRect/>
-            </a:stretch>
-          </p:blipFill>
-          <p:spPr>
-            <a:xfrm>
-              <a:off x="14447699" y="3028571"/>
-              <a:ext cx="5279665" cy="5279665"/>
-            </a:xfrm>
-            <a:prstGeom prst="rect">
-              <a:avLst/>
-            </a:prstGeom>
-          </p:spPr>
-        </p:pic>
-      </p:grpSp>
       <p:pic>
         <p:nvPicPr>
           <p:cNvPr id="15" name="Object 14"/>
@@ -3776,7 +4170,7 @@
           <p:nvPr/>
         </p:nvPicPr>
         <p:blipFill>
-          <a:blip r:embed="rId9" cstate="print"/>
+          <a:blip r:embed="rId10" cstate="print"/>
           <a:stretch>
             <a:fillRect/>
           </a:stretch>
@@ -3800,7 +4194,7 @@
           <p:nvPr/>
         </p:nvPicPr>
         <p:blipFill>
-          <a:blip r:embed="rId10" cstate="print"/>
+          <a:blip r:embed="rId11" cstate="print"/>
           <a:stretch>
             <a:fillRect/>
           </a:stretch>
@@ -3824,7 +4218,7 @@
           <p:nvPr/>
         </p:nvPicPr>
         <p:blipFill>
-          <a:blip r:embed="rId11" cstate="print"/>
+          <a:blip r:embed="rId12" cstate="print"/>
           <a:stretch>
             <a:fillRect/>
           </a:stretch>
@@ -3848,7 +4242,7 @@
           <p:nvPr/>
         </p:nvPicPr>
         <p:blipFill>
-          <a:blip r:embed="rId12" cstate="print"/>
+          <a:blip r:embed="rId13" cstate="print"/>
           <a:stretch>
             <a:fillRect/>
           </a:stretch>
@@ -3857,6 +4251,46 @@
           <a:xfrm>
             <a:off x="7374615" y="1715899"/>
             <a:ext cx="4222870" cy="736670"/>
+          </a:xfrm>
+          <a:prstGeom prst="rect">
+            <a:avLst/>
+          </a:prstGeom>
+        </p:spPr>
+      </p:pic>
+      <p:pic>
+        <p:nvPicPr>
+          <p:cNvPr id="3" name="그림 2"/>
+          <p:cNvPicPr>
+            <a:picLocks noChangeAspect="1"/>
+          </p:cNvPicPr>
+          <p:nvPr/>
+        </p:nvPicPr>
+        <p:blipFill>
+          <a:blip r:embed="rId14">
+            <a:clrChange>
+              <a:clrFrom>
+                <a:srgbClr val="F6F1ED"/>
+              </a:clrFrom>
+              <a:clrTo>
+                <a:srgbClr val="F6F1ED">
+                  <a:alpha val="0"/>
+                </a:srgbClr>
+              </a:clrTo>
+            </a:clrChange>
+            <a:extLst>
+              <a:ext uri="{28A0092B-C50C-407E-A947-70E740481C1C}">
+                <a14:useLocalDpi xmlns:a14="http://schemas.microsoft.com/office/drawing/2010/main" val="0"/>
+              </a:ext>
+            </a:extLst>
+          </a:blip>
+          <a:stretch>
+            <a:fillRect/>
+          </a:stretch>
+        </p:blipFill>
+        <p:spPr>
+          <a:xfrm>
+            <a:off x="9486050" y="1496262"/>
+            <a:ext cx="8751708" cy="5921989"/>
           </a:xfrm>
           <a:prstGeom prst="rect">
             <a:avLst/>
@@ -3868,6 +4302,13 @@
   <p:clrMapOvr>
     <a:masterClrMapping/>
   </p:clrMapOvr>
+  <p:timing>
+    <p:tnLst>
+      <p:par>
+        <p:cTn id="1" dur="indefinite" restart="never" nodeType="tmRoot"/>
+      </p:par>
+    </p:tnLst>
+  </p:timing>
 </p:sld>
 </file>
 
@@ -4129,6 +4570,13 @@
   <p:clrMapOvr>
     <a:masterClrMapping/>
   </p:clrMapOvr>
+  <p:timing>
+    <p:tnLst>
+      <p:par>
+        <p:cTn id="1" dur="indefinite" restart="never" nodeType="tmRoot"/>
+      </p:par>
+    </p:tnLst>
+  </p:timing>
 </p:sld>
 </file>
 
@@ -5212,7 +5660,7 @@
       </p:pic>
       <p:pic>
         <p:nvPicPr>
-          <p:cNvPr id="10" name="Object 9"/>
+          <p:cNvPr id="11" name="Object 10"/>
           <p:cNvPicPr>
             <a:picLocks noChangeAspect="1"/>
           </p:cNvPicPr>
@@ -5220,30 +5668,6 @@
         </p:nvPicPr>
         <p:blipFill>
           <a:blip r:embed="rId8" cstate="print"/>
-          <a:stretch>
-            <a:fillRect/>
-          </a:stretch>
-        </p:blipFill>
-        <p:spPr>
-          <a:xfrm>
-            <a:off x="12554823" y="4482781"/>
-            <a:ext cx="2554926" cy="665793"/>
-          </a:xfrm>
-          <a:prstGeom prst="rect">
-            <a:avLst/>
-          </a:prstGeom>
-        </p:spPr>
-      </p:pic>
-      <p:pic>
-        <p:nvPicPr>
-          <p:cNvPr id="11" name="Object 10"/>
-          <p:cNvPicPr>
-            <a:picLocks noChangeAspect="1"/>
-          </p:cNvPicPr>
-          <p:nvPr/>
-        </p:nvPicPr>
-        <p:blipFill>
-          <a:blip r:embed="rId9" cstate="print"/>
           <a:stretch>
             <a:fillRect/>
           </a:stretch>
@@ -5267,7 +5691,7 @@
           <p:nvPr/>
         </p:nvPicPr>
         <p:blipFill>
-          <a:blip r:embed="rId10" cstate="print"/>
+          <a:blip r:embed="rId9" cstate="print"/>
           <a:stretch>
             <a:fillRect/>
           </a:stretch>
@@ -5291,7 +5715,7 @@
           <p:nvPr/>
         </p:nvPicPr>
         <p:blipFill>
-          <a:blip r:embed="rId11" cstate="print"/>
+          <a:blip r:embed="rId10" cstate="print"/>
           <a:stretch>
             <a:fillRect/>
           </a:stretch>
@@ -5306,6 +5730,164 @@
           </a:prstGeom>
         </p:spPr>
       </p:pic>
+      <p:pic>
+        <p:nvPicPr>
+          <p:cNvPr id="2" name="그림 1"/>
+          <p:cNvPicPr>
+            <a:picLocks noChangeAspect="1"/>
+          </p:cNvPicPr>
+          <p:nvPr/>
+        </p:nvPicPr>
+        <p:blipFill>
+          <a:blip r:embed="rId11">
+            <a:extLst>
+              <a:ext uri="{28A0092B-C50C-407E-A947-70E740481C1C}">
+                <a14:useLocalDpi xmlns:a14="http://schemas.microsoft.com/office/drawing/2010/main" val="0"/>
+              </a:ext>
+            </a:extLst>
+          </a:blip>
+          <a:stretch>
+            <a:fillRect/>
+          </a:stretch>
+        </p:blipFill>
+        <p:spPr>
+          <a:xfrm>
+            <a:off x="4800600" y="5769393"/>
+            <a:ext cx="8696918" cy="3692938"/>
+          </a:xfrm>
+          <a:prstGeom prst="rect">
+            <a:avLst/>
+          </a:prstGeom>
+        </p:spPr>
+      </p:pic>
+      <p:pic>
+        <p:nvPicPr>
+          <p:cNvPr id="4" name="그림 3"/>
+          <p:cNvPicPr>
+            <a:picLocks noChangeAspect="1"/>
+          </p:cNvPicPr>
+          <p:nvPr/>
+        </p:nvPicPr>
+        <p:blipFill>
+          <a:blip r:embed="rId12">
+            <a:extLst>
+              <a:ext uri="{28A0092B-C50C-407E-A947-70E740481C1C}">
+                <a14:useLocalDpi xmlns:a14="http://schemas.microsoft.com/office/drawing/2010/main" val="0"/>
+              </a:ext>
+            </a:extLst>
+          </a:blip>
+          <a:stretch>
+            <a:fillRect/>
+          </a:stretch>
+        </p:blipFill>
+        <p:spPr>
+          <a:xfrm>
+            <a:off x="670306" y="2614687"/>
+            <a:ext cx="6459259" cy="2652697"/>
+          </a:xfrm>
+          <a:prstGeom prst="rect">
+            <a:avLst/>
+          </a:prstGeom>
+        </p:spPr>
+      </p:pic>
+      <p:sp>
+        <p:nvSpPr>
+          <p:cNvPr id="14" name="TextBox 13"/>
+          <p:cNvSpPr txBox="1"/>
+          <p:nvPr/>
+        </p:nvSpPr>
+        <p:spPr>
+          <a:xfrm>
+            <a:off x="8098262" y="3176431"/>
+            <a:ext cx="9267623" cy="646331"/>
+          </a:xfrm>
+          <a:prstGeom prst="rect">
+            <a:avLst/>
+          </a:prstGeom>
+          <a:noFill/>
+        </p:spPr>
+        <p:txBody>
+          <a:bodyPr wrap="square" rtlCol="0">
+            <a:spAutoFit/>
+          </a:bodyPr>
+          <a:lstStyle/>
+          <a:p>
+            <a:r>
+              <a:rPr lang="ko-KR" altLang="en-US" dirty="0"/>
+              <a:t>웨이퍼 불량률 공정 </a:t>
+            </a:r>
+            <a:r>
+              <a:rPr lang="ko-KR" altLang="en-US" dirty="0" smtClean="0"/>
+              <a:t>관련 </a:t>
+            </a:r>
+            <a:r>
+              <a:rPr lang="ko-KR" altLang="en-US" dirty="0" err="1" smtClean="0"/>
+              <a:t>머신러닝을</a:t>
+            </a:r>
+            <a:r>
+              <a:rPr lang="ko-KR" altLang="en-US" dirty="0" smtClean="0"/>
+              <a:t> </a:t>
+            </a:r>
+            <a:endParaRPr lang="en-US" altLang="ko-KR" dirty="0" smtClean="0"/>
+          </a:p>
+          <a:p>
+            <a:r>
+              <a:rPr lang="en-US" altLang="ko-KR" dirty="0"/>
+              <a:t>	</a:t>
+            </a:r>
+            <a:r>
+              <a:rPr lang="en-US" altLang="ko-KR" dirty="0" smtClean="0"/>
+              <a:t>	</a:t>
+            </a:r>
+            <a:r>
+              <a:rPr lang="ko-KR" altLang="en-US" dirty="0" smtClean="0"/>
+              <a:t> </a:t>
+            </a:r>
+            <a:r>
+              <a:rPr lang="ko-KR" altLang="en-US" dirty="0"/>
+              <a:t>트레이닝 시킨 모델보다 테스트한 모델의 수가 많음을 확인 </a:t>
+            </a:r>
+          </a:p>
+        </p:txBody>
+      </p:sp>
+      <p:sp>
+        <p:nvSpPr>
+          <p:cNvPr id="10" name="TextBox 9"/>
+          <p:cNvSpPr txBox="1"/>
+          <p:nvPr/>
+        </p:nvSpPr>
+        <p:spPr>
+          <a:xfrm>
+            <a:off x="15310466" y="826357"/>
+            <a:ext cx="2133600" cy="369332"/>
+          </a:xfrm>
+          <a:prstGeom prst="rect">
+            <a:avLst/>
+          </a:prstGeom>
+          <a:noFill/>
+        </p:spPr>
+        <p:txBody>
+          <a:bodyPr wrap="square" rtlCol="0">
+            <a:spAutoFit/>
+          </a:bodyPr>
+          <a:lstStyle/>
+          <a:p>
+            <a:r>
+              <a:rPr lang="ko-KR" altLang="en-US" dirty="0" smtClean="0"/>
+              <a:t>기표</a:t>
+            </a:r>
+            <a:r>
+              <a:rPr lang="en-US" altLang="ko-KR" dirty="0" smtClean="0"/>
+              <a:t>, </a:t>
+            </a:r>
+            <a:r>
+              <a:rPr lang="ko-KR" altLang="en-US" dirty="0" smtClean="0"/>
+              <a:t>영석</a:t>
+            </a:r>
+            <a:endParaRPr lang="ko-KR" altLang="en-US" dirty="0"/>
+          </a:p>
+        </p:txBody>
+      </p:sp>
     </p:spTree>
   </p:cSld>
   <p:clrMapOvr>
@@ -5316,15 +5898,7 @@
 
 <file path=ppt/slides/slide16.xml><?xml version="1.0" encoding="utf-8"?>
 <p:sld xmlns:a="http://schemas.openxmlformats.org/drawingml/2006/main" xmlns:r="http://schemas.openxmlformats.org/officeDocument/2006/relationships" xmlns:p="http://schemas.openxmlformats.org/presentationml/2006/main">
-  <p:cSld name="Slide 16">
-    <p:bg>
-      <p:bgPr>
-        <a:solidFill>
-          <a:srgbClr val="FFFFFF"/>
-        </a:solidFill>
-        <a:effectLst/>
-      </p:bgPr>
-    </p:bg>
+  <p:cSld>
     <p:spTree>
       <p:nvGrpSpPr>
         <p:cNvPr id="1" name=""/>
@@ -5594,124 +6168,138 @@
           </a:prstGeom>
         </p:spPr>
       </p:pic>
-      <p:grpSp>
-        <p:nvGrpSpPr>
-          <p:cNvPr id="1002" name="그룹 1002"/>
-          <p:cNvGrpSpPr/>
-          <p:nvPr/>
-        </p:nvGrpSpPr>
-        <p:grpSpPr>
-          <a:xfrm>
-            <a:off x="1246670" y="2888771"/>
-            <a:ext cx="4465234" cy="6170091"/>
-            <a:chOff x="1246670" y="2888771"/>
-            <a:chExt cx="4465234" cy="6170091"/>
-          </a:xfrm>
-        </p:grpSpPr>
-        <p:pic>
-          <p:nvPicPr>
-            <p:cNvPr id="15" name="Object 14"/>
-            <p:cNvPicPr>
-              <a:picLocks noChangeAspect="1"/>
-            </p:cNvPicPr>
-            <p:nvPr/>
-          </p:nvPicPr>
-          <p:blipFill>
-            <a:blip r:embed="rId12" cstate="print"/>
-            <a:stretch>
-              <a:fillRect/>
-            </a:stretch>
-          </p:blipFill>
-          <p:spPr>
-            <a:xfrm>
-              <a:off x="1246670" y="2888771"/>
-              <a:ext cx="4465234" cy="6170091"/>
-            </a:xfrm>
-            <a:prstGeom prst="rect">
-              <a:avLst/>
-            </a:prstGeom>
-          </p:spPr>
-        </p:pic>
-      </p:grpSp>
-      <p:grpSp>
-        <p:nvGrpSpPr>
-          <p:cNvPr id="1003" name="그룹 1003"/>
-          <p:cNvGrpSpPr/>
-          <p:nvPr/>
-        </p:nvGrpSpPr>
-        <p:grpSpPr>
-          <a:xfrm>
-            <a:off x="6454762" y="2919128"/>
-            <a:ext cx="4080952" cy="4674286"/>
-            <a:chOff x="6454762" y="2919128"/>
-            <a:chExt cx="4080952" cy="4674286"/>
-          </a:xfrm>
-        </p:grpSpPr>
-        <p:pic>
-          <p:nvPicPr>
-            <p:cNvPr id="18" name="Object 17"/>
-            <p:cNvPicPr>
-              <a:picLocks noChangeAspect="1"/>
-            </p:cNvPicPr>
-            <p:nvPr/>
-          </p:nvPicPr>
-          <p:blipFill>
-            <a:blip r:embed="rId13" cstate="print"/>
-            <a:stretch>
-              <a:fillRect/>
-            </a:stretch>
-          </p:blipFill>
-          <p:spPr>
-            <a:xfrm>
-              <a:off x="6454762" y="2919128"/>
-              <a:ext cx="4080952" cy="4674286"/>
-            </a:xfrm>
-            <a:prstGeom prst="rect">
-              <a:avLst/>
-            </a:prstGeom>
-          </p:spPr>
-        </p:pic>
-      </p:grpSp>
-      <p:grpSp>
-        <p:nvGrpSpPr>
-          <p:cNvPr id="1004" name="그룹 1004"/>
-          <p:cNvGrpSpPr/>
-          <p:nvPr/>
-        </p:nvGrpSpPr>
-        <p:grpSpPr>
-          <a:xfrm>
-            <a:off x="12512556" y="3181958"/>
-            <a:ext cx="4904046" cy="4392739"/>
-            <a:chOff x="12512556" y="3181958"/>
-            <a:chExt cx="4904046" cy="4392739"/>
-          </a:xfrm>
-        </p:grpSpPr>
-        <p:pic>
-          <p:nvPicPr>
-            <p:cNvPr id="21" name="Object 20"/>
-            <p:cNvPicPr>
-              <a:picLocks noChangeAspect="1"/>
-            </p:cNvPicPr>
-            <p:nvPr/>
-          </p:nvPicPr>
-          <p:blipFill>
-            <a:blip r:embed="rId14" cstate="print"/>
-            <a:stretch>
-              <a:fillRect/>
-            </a:stretch>
-          </p:blipFill>
-          <p:spPr>
-            <a:xfrm>
-              <a:off x="12512556" y="3181958"/>
-              <a:ext cx="4904046" cy="4392739"/>
-            </a:xfrm>
-            <a:prstGeom prst="rect">
-              <a:avLst/>
-            </a:prstGeom>
-          </p:spPr>
-        </p:pic>
-      </p:grpSp>
+      <p:pic>
+        <p:nvPicPr>
+          <p:cNvPr id="4" name="그림 3"/>
+          <p:cNvPicPr>
+            <a:picLocks noChangeAspect="1"/>
+          </p:cNvPicPr>
+          <p:nvPr/>
+        </p:nvPicPr>
+        <p:blipFill>
+          <a:blip r:embed="rId12">
+            <a:extLst>
+              <a:ext uri="{28A0092B-C50C-407E-A947-70E740481C1C}">
+                <a14:useLocalDpi xmlns:a14="http://schemas.microsoft.com/office/drawing/2010/main" val="0"/>
+              </a:ext>
+            </a:extLst>
+          </a:blip>
+          <a:stretch>
+            <a:fillRect/>
+          </a:stretch>
+        </p:blipFill>
+        <p:spPr>
+          <a:xfrm>
+            <a:off x="7696200" y="3618296"/>
+            <a:ext cx="9250625" cy="6344503"/>
+          </a:xfrm>
+          <a:prstGeom prst="rect">
+            <a:avLst/>
+          </a:prstGeom>
+        </p:spPr>
+      </p:pic>
+      <p:pic>
+        <p:nvPicPr>
+          <p:cNvPr id="14" name="그림 13"/>
+          <p:cNvPicPr>
+            <a:picLocks noChangeAspect="1"/>
+          </p:cNvPicPr>
+          <p:nvPr/>
+        </p:nvPicPr>
+        <p:blipFill rotWithShape="1">
+          <a:blip r:embed="rId13">
+            <a:extLst>
+              <a:ext uri="{28A0092B-C50C-407E-A947-70E740481C1C}">
+                <a14:useLocalDpi xmlns:a14="http://schemas.microsoft.com/office/drawing/2010/main" val="0"/>
+              </a:ext>
+            </a:extLst>
+          </a:blip>
+          <a:srcRect r="30814" b="-2904"/>
+          <a:stretch/>
+        </p:blipFill>
+        <p:spPr>
+          <a:xfrm>
+            <a:off x="231302" y="3961270"/>
+            <a:ext cx="7156909" cy="4423132"/>
+          </a:xfrm>
+          <a:prstGeom prst="rect">
+            <a:avLst/>
+          </a:prstGeom>
+        </p:spPr>
+      </p:pic>
+      <p:pic>
+        <p:nvPicPr>
+          <p:cNvPr id="15" name="그림 14"/>
+          <p:cNvPicPr>
+            <a:picLocks noChangeAspect="1"/>
+          </p:cNvPicPr>
+          <p:nvPr/>
+        </p:nvPicPr>
+        <p:blipFill rotWithShape="1">
+          <a:blip r:embed="rId14">
+            <a:extLst>
+              <a:ext uri="{28A0092B-C50C-407E-A947-70E740481C1C}">
+                <a14:useLocalDpi xmlns:a14="http://schemas.microsoft.com/office/drawing/2010/main" val="0"/>
+              </a:ext>
+            </a:extLst>
+          </a:blip>
+          <a:srcRect l="1622" t="3561"/>
+          <a:stretch/>
+        </p:blipFill>
+        <p:spPr>
+          <a:xfrm>
+            <a:off x="7801531" y="793528"/>
+            <a:ext cx="6212403" cy="2375087"/>
+          </a:xfrm>
+          <a:prstGeom prst="rect">
+            <a:avLst/>
+          </a:prstGeom>
+        </p:spPr>
+      </p:pic>
+      <p:sp>
+        <p:nvSpPr>
+          <p:cNvPr id="16" name="TextBox 15"/>
+          <p:cNvSpPr txBox="1"/>
+          <p:nvPr/>
+        </p:nvSpPr>
+        <p:spPr>
+          <a:xfrm>
+            <a:off x="15310466" y="826358"/>
+            <a:ext cx="2133600" cy="369332"/>
+          </a:xfrm>
+          <a:prstGeom prst="rect">
+            <a:avLst/>
+          </a:prstGeom>
+          <a:noFill/>
+        </p:spPr>
+        <p:txBody>
+          <a:bodyPr wrap="square" rtlCol="0">
+            <a:spAutoFit/>
+          </a:bodyPr>
+          <a:lstStyle/>
+          <a:p>
+            <a:r>
+              <a:rPr lang="ko-KR" altLang="en-US" dirty="0" smtClean="0"/>
+              <a:t>기표</a:t>
+            </a:r>
+            <a:r>
+              <a:rPr lang="en-US" altLang="ko-KR" dirty="0" smtClean="0"/>
+              <a:t>, </a:t>
+            </a:r>
+            <a:r>
+              <a:rPr lang="ko-KR" altLang="en-US" dirty="0" smtClean="0"/>
+              <a:t>영석</a:t>
+            </a:r>
+            <a:endParaRPr lang="ko-KR" altLang="en-US" dirty="0"/>
+          </a:p>
+        </p:txBody>
+      </p:sp>
     </p:spTree>
+    <p:extLst>
+      <p:ext uri="{BB962C8B-B14F-4D97-AF65-F5344CB8AC3E}">
+        <p14:creationId xmlns:p14="http://schemas.microsoft.com/office/powerpoint/2010/main" val="1566289031"/>
+      </p:ext>
+    </p:extLst>
   </p:cSld>
   <p:clrMapOvr>
     <a:masterClrMapping/>
@@ -5721,15 +6309,7 @@
 
 <file path=ppt/slides/slide17.xml><?xml version="1.0" encoding="utf-8"?>
 <p:sld xmlns:a="http://schemas.openxmlformats.org/drawingml/2006/main" xmlns:r="http://schemas.openxmlformats.org/officeDocument/2006/relationships" xmlns:p="http://schemas.openxmlformats.org/presentationml/2006/main">
-  <p:cSld name="Slide 17">
-    <p:bg>
-      <p:bgPr>
-        <a:solidFill>
-          <a:srgbClr val="FFFFFF"/>
-        </a:solidFill>
-        <a:effectLst/>
-      </p:bgPr>
-    </p:bg>
+  <p:cSld>
     <p:spTree>
       <p:nvGrpSpPr>
         <p:cNvPr id="1" name=""/>
@@ -5881,7 +6461,7 @@
       </p:pic>
       <p:pic>
         <p:nvPicPr>
-          <p:cNvPr id="9" name="Object 8"/>
+          <p:cNvPr id="10" name="Object 9"/>
           <p:cNvPicPr>
             <a:picLocks noChangeAspect="1"/>
           </p:cNvPicPr>
@@ -5889,30 +6469,6 @@
         </p:nvPicPr>
         <p:blipFill>
           <a:blip r:embed="rId7" cstate="print"/>
-          <a:stretch>
-            <a:fillRect/>
-          </a:stretch>
-        </p:blipFill>
-        <p:spPr>
-          <a:xfrm>
-            <a:off x="12922495" y="5036943"/>
-            <a:ext cx="2097004" cy="725861"/>
-          </a:xfrm>
-          <a:prstGeom prst="rect">
-            <a:avLst/>
-          </a:prstGeom>
-        </p:spPr>
-      </p:pic>
-      <p:pic>
-        <p:nvPicPr>
-          <p:cNvPr id="10" name="Object 9"/>
-          <p:cNvPicPr>
-            <a:picLocks noChangeAspect="1"/>
-          </p:cNvPicPr>
-          <p:nvPr/>
-        </p:nvPicPr>
-        <p:blipFill>
-          <a:blip r:embed="rId8" cstate="print"/>
           <a:stretch>
             <a:fillRect/>
           </a:stretch>
@@ -5936,7 +6492,7 @@
           <p:nvPr/>
         </p:nvPicPr>
         <p:blipFill>
-          <a:blip r:embed="rId9" cstate="print"/>
+          <a:blip r:embed="rId8" cstate="print"/>
           <a:stretch>
             <a:fillRect/>
           </a:stretch>
@@ -5960,7 +6516,7 @@
           <p:nvPr/>
         </p:nvPicPr>
         <p:blipFill>
-          <a:blip r:embed="rId10" cstate="print"/>
+          <a:blip r:embed="rId9" cstate="print"/>
           <a:stretch>
             <a:fillRect/>
           </a:stretch>
@@ -5984,7 +6540,7 @@
           <p:nvPr/>
         </p:nvPicPr>
         <p:blipFill>
-          <a:blip r:embed="rId11" cstate="print"/>
+          <a:blip r:embed="rId10" cstate="print"/>
           <a:stretch>
             <a:fillRect/>
           </a:stretch>
@@ -5999,475 +6555,164 @@
           </a:prstGeom>
         </p:spPr>
       </p:pic>
-      <p:grpSp>
-        <p:nvGrpSpPr>
-          <p:cNvPr id="1002" name="그룹 1002"/>
-          <p:cNvGrpSpPr/>
-          <p:nvPr/>
-        </p:nvGrpSpPr>
-        <p:grpSpPr>
-          <a:xfrm>
-            <a:off x="1666667" y="3157073"/>
-            <a:ext cx="4139104" cy="2217008"/>
-            <a:chOff x="1666667" y="3157073"/>
-            <a:chExt cx="4139104" cy="2217008"/>
-          </a:xfrm>
-        </p:grpSpPr>
-        <p:pic>
-          <p:nvPicPr>
-            <p:cNvPr id="15" name="Object 14"/>
-            <p:cNvPicPr>
-              <a:picLocks noChangeAspect="1"/>
-            </p:cNvPicPr>
-            <p:nvPr/>
-          </p:nvPicPr>
-          <p:blipFill>
-            <a:blip r:embed="rId12" cstate="print"/>
-            <a:stretch>
-              <a:fillRect/>
-            </a:stretch>
-          </p:blipFill>
-          <p:spPr>
-            <a:xfrm>
-              <a:off x="1666667" y="3157073"/>
-              <a:ext cx="4139104" cy="2217008"/>
-            </a:xfrm>
-            <a:prstGeom prst="rect">
-              <a:avLst/>
-            </a:prstGeom>
-          </p:spPr>
-        </p:pic>
-      </p:grpSp>
-      <p:grpSp>
-        <p:nvGrpSpPr>
-          <p:cNvPr id="1003" name="그룹 1003"/>
-          <p:cNvGrpSpPr/>
-          <p:nvPr/>
-        </p:nvGrpSpPr>
-        <p:grpSpPr>
-          <a:xfrm>
-            <a:off x="6038095" y="3236556"/>
-            <a:ext cx="3851945" cy="2380983"/>
-            <a:chOff x="6038095" y="3236556"/>
-            <a:chExt cx="3851945" cy="2380983"/>
-          </a:xfrm>
-        </p:grpSpPr>
-        <p:pic>
-          <p:nvPicPr>
-            <p:cNvPr id="18" name="Object 17"/>
-            <p:cNvPicPr>
-              <a:picLocks noChangeAspect="1"/>
-            </p:cNvPicPr>
-            <p:nvPr/>
-          </p:nvPicPr>
-          <p:blipFill>
-            <a:blip r:embed="rId13" cstate="print"/>
-            <a:stretch>
-              <a:fillRect/>
-            </a:stretch>
-          </p:blipFill>
-          <p:spPr>
-            <a:xfrm>
-              <a:off x="6038095" y="3236556"/>
-              <a:ext cx="3851945" cy="2380983"/>
-            </a:xfrm>
-            <a:prstGeom prst="rect">
-              <a:avLst/>
-            </a:prstGeom>
-          </p:spPr>
-        </p:pic>
-      </p:grpSp>
-      <p:grpSp>
-        <p:nvGrpSpPr>
-          <p:cNvPr id="1004" name="그룹 1004"/>
-          <p:cNvGrpSpPr/>
-          <p:nvPr/>
-        </p:nvGrpSpPr>
-        <p:grpSpPr>
-          <a:xfrm>
-            <a:off x="10328135" y="3224869"/>
-            <a:ext cx="4475449" cy="2495063"/>
-            <a:chOff x="10328135" y="3224869"/>
-            <a:chExt cx="4475449" cy="2495063"/>
-          </a:xfrm>
-        </p:grpSpPr>
-        <p:pic>
-          <p:nvPicPr>
-            <p:cNvPr id="21" name="Object 20"/>
-            <p:cNvPicPr>
-              <a:picLocks noChangeAspect="1"/>
-            </p:cNvPicPr>
-            <p:nvPr/>
-          </p:nvPicPr>
-          <p:blipFill>
-            <a:blip r:embed="rId14" cstate="print"/>
-            <a:stretch>
-              <a:fillRect/>
-            </a:stretch>
-          </p:blipFill>
-          <p:spPr>
-            <a:xfrm>
-              <a:off x="10328135" y="3224869"/>
-              <a:ext cx="4475449" cy="2495063"/>
-            </a:xfrm>
-            <a:prstGeom prst="rect">
-              <a:avLst/>
-            </a:prstGeom>
-          </p:spPr>
-        </p:pic>
-      </p:grpSp>
-      <p:grpSp>
-        <p:nvGrpSpPr>
-          <p:cNvPr id="1005" name="그룹 1005"/>
-          <p:cNvGrpSpPr/>
-          <p:nvPr/>
-        </p:nvGrpSpPr>
-        <p:grpSpPr>
-          <a:xfrm>
-            <a:off x="1666667" y="5617539"/>
-            <a:ext cx="4315294" cy="2707847"/>
-            <a:chOff x="1666667" y="5617539"/>
-            <a:chExt cx="4315294" cy="2707847"/>
-          </a:xfrm>
-        </p:grpSpPr>
-        <p:pic>
-          <p:nvPicPr>
-            <p:cNvPr id="24" name="Object 23"/>
-            <p:cNvPicPr>
-              <a:picLocks noChangeAspect="1"/>
-            </p:cNvPicPr>
-            <p:nvPr/>
-          </p:nvPicPr>
-          <p:blipFill>
-            <a:blip r:embed="rId15" cstate="print"/>
-            <a:stretch>
-              <a:fillRect/>
-            </a:stretch>
-          </p:blipFill>
-          <p:spPr>
-            <a:xfrm>
-              <a:off x="1666667" y="5617539"/>
-              <a:ext cx="4315294" cy="2707847"/>
-            </a:xfrm>
-            <a:prstGeom prst="rect">
-              <a:avLst/>
-            </a:prstGeom>
-          </p:spPr>
-        </p:pic>
-      </p:grpSp>
-      <p:grpSp>
-        <p:nvGrpSpPr>
-          <p:cNvPr id="1006" name="그룹 1006"/>
-          <p:cNvGrpSpPr/>
-          <p:nvPr/>
-        </p:nvGrpSpPr>
-        <p:grpSpPr>
-          <a:xfrm>
-            <a:off x="6038095" y="5617539"/>
-            <a:ext cx="4359961" cy="2735875"/>
-            <a:chOff x="6038095" y="5617539"/>
-            <a:chExt cx="4359961" cy="2735875"/>
-          </a:xfrm>
-        </p:grpSpPr>
-        <p:pic>
-          <p:nvPicPr>
-            <p:cNvPr id="27" name="Object 26"/>
-            <p:cNvPicPr>
-              <a:picLocks noChangeAspect="1"/>
-            </p:cNvPicPr>
-            <p:nvPr/>
-          </p:nvPicPr>
-          <p:blipFill>
-            <a:blip r:embed="rId16" cstate="print"/>
-            <a:stretch>
-              <a:fillRect/>
-            </a:stretch>
-          </p:blipFill>
-          <p:spPr>
-            <a:xfrm>
-              <a:off x="6038095" y="5617539"/>
-              <a:ext cx="4359961" cy="2735875"/>
-            </a:xfrm>
-            <a:prstGeom prst="rect">
-              <a:avLst/>
-            </a:prstGeom>
-          </p:spPr>
-        </p:pic>
-      </p:grpSp>
-      <p:grpSp>
-        <p:nvGrpSpPr>
-          <p:cNvPr id="1007" name="그룹 1007"/>
-          <p:cNvGrpSpPr/>
-          <p:nvPr/>
-        </p:nvGrpSpPr>
-        <p:grpSpPr>
-          <a:xfrm>
-            <a:off x="10928219" y="5834125"/>
-            <a:ext cx="3875365" cy="2373813"/>
-            <a:chOff x="10928219" y="5834125"/>
-            <a:chExt cx="3875365" cy="2373813"/>
-          </a:xfrm>
-        </p:grpSpPr>
-        <p:pic>
-          <p:nvPicPr>
-            <p:cNvPr id="30" name="Object 29"/>
-            <p:cNvPicPr>
-              <a:picLocks noChangeAspect="1"/>
-            </p:cNvPicPr>
-            <p:nvPr/>
-          </p:nvPicPr>
-          <p:blipFill>
-            <a:blip r:embed="rId17" cstate="print"/>
-            <a:stretch>
-              <a:fillRect/>
-            </a:stretch>
-          </p:blipFill>
-          <p:spPr>
-            <a:xfrm>
-              <a:off x="10928219" y="5834125"/>
-              <a:ext cx="3875365" cy="2373813"/>
-            </a:xfrm>
-            <a:prstGeom prst="rect">
-              <a:avLst/>
-            </a:prstGeom>
-          </p:spPr>
-        </p:pic>
-      </p:grpSp>
-      <p:grpSp>
-        <p:nvGrpSpPr>
-          <p:cNvPr id="1008" name="그룹 1008"/>
-          <p:cNvGrpSpPr/>
-          <p:nvPr/>
-        </p:nvGrpSpPr>
-        <p:grpSpPr>
-          <a:xfrm>
-            <a:off x="-514286" y="8298630"/>
-            <a:ext cx="3371701" cy="1987084"/>
-            <a:chOff x="-514286" y="8298630"/>
-            <a:chExt cx="3371701" cy="1987084"/>
-          </a:xfrm>
-        </p:grpSpPr>
-        <p:pic>
-          <p:nvPicPr>
-            <p:cNvPr id="33" name="Object 32"/>
-            <p:cNvPicPr>
-              <a:picLocks noChangeAspect="1"/>
-            </p:cNvPicPr>
-            <p:nvPr/>
-          </p:nvPicPr>
-          <p:blipFill>
-            <a:blip r:embed="rId18" cstate="print"/>
-            <a:stretch>
-              <a:fillRect/>
-            </a:stretch>
-          </p:blipFill>
-          <p:spPr>
-            <a:xfrm>
-              <a:off x="-514286" y="8298630"/>
-              <a:ext cx="3371701" cy="1987084"/>
-            </a:xfrm>
-            <a:prstGeom prst="rect">
-              <a:avLst/>
-            </a:prstGeom>
-          </p:spPr>
-        </p:pic>
-      </p:grpSp>
-      <p:grpSp>
-        <p:nvGrpSpPr>
-          <p:cNvPr id="1009" name="그룹 1009"/>
-          <p:cNvGrpSpPr/>
-          <p:nvPr/>
-        </p:nvGrpSpPr>
-        <p:grpSpPr>
-          <a:xfrm>
-            <a:off x="2952381" y="8590500"/>
-            <a:ext cx="3085714" cy="1695214"/>
-            <a:chOff x="2952381" y="8590500"/>
-            <a:chExt cx="3085714" cy="1695214"/>
-          </a:xfrm>
-        </p:grpSpPr>
-        <p:pic>
-          <p:nvPicPr>
-            <p:cNvPr id="36" name="Object 35"/>
-            <p:cNvPicPr>
-              <a:picLocks noChangeAspect="1"/>
-            </p:cNvPicPr>
-            <p:nvPr/>
-          </p:nvPicPr>
-          <p:blipFill>
-            <a:blip r:embed="rId19" cstate="print"/>
-            <a:stretch>
-              <a:fillRect/>
-            </a:stretch>
-          </p:blipFill>
-          <p:spPr>
-            <a:xfrm>
-              <a:off x="2952381" y="8590500"/>
-              <a:ext cx="3085714" cy="1695214"/>
-            </a:xfrm>
-            <a:prstGeom prst="rect">
-              <a:avLst/>
-            </a:prstGeom>
-          </p:spPr>
-        </p:pic>
-      </p:grpSp>
-      <p:grpSp>
-        <p:nvGrpSpPr>
-          <p:cNvPr id="1010" name="그룹 1010"/>
-          <p:cNvGrpSpPr/>
-          <p:nvPr/>
-        </p:nvGrpSpPr>
-        <p:grpSpPr>
-          <a:xfrm>
-            <a:off x="5794055" y="8674502"/>
-            <a:ext cx="2644040" cy="1611212"/>
-            <a:chOff x="5794055" y="8674502"/>
-            <a:chExt cx="2644040" cy="1611212"/>
-          </a:xfrm>
-        </p:grpSpPr>
-        <p:pic>
-          <p:nvPicPr>
-            <p:cNvPr id="39" name="Object 38"/>
-            <p:cNvPicPr>
-              <a:picLocks noChangeAspect="1"/>
-            </p:cNvPicPr>
-            <p:nvPr/>
-          </p:nvPicPr>
-          <p:blipFill>
-            <a:blip r:embed="rId20" cstate="print"/>
-            <a:stretch>
-              <a:fillRect/>
-            </a:stretch>
-          </p:blipFill>
-          <p:spPr>
-            <a:xfrm>
-              <a:off x="5794055" y="8674502"/>
-              <a:ext cx="2644040" cy="1611212"/>
-            </a:xfrm>
-            <a:prstGeom prst="rect">
-              <a:avLst/>
-            </a:prstGeom>
-          </p:spPr>
-        </p:pic>
-      </p:grpSp>
-      <p:grpSp>
-        <p:nvGrpSpPr>
-          <p:cNvPr id="1011" name="그룹 1011"/>
-          <p:cNvGrpSpPr/>
-          <p:nvPr/>
-        </p:nvGrpSpPr>
-        <p:grpSpPr>
-          <a:xfrm>
-            <a:off x="7573936" y="7707088"/>
-            <a:ext cx="3576025" cy="3462039"/>
-            <a:chOff x="7573936" y="7707088"/>
-            <a:chExt cx="3576025" cy="3462039"/>
-          </a:xfrm>
-        </p:grpSpPr>
-        <p:pic>
-          <p:nvPicPr>
-            <p:cNvPr id="42" name="Object 41"/>
-            <p:cNvPicPr>
-              <a:picLocks noChangeAspect="1"/>
-            </p:cNvPicPr>
-            <p:nvPr/>
-          </p:nvPicPr>
-          <p:blipFill>
-            <a:blip r:embed="rId21" cstate="print"/>
-            <a:stretch>
-              <a:fillRect/>
-            </a:stretch>
-          </p:blipFill>
-          <p:spPr>
-            <a:xfrm>
-              <a:off x="7573936" y="7707088"/>
-              <a:ext cx="3576025" cy="3462039"/>
-            </a:xfrm>
-            <a:prstGeom prst="rect">
-              <a:avLst/>
-            </a:prstGeom>
-          </p:spPr>
-        </p:pic>
-      </p:grpSp>
-      <p:grpSp>
-        <p:nvGrpSpPr>
-          <p:cNvPr id="1012" name="그룹 1012"/>
-          <p:cNvGrpSpPr/>
-          <p:nvPr/>
-        </p:nvGrpSpPr>
-        <p:grpSpPr>
-          <a:xfrm>
-            <a:off x="10885115" y="8188891"/>
-            <a:ext cx="4405529" cy="3448402"/>
-            <a:chOff x="10885115" y="8188891"/>
-            <a:chExt cx="4405529" cy="3448402"/>
-          </a:xfrm>
-        </p:grpSpPr>
-        <p:pic>
-          <p:nvPicPr>
-            <p:cNvPr id="45" name="Object 44"/>
-            <p:cNvPicPr>
-              <a:picLocks noChangeAspect="1"/>
-            </p:cNvPicPr>
-            <p:nvPr/>
-          </p:nvPicPr>
-          <p:blipFill>
-            <a:blip r:embed="rId22" cstate="print"/>
-            <a:stretch>
-              <a:fillRect/>
-            </a:stretch>
-          </p:blipFill>
-          <p:spPr>
-            <a:xfrm>
-              <a:off x="10885115" y="8188891"/>
-              <a:ext cx="4405529" cy="3448402"/>
-            </a:xfrm>
-            <a:prstGeom prst="rect">
-              <a:avLst/>
-            </a:prstGeom>
-          </p:spPr>
-        </p:pic>
-      </p:grpSp>
-      <p:grpSp>
-        <p:nvGrpSpPr>
-          <p:cNvPr id="1013" name="그룹 1013"/>
-          <p:cNvGrpSpPr/>
-          <p:nvPr/>
-        </p:nvGrpSpPr>
-        <p:grpSpPr>
-          <a:xfrm>
-            <a:off x="14803585" y="7949528"/>
-            <a:ext cx="6171429" cy="3872571"/>
-            <a:chOff x="14803585" y="7949528"/>
-            <a:chExt cx="6171429" cy="3872571"/>
-          </a:xfrm>
-        </p:grpSpPr>
-        <p:pic>
-          <p:nvPicPr>
-            <p:cNvPr id="48" name="Object 47"/>
-            <p:cNvPicPr>
-              <a:picLocks noChangeAspect="1"/>
-            </p:cNvPicPr>
-            <p:nvPr/>
-          </p:nvPicPr>
-          <p:blipFill>
-            <a:blip r:embed="rId23" cstate="print"/>
-            <a:stretch>
-              <a:fillRect/>
-            </a:stretch>
-          </p:blipFill>
-          <p:spPr>
-            <a:xfrm>
-              <a:off x="14803585" y="7949528"/>
-              <a:ext cx="6171429" cy="3872571"/>
-            </a:xfrm>
-            <a:prstGeom prst="rect">
-              <a:avLst/>
-            </a:prstGeom>
-          </p:spPr>
-        </p:pic>
-      </p:grpSp>
+      <p:pic>
+        <p:nvPicPr>
+          <p:cNvPr id="14" name="그림 13"/>
+          <p:cNvPicPr>
+            <a:picLocks noChangeAspect="1"/>
+          </p:cNvPicPr>
+          <p:nvPr/>
+        </p:nvPicPr>
+        <p:blipFill>
+          <a:blip r:embed="rId11">
+            <a:extLst>
+              <a:ext uri="{28A0092B-C50C-407E-A947-70E740481C1C}">
+                <a14:useLocalDpi xmlns:a14="http://schemas.microsoft.com/office/drawing/2010/main" val="0"/>
+              </a:ext>
+            </a:extLst>
+          </a:blip>
+          <a:stretch>
+            <a:fillRect/>
+          </a:stretch>
+        </p:blipFill>
+        <p:spPr>
+          <a:xfrm>
+            <a:off x="-1937195" y="2789224"/>
+            <a:ext cx="11847576" cy="6438900"/>
+          </a:xfrm>
+          <a:prstGeom prst="rect">
+            <a:avLst/>
+          </a:prstGeom>
+        </p:spPr>
+      </p:pic>
+      <p:pic>
+        <p:nvPicPr>
+          <p:cNvPr id="4" name="그림 3"/>
+          <p:cNvPicPr>
+            <a:picLocks noChangeAspect="1"/>
+          </p:cNvPicPr>
+          <p:nvPr/>
+        </p:nvPicPr>
+        <p:blipFill>
+          <a:blip r:embed="rId12">
+            <a:extLst>
+              <a:ext uri="{28A0092B-C50C-407E-A947-70E740481C1C}">
+                <a14:useLocalDpi xmlns:a14="http://schemas.microsoft.com/office/drawing/2010/main" val="0"/>
+              </a:ext>
+            </a:extLst>
+          </a:blip>
+          <a:stretch>
+            <a:fillRect/>
+          </a:stretch>
+        </p:blipFill>
+        <p:spPr>
+          <a:xfrm>
+            <a:off x="8239347" y="1569223"/>
+            <a:ext cx="7568682" cy="1669324"/>
+          </a:xfrm>
+          <a:prstGeom prst="rect">
+            <a:avLst/>
+          </a:prstGeom>
+        </p:spPr>
+      </p:pic>
+      <p:sp>
+        <p:nvSpPr>
+          <p:cNvPr id="16" name="TextBox 15"/>
+          <p:cNvSpPr txBox="1"/>
+          <p:nvPr/>
+        </p:nvSpPr>
+        <p:spPr>
+          <a:xfrm>
+            <a:off x="10287000" y="3543300"/>
+            <a:ext cx="6777169" cy="369332"/>
+          </a:xfrm>
+          <a:prstGeom prst="rect">
+            <a:avLst/>
+          </a:prstGeom>
+          <a:noFill/>
+        </p:spPr>
+        <p:txBody>
+          <a:bodyPr wrap="square" rtlCol="0">
+            <a:spAutoFit/>
+          </a:bodyPr>
+          <a:lstStyle/>
+          <a:p>
+            <a:r>
+              <a:rPr lang="ko-KR" altLang="en-US" dirty="0" smtClean="0"/>
+              <a:t>웨이퍼 </a:t>
+            </a:r>
+            <a:r>
+              <a:rPr lang="ko-KR" altLang="en-US" dirty="0" err="1" smtClean="0"/>
+              <a:t>수율은</a:t>
+            </a:r>
+            <a:r>
+              <a:rPr lang="ko-KR" altLang="en-US" dirty="0" smtClean="0"/>
+              <a:t> </a:t>
+            </a:r>
+            <a:r>
+              <a:rPr lang="en-US" altLang="ko-KR" dirty="0" smtClean="0"/>
+              <a:t>85.2% </a:t>
+            </a:r>
+            <a:r>
+              <a:rPr lang="ko-KR" altLang="en-US" dirty="0" smtClean="0"/>
+              <a:t>이고 </a:t>
+            </a:r>
+            <a:r>
+              <a:rPr lang="en-US" altLang="ko-KR" dirty="0" smtClean="0"/>
+              <a:t>8</a:t>
+            </a:r>
+            <a:r>
+              <a:rPr lang="ko-KR" altLang="en-US" dirty="0" smtClean="0"/>
+              <a:t>가지의 불량률이 존재한다</a:t>
+            </a:r>
+            <a:endParaRPr lang="ko-KR" altLang="en-US" dirty="0"/>
+          </a:p>
+        </p:txBody>
+      </p:sp>
+      <p:sp>
+        <p:nvSpPr>
+          <p:cNvPr id="15" name="TextBox 14"/>
+          <p:cNvSpPr txBox="1"/>
+          <p:nvPr/>
+        </p:nvSpPr>
+        <p:spPr>
+          <a:xfrm>
+            <a:off x="15310466" y="820839"/>
+            <a:ext cx="2133600" cy="369332"/>
+          </a:xfrm>
+          <a:prstGeom prst="rect">
+            <a:avLst/>
+          </a:prstGeom>
+          <a:noFill/>
+        </p:spPr>
+        <p:txBody>
+          <a:bodyPr wrap="square" rtlCol="0">
+            <a:spAutoFit/>
+          </a:bodyPr>
+          <a:lstStyle/>
+          <a:p>
+            <a:r>
+              <a:rPr lang="ko-KR" altLang="en-US" smtClean="0"/>
+              <a:t>기표</a:t>
+            </a:r>
+            <a:r>
+              <a:rPr lang="en-US" altLang="ko-KR" dirty="0" smtClean="0"/>
+              <a:t>, </a:t>
+            </a:r>
+            <a:r>
+              <a:rPr lang="ko-KR" altLang="en-US" dirty="0" smtClean="0"/>
+              <a:t>영석</a:t>
+            </a:r>
+            <a:endParaRPr lang="ko-KR" altLang="en-US" dirty="0"/>
+          </a:p>
+        </p:txBody>
+      </p:sp>
     </p:spTree>
+    <p:extLst>
+      <p:ext uri="{BB962C8B-B14F-4D97-AF65-F5344CB8AC3E}">
+        <p14:creationId xmlns:p14="http://schemas.microsoft.com/office/powerpoint/2010/main" val="899728839"/>
+      </p:ext>
+    </p:extLst>
   </p:cSld>
   <p:clrMapOvr>
     <a:masterClrMapping/>
@@ -6477,15 +6722,7 @@
 
 <file path=ppt/slides/slide18.xml><?xml version="1.0" encoding="utf-8"?>
 <p:sld xmlns:a="http://schemas.openxmlformats.org/drawingml/2006/main" xmlns:r="http://schemas.openxmlformats.org/officeDocument/2006/relationships" xmlns:p="http://schemas.openxmlformats.org/presentationml/2006/main">
-  <p:cSld name="Slide 18">
-    <p:bg>
-      <p:bgPr>
-        <a:solidFill>
-          <a:srgbClr val="4C50BB"/>
-        </a:solidFill>
-        <a:effectLst/>
-      </p:bgPr>
-    </p:bg>
+  <p:cSld>
     <p:spTree>
       <p:nvGrpSpPr>
         <p:cNvPr id="1" name=""/>
@@ -6500,78 +6737,6 @@
           <a:chExt cx="0" cy="0"/>
         </a:xfrm>
       </p:grpSpPr>
-      <p:pic>
-        <p:nvPicPr>
-          <p:cNvPr id="2" name="Object 1"/>
-          <p:cNvPicPr>
-            <a:picLocks noChangeAspect="1"/>
-          </p:cNvPicPr>
-          <p:nvPr/>
-        </p:nvPicPr>
-        <p:blipFill>
-          <a:blip r:embed="rId2" cstate="print"/>
-          <a:stretch>
-            <a:fillRect/>
-          </a:stretch>
-        </p:blipFill>
-        <p:spPr>
-          <a:xfrm>
-            <a:off x="1695239" y="6574030"/>
-            <a:ext cx="9873004" cy="1243852"/>
-          </a:xfrm>
-          <a:prstGeom prst="rect">
-            <a:avLst/>
-          </a:prstGeom>
-        </p:spPr>
-      </p:pic>
-      <p:pic>
-        <p:nvPicPr>
-          <p:cNvPr id="3" name="Object 2"/>
-          <p:cNvPicPr>
-            <a:picLocks noChangeAspect="1"/>
-          </p:cNvPicPr>
-          <p:nvPr/>
-        </p:nvPicPr>
-        <p:blipFill>
-          <a:blip r:embed="rId3" cstate="print"/>
-          <a:stretch>
-            <a:fillRect/>
-          </a:stretch>
-        </p:blipFill>
-        <p:spPr>
-          <a:xfrm>
-            <a:off x="1468058" y="2416536"/>
-            <a:ext cx="3344714" cy="3278626"/>
-          </a:xfrm>
-          <a:prstGeom prst="rect">
-            <a:avLst/>
-          </a:prstGeom>
-        </p:spPr>
-      </p:pic>
-      <p:pic>
-        <p:nvPicPr>
-          <p:cNvPr id="4" name="Object 3"/>
-          <p:cNvPicPr>
-            <a:picLocks noChangeAspect="1"/>
-          </p:cNvPicPr>
-          <p:nvPr/>
-        </p:nvPicPr>
-        <p:blipFill>
-          <a:blip r:embed="rId4" cstate="print"/>
-          <a:stretch>
-            <a:fillRect/>
-          </a:stretch>
-        </p:blipFill>
-        <p:spPr>
-          <a:xfrm>
-            <a:off x="1630479" y="5005527"/>
-            <a:ext cx="6074702" cy="1446111"/>
-          </a:xfrm>
-          <a:prstGeom prst="rect">
-            <a:avLst/>
-          </a:prstGeom>
-        </p:spPr>
-      </p:pic>
       <p:grpSp>
         <p:nvGrpSpPr>
           <p:cNvPr id="1001" name="그룹 1001"/>
@@ -6580,30 +6745,30 @@
         </p:nvGrpSpPr>
         <p:grpSpPr>
           <a:xfrm>
-            <a:off x="13074845" y="-1224069"/>
-            <a:ext cx="3388803" cy="3355932"/>
-            <a:chOff x="13074845" y="-1224069"/>
-            <a:chExt cx="3388803" cy="3355932"/>
+            <a:off x="14013934" y="6172836"/>
+            <a:ext cx="3588190" cy="3553385"/>
+            <a:chOff x="14013934" y="6172836"/>
+            <a:chExt cx="3588190" cy="3553385"/>
           </a:xfrm>
         </p:grpSpPr>
         <p:pic>
           <p:nvPicPr>
-            <p:cNvPr id="6" name="Object 5"/>
+            <p:cNvPr id="3" name="Object 2"/>
             <p:cNvPicPr>
               <a:picLocks noChangeAspect="1"/>
             </p:cNvPicPr>
             <p:nvPr/>
           </p:nvPicPr>
           <p:blipFill>
-            <a:blip r:embed="rId5" cstate="print"/>
+            <a:blip r:embed="rId2" cstate="print"/>
             <a:stretch>
               <a:fillRect/>
             </a:stretch>
           </p:blipFill>
           <p:spPr>
             <a:xfrm>
-              <a:off x="13074845" y="-1224069"/>
-              <a:ext cx="3388803" cy="3355932"/>
+              <a:off x="14013934" y="6172836"/>
+              <a:ext cx="3588190" cy="3553385"/>
             </a:xfrm>
             <a:prstGeom prst="rect">
               <a:avLst/>
@@ -6611,124 +6776,383 @@
           </p:spPr>
         </p:pic>
       </p:grpSp>
-      <p:grpSp>
-        <p:nvGrpSpPr>
-          <p:cNvPr id="1002" name="그룹 1002"/>
-          <p:cNvGrpSpPr/>
-          <p:nvPr/>
-        </p:nvGrpSpPr>
-        <p:grpSpPr>
-          <a:xfrm>
-            <a:off x="15502230" y="-877556"/>
-            <a:ext cx="3902974" cy="3971928"/>
-            <a:chOff x="15502230" y="-877556"/>
-            <a:chExt cx="3902974" cy="3971928"/>
-          </a:xfrm>
-        </p:grpSpPr>
-        <p:pic>
-          <p:nvPicPr>
-            <p:cNvPr id="9" name="Object 8"/>
-            <p:cNvPicPr>
-              <a:picLocks noChangeAspect="1"/>
-            </p:cNvPicPr>
-            <p:nvPr/>
-          </p:nvPicPr>
-          <p:blipFill>
-            <a:blip r:embed="rId6" cstate="print"/>
-            <a:stretch>
-              <a:fillRect/>
-            </a:stretch>
-          </p:blipFill>
-          <p:spPr>
-            <a:xfrm rot="-2700000">
-              <a:off x="15502230" y="-877556"/>
-              <a:ext cx="3902974" cy="3971928"/>
-            </a:xfrm>
-            <a:prstGeom prst="rect">
-              <a:avLst/>
-            </a:prstGeom>
-          </p:spPr>
-        </p:pic>
-      </p:grpSp>
-      <p:grpSp>
-        <p:nvGrpSpPr>
-          <p:cNvPr id="1003" name="그룹 1003"/>
-          <p:cNvGrpSpPr/>
-          <p:nvPr/>
-        </p:nvGrpSpPr>
-        <p:grpSpPr>
-          <a:xfrm>
-            <a:off x="14137208" y="6930045"/>
-            <a:ext cx="4652881" cy="4607748"/>
-            <a:chOff x="14137208" y="6930045"/>
-            <a:chExt cx="4652881" cy="4607748"/>
-          </a:xfrm>
-        </p:grpSpPr>
-        <p:pic>
-          <p:nvPicPr>
-            <p:cNvPr id="12" name="Object 11"/>
-            <p:cNvPicPr>
-              <a:picLocks noChangeAspect="1"/>
-            </p:cNvPicPr>
-            <p:nvPr/>
-          </p:nvPicPr>
-          <p:blipFill>
-            <a:blip r:embed="rId7" cstate="print"/>
-            <a:stretch>
-              <a:fillRect/>
-            </a:stretch>
-          </p:blipFill>
-          <p:spPr>
-            <a:xfrm>
-              <a:off x="14137208" y="6930045"/>
-              <a:ext cx="4652881" cy="4607748"/>
-            </a:xfrm>
-            <a:prstGeom prst="rect">
-              <a:avLst/>
-            </a:prstGeom>
-          </p:spPr>
-        </p:pic>
-      </p:grpSp>
-      <p:grpSp>
-        <p:nvGrpSpPr>
-          <p:cNvPr id="1004" name="그룹 1004"/>
-          <p:cNvGrpSpPr/>
-          <p:nvPr/>
-        </p:nvGrpSpPr>
-        <p:grpSpPr>
-          <a:xfrm>
-            <a:off x="-159165" y="3685351"/>
-            <a:ext cx="1432688" cy="191978"/>
-            <a:chOff x="-159165" y="3685351"/>
-            <a:chExt cx="1432688" cy="191978"/>
-          </a:xfrm>
-        </p:grpSpPr>
-        <p:pic>
-          <p:nvPicPr>
-            <p:cNvPr id="15" name="Object 14"/>
-            <p:cNvPicPr>
-              <a:picLocks noChangeAspect="1"/>
-            </p:cNvPicPr>
-            <p:nvPr/>
-          </p:nvPicPr>
-          <p:blipFill>
-            <a:blip r:embed="rId8" cstate="print"/>
-            <a:stretch>
-              <a:fillRect/>
-            </a:stretch>
-          </p:blipFill>
-          <p:spPr>
-            <a:xfrm rot="-10800000">
-              <a:off x="-159165" y="3685351"/>
-              <a:ext cx="1432688" cy="191978"/>
-            </a:xfrm>
-            <a:prstGeom prst="rect">
-              <a:avLst/>
-            </a:prstGeom>
-          </p:spPr>
-        </p:pic>
-      </p:grpSp>
+      <p:pic>
+        <p:nvPicPr>
+          <p:cNvPr id="5" name="Object 4"/>
+          <p:cNvPicPr>
+            <a:picLocks noChangeAspect="1"/>
+          </p:cNvPicPr>
+          <p:nvPr/>
+        </p:nvPicPr>
+        <p:blipFill>
+          <a:blip r:embed="rId3" cstate="print"/>
+          <a:stretch>
+            <a:fillRect/>
+          </a:stretch>
+        </p:blipFill>
+        <p:spPr>
+          <a:xfrm>
+            <a:off x="14750307" y="471765"/>
+            <a:ext cx="2518316" cy="354593"/>
+          </a:xfrm>
+          <a:prstGeom prst="rect">
+            <a:avLst/>
+          </a:prstGeom>
+        </p:spPr>
+      </p:pic>
+      <p:pic>
+        <p:nvPicPr>
+          <p:cNvPr id="6" name="Object 5"/>
+          <p:cNvPicPr>
+            <a:picLocks noChangeAspect="1"/>
+          </p:cNvPicPr>
+          <p:nvPr/>
+        </p:nvPicPr>
+        <p:blipFill>
+          <a:blip r:embed="rId4" cstate="print"/>
+          <a:stretch>
+            <a:fillRect/>
+          </a:stretch>
+        </p:blipFill>
+        <p:spPr>
+          <a:xfrm>
+            <a:off x="1571431" y="1433012"/>
+            <a:ext cx="5558134" cy="1149496"/>
+          </a:xfrm>
+          <a:prstGeom prst="rect">
+            <a:avLst/>
+          </a:prstGeom>
+        </p:spPr>
+      </p:pic>
+      <p:pic>
+        <p:nvPicPr>
+          <p:cNvPr id="7" name="Object 6"/>
+          <p:cNvPicPr>
+            <a:picLocks noChangeAspect="1"/>
+          </p:cNvPicPr>
+          <p:nvPr/>
+        </p:nvPicPr>
+        <p:blipFill>
+          <a:blip r:embed="rId5" cstate="print"/>
+          <a:stretch>
+            <a:fillRect/>
+          </a:stretch>
+        </p:blipFill>
+        <p:spPr>
+          <a:xfrm>
+            <a:off x="9315537" y="5354542"/>
+            <a:ext cx="1716150" cy="540169"/>
+          </a:xfrm>
+          <a:prstGeom prst="rect">
+            <a:avLst/>
+          </a:prstGeom>
+        </p:spPr>
+      </p:pic>
+      <p:pic>
+        <p:nvPicPr>
+          <p:cNvPr id="8" name="Object 7"/>
+          <p:cNvPicPr>
+            <a:picLocks noChangeAspect="1"/>
+          </p:cNvPicPr>
+          <p:nvPr/>
+        </p:nvPicPr>
+        <p:blipFill>
+          <a:blip r:embed="rId6" cstate="print"/>
+          <a:stretch>
+            <a:fillRect/>
+          </a:stretch>
+        </p:blipFill>
+        <p:spPr>
+          <a:xfrm>
+            <a:off x="8886649" y="4898744"/>
+            <a:ext cx="2108379" cy="511598"/>
+          </a:xfrm>
+          <a:prstGeom prst="rect">
+            <a:avLst/>
+          </a:prstGeom>
+        </p:spPr>
+      </p:pic>
+      <p:pic>
+        <p:nvPicPr>
+          <p:cNvPr id="9" name="Object 8"/>
+          <p:cNvPicPr>
+            <a:picLocks noChangeAspect="1"/>
+          </p:cNvPicPr>
+          <p:nvPr/>
+        </p:nvPicPr>
+        <p:blipFill>
+          <a:blip r:embed="rId7" cstate="print"/>
+          <a:stretch>
+            <a:fillRect/>
+          </a:stretch>
+        </p:blipFill>
+        <p:spPr>
+          <a:xfrm>
+            <a:off x="12922495" y="5036943"/>
+            <a:ext cx="2097004" cy="725861"/>
+          </a:xfrm>
+          <a:prstGeom prst="rect">
+            <a:avLst/>
+          </a:prstGeom>
+        </p:spPr>
+      </p:pic>
+      <p:pic>
+        <p:nvPicPr>
+          <p:cNvPr id="10" name="Object 9"/>
+          <p:cNvPicPr>
+            <a:picLocks noChangeAspect="1"/>
+          </p:cNvPicPr>
+          <p:nvPr/>
+        </p:nvPicPr>
+        <p:blipFill>
+          <a:blip r:embed="rId8" cstate="print"/>
+          <a:stretch>
+            <a:fillRect/>
+          </a:stretch>
+        </p:blipFill>
+        <p:spPr>
+          <a:xfrm>
+            <a:off x="12554823" y="4482781"/>
+            <a:ext cx="2554926" cy="665793"/>
+          </a:xfrm>
+          <a:prstGeom prst="rect">
+            <a:avLst/>
+          </a:prstGeom>
+        </p:spPr>
+      </p:pic>
+      <p:pic>
+        <p:nvPicPr>
+          <p:cNvPr id="11" name="Object 10"/>
+          <p:cNvPicPr>
+            <a:picLocks noChangeAspect="1"/>
+          </p:cNvPicPr>
+          <p:nvPr/>
+        </p:nvPicPr>
+        <p:blipFill>
+          <a:blip r:embed="rId9" cstate="print"/>
+          <a:stretch>
+            <a:fillRect/>
+          </a:stretch>
+        </p:blipFill>
+        <p:spPr>
+          <a:xfrm>
+            <a:off x="12476481" y="5769393"/>
+            <a:ext cx="2833985" cy="414185"/>
+          </a:xfrm>
+          <a:prstGeom prst="rect">
+            <a:avLst/>
+          </a:prstGeom>
+        </p:spPr>
+      </p:pic>
+      <p:pic>
+        <p:nvPicPr>
+          <p:cNvPr id="12" name="Object 11"/>
+          <p:cNvPicPr>
+            <a:picLocks noChangeAspect="1"/>
+          </p:cNvPicPr>
+          <p:nvPr/>
+        </p:nvPicPr>
+        <p:blipFill>
+          <a:blip r:embed="rId10" cstate="print"/>
+          <a:stretch>
+            <a:fillRect/>
+          </a:stretch>
+        </p:blipFill>
+        <p:spPr>
+          <a:xfrm>
+            <a:off x="17064169" y="333009"/>
+            <a:ext cx="829398" cy="704785"/>
+          </a:xfrm>
+          <a:prstGeom prst="rect">
+            <a:avLst/>
+          </a:prstGeom>
+        </p:spPr>
+      </p:pic>
+      <p:pic>
+        <p:nvPicPr>
+          <p:cNvPr id="13" name="Object 12"/>
+          <p:cNvPicPr>
+            <a:picLocks noChangeAspect="1"/>
+          </p:cNvPicPr>
+          <p:nvPr/>
+        </p:nvPicPr>
+        <p:blipFill>
+          <a:blip r:embed="rId11" cstate="print"/>
+          <a:stretch>
+            <a:fillRect/>
+          </a:stretch>
+        </p:blipFill>
+        <p:spPr>
+          <a:xfrm>
+            <a:off x="12468228" y="6913981"/>
+            <a:ext cx="3090317" cy="723993"/>
+          </a:xfrm>
+          <a:prstGeom prst="rect">
+            <a:avLst/>
+          </a:prstGeom>
+        </p:spPr>
+      </p:pic>
+      <p:pic>
+        <p:nvPicPr>
+          <p:cNvPr id="2" name="그림 1"/>
+          <p:cNvPicPr>
+            <a:picLocks noChangeAspect="1"/>
+          </p:cNvPicPr>
+          <p:nvPr/>
+        </p:nvPicPr>
+        <p:blipFill>
+          <a:blip r:embed="rId12">
+            <a:extLst>
+              <a:ext uri="{28A0092B-C50C-407E-A947-70E740481C1C}">
+                <a14:useLocalDpi xmlns:a14="http://schemas.microsoft.com/office/drawing/2010/main" val="0"/>
+              </a:ext>
+            </a:extLst>
+          </a:blip>
+          <a:stretch>
+            <a:fillRect/>
+          </a:stretch>
+        </p:blipFill>
+        <p:spPr>
+          <a:xfrm>
+            <a:off x="5879590" y="1110930"/>
+            <a:ext cx="12408410" cy="6743701"/>
+          </a:xfrm>
+          <a:prstGeom prst="rect">
+            <a:avLst/>
+          </a:prstGeom>
+        </p:spPr>
+      </p:pic>
+      <p:pic>
+        <p:nvPicPr>
+          <p:cNvPr id="14" name="그림 13"/>
+          <p:cNvPicPr>
+            <a:picLocks noChangeAspect="1"/>
+          </p:cNvPicPr>
+          <p:nvPr/>
+        </p:nvPicPr>
+        <p:blipFill>
+          <a:blip r:embed="rId13">
+            <a:extLst>
+              <a:ext uri="{28A0092B-C50C-407E-A947-70E740481C1C}">
+                <a14:useLocalDpi xmlns:a14="http://schemas.microsoft.com/office/drawing/2010/main" val="0"/>
+              </a:ext>
+            </a:extLst>
+          </a:blip>
+          <a:stretch>
+            <a:fillRect/>
+          </a:stretch>
+        </p:blipFill>
+        <p:spPr>
+          <a:xfrm>
+            <a:off x="1425707" y="2582508"/>
+            <a:ext cx="7246498" cy="6107763"/>
+          </a:xfrm>
+          <a:prstGeom prst="rect">
+            <a:avLst/>
+          </a:prstGeom>
+        </p:spPr>
+      </p:pic>
+      <p:sp>
+        <p:nvSpPr>
+          <p:cNvPr id="16" name="TextBox 15"/>
+          <p:cNvSpPr txBox="1"/>
+          <p:nvPr/>
+        </p:nvSpPr>
+        <p:spPr>
+          <a:xfrm>
+            <a:off x="3797753" y="9311090"/>
+            <a:ext cx="11035567" cy="369332"/>
+          </a:xfrm>
+          <a:prstGeom prst="rect">
+            <a:avLst/>
+          </a:prstGeom>
+          <a:noFill/>
+        </p:spPr>
+        <p:txBody>
+          <a:bodyPr wrap="square" rtlCol="0">
+            <a:spAutoFit/>
+          </a:bodyPr>
+          <a:lstStyle/>
+          <a:p>
+            <a:r>
+              <a:rPr lang="en-US" altLang="ko-KR" dirty="0"/>
+              <a:t>Edge-Ring - Edge-</a:t>
+            </a:r>
+            <a:r>
+              <a:rPr lang="en-US" altLang="ko-KR" dirty="0" err="1"/>
+              <a:t>Loc</a:t>
+            </a:r>
+            <a:r>
+              <a:rPr lang="en-US" altLang="ko-KR" dirty="0"/>
+              <a:t> - Center - </a:t>
+            </a:r>
+            <a:r>
+              <a:rPr lang="en-US" altLang="ko-KR" dirty="0" err="1"/>
+              <a:t>Loc</a:t>
+            </a:r>
+            <a:r>
+              <a:rPr lang="en-US" altLang="ko-KR" dirty="0"/>
+              <a:t> - Scratch - Random - Donut - Near-full </a:t>
+            </a:r>
+            <a:r>
+              <a:rPr lang="ko-KR" altLang="en-US" dirty="0"/>
+              <a:t>순으로 </a:t>
+            </a:r>
+            <a:r>
+              <a:rPr lang="ko-KR" altLang="en-US" dirty="0" err="1"/>
+              <a:t>분량률</a:t>
+            </a:r>
+            <a:r>
+              <a:rPr lang="ko-KR" altLang="en-US" dirty="0"/>
+              <a:t> 확인</a:t>
+            </a:r>
+          </a:p>
+        </p:txBody>
+      </p:sp>
+      <p:sp>
+        <p:nvSpPr>
+          <p:cNvPr id="17" name="TextBox 16"/>
+          <p:cNvSpPr txBox="1"/>
+          <p:nvPr/>
+        </p:nvSpPr>
+        <p:spPr>
+          <a:xfrm>
+            <a:off x="15310466" y="903658"/>
+            <a:ext cx="2133600" cy="369332"/>
+          </a:xfrm>
+          <a:prstGeom prst="rect">
+            <a:avLst/>
+          </a:prstGeom>
+          <a:noFill/>
+        </p:spPr>
+        <p:txBody>
+          <a:bodyPr wrap="square" rtlCol="0">
+            <a:spAutoFit/>
+          </a:bodyPr>
+          <a:lstStyle/>
+          <a:p>
+            <a:r>
+              <a:rPr lang="ko-KR" altLang="en-US" smtClean="0"/>
+              <a:t>기표</a:t>
+            </a:r>
+            <a:r>
+              <a:rPr lang="en-US" altLang="ko-KR" dirty="0" smtClean="0"/>
+              <a:t>, </a:t>
+            </a:r>
+            <a:r>
+              <a:rPr lang="ko-KR" altLang="en-US" dirty="0" smtClean="0"/>
+              <a:t>영석</a:t>
+            </a:r>
+            <a:endParaRPr lang="ko-KR" altLang="en-US" dirty="0"/>
+          </a:p>
+        </p:txBody>
+      </p:sp>
     </p:spTree>
+    <p:extLst>
+      <p:ext uri="{BB962C8B-B14F-4D97-AF65-F5344CB8AC3E}">
+        <p14:creationId xmlns:p14="http://schemas.microsoft.com/office/powerpoint/2010/main" val="3948883938"/>
+      </p:ext>
+    </p:extLst>
   </p:cSld>
   <p:clrMapOvr>
     <a:masterClrMapping/>
@@ -6738,15 +7162,7 @@
 
 <file path=ppt/slides/slide19.xml><?xml version="1.0" encoding="utf-8"?>
 <p:sld xmlns:a="http://schemas.openxmlformats.org/drawingml/2006/main" xmlns:r="http://schemas.openxmlformats.org/officeDocument/2006/relationships" xmlns:p="http://schemas.openxmlformats.org/presentationml/2006/main">
-  <p:cSld name="Slide 19">
-    <p:bg>
-      <p:bgPr>
-        <a:solidFill>
-          <a:srgbClr val="4C50BB"/>
-        </a:solidFill>
-        <a:effectLst/>
-      </p:bgPr>
-    </p:bg>
+  <p:cSld>
     <p:spTree>
       <p:nvGrpSpPr>
         <p:cNvPr id="1" name=""/>
@@ -6761,78 +7177,6 @@
           <a:chExt cx="0" cy="0"/>
         </a:xfrm>
       </p:grpSpPr>
-      <p:pic>
-        <p:nvPicPr>
-          <p:cNvPr id="2" name="Object 1"/>
-          <p:cNvPicPr>
-            <a:picLocks noChangeAspect="1"/>
-          </p:cNvPicPr>
-          <p:nvPr/>
-        </p:nvPicPr>
-        <p:blipFill>
-          <a:blip r:embed="rId2" cstate="print"/>
-          <a:stretch>
-            <a:fillRect/>
-          </a:stretch>
-        </p:blipFill>
-        <p:spPr>
-          <a:xfrm>
-            <a:off x="13669011" y="2416534"/>
-            <a:ext cx="3845989" cy="3278624"/>
-          </a:xfrm>
-          <a:prstGeom prst="rect">
-            <a:avLst/>
-          </a:prstGeom>
-        </p:spPr>
-      </p:pic>
-      <p:pic>
-        <p:nvPicPr>
-          <p:cNvPr id="3" name="Object 2"/>
-          <p:cNvPicPr>
-            <a:picLocks noChangeAspect="1"/>
-          </p:cNvPicPr>
-          <p:nvPr/>
-        </p:nvPicPr>
-        <p:blipFill>
-          <a:blip r:embed="rId3" cstate="print"/>
-          <a:stretch>
-            <a:fillRect/>
-          </a:stretch>
-        </p:blipFill>
-        <p:spPr>
-          <a:xfrm>
-            <a:off x="8754289" y="5005527"/>
-            <a:ext cx="8227854" cy="1436588"/>
-          </a:xfrm>
-          <a:prstGeom prst="rect">
-            <a:avLst/>
-          </a:prstGeom>
-        </p:spPr>
-      </p:pic>
-      <p:pic>
-        <p:nvPicPr>
-          <p:cNvPr id="4" name="Object 3"/>
-          <p:cNvPicPr>
-            <a:picLocks noChangeAspect="1"/>
-          </p:cNvPicPr>
-          <p:nvPr/>
-        </p:nvPicPr>
-        <p:blipFill>
-          <a:blip r:embed="rId4" cstate="print"/>
-          <a:stretch>
-            <a:fillRect/>
-          </a:stretch>
-        </p:blipFill>
-        <p:spPr>
-          <a:xfrm>
-            <a:off x="5455804" y="6574030"/>
-            <a:ext cx="11298566" cy="1832814"/>
-          </a:xfrm>
-          <a:prstGeom prst="rect">
-            <a:avLst/>
-          </a:prstGeom>
-        </p:spPr>
-      </p:pic>
       <p:grpSp>
         <p:nvGrpSpPr>
           <p:cNvPr id="1001" name="그룹 1001"/>
@@ -6841,30 +7185,30 @@
         </p:nvGrpSpPr>
         <p:grpSpPr>
           <a:xfrm>
-            <a:off x="1466667" y="-1273641"/>
-            <a:ext cx="4883301" cy="4835933"/>
-            <a:chOff x="1466667" y="-1273641"/>
-            <a:chExt cx="4883301" cy="4835933"/>
+            <a:off x="14013934" y="6172836"/>
+            <a:ext cx="3588190" cy="3553385"/>
+            <a:chOff x="14013934" y="6172836"/>
+            <a:chExt cx="3588190" cy="3553385"/>
           </a:xfrm>
         </p:grpSpPr>
         <p:pic>
           <p:nvPicPr>
-            <p:cNvPr id="6" name="Object 5"/>
+            <p:cNvPr id="3" name="Object 2"/>
             <p:cNvPicPr>
               <a:picLocks noChangeAspect="1"/>
             </p:cNvPicPr>
             <p:nvPr/>
           </p:nvPicPr>
           <p:blipFill>
-            <a:blip r:embed="rId5" cstate="print"/>
+            <a:blip r:embed="rId2" cstate="print"/>
             <a:stretch>
               <a:fillRect/>
             </a:stretch>
           </p:blipFill>
           <p:spPr>
             <a:xfrm>
-              <a:off x="1466667" y="-1273641"/>
-              <a:ext cx="4883301" cy="4835933"/>
+              <a:off x="14013934" y="6172836"/>
+              <a:ext cx="3588190" cy="3553385"/>
             </a:xfrm>
             <a:prstGeom prst="rect">
               <a:avLst/>
@@ -6872,124 +7216,347 @@
           </p:spPr>
         </p:pic>
       </p:grpSp>
-      <p:grpSp>
-        <p:nvGrpSpPr>
-          <p:cNvPr id="1002" name="그룹 1002"/>
-          <p:cNvGrpSpPr/>
-          <p:nvPr/>
-        </p:nvGrpSpPr>
-        <p:grpSpPr>
-          <a:xfrm>
-            <a:off x="-1875296" y="7034297"/>
-            <a:ext cx="3902974" cy="3971928"/>
-            <a:chOff x="-1875296" y="7034297"/>
-            <a:chExt cx="3902974" cy="3971928"/>
-          </a:xfrm>
-        </p:grpSpPr>
-        <p:pic>
-          <p:nvPicPr>
-            <p:cNvPr id="9" name="Object 8"/>
-            <p:cNvPicPr>
-              <a:picLocks noChangeAspect="1"/>
-            </p:cNvPicPr>
-            <p:nvPr/>
-          </p:nvPicPr>
-          <p:blipFill>
-            <a:blip r:embed="rId6" cstate="print"/>
-            <a:stretch>
-              <a:fillRect/>
-            </a:stretch>
-          </p:blipFill>
-          <p:spPr>
-            <a:xfrm rot="-2700000">
-              <a:off x="-1875296" y="7034297"/>
-              <a:ext cx="3902974" cy="3971928"/>
-            </a:xfrm>
-            <a:prstGeom prst="rect">
-              <a:avLst/>
-            </a:prstGeom>
-          </p:spPr>
-        </p:pic>
-      </p:grpSp>
-      <p:grpSp>
-        <p:nvGrpSpPr>
-          <p:cNvPr id="1003" name="그룹 1003"/>
-          <p:cNvGrpSpPr/>
-          <p:nvPr/>
-        </p:nvGrpSpPr>
-        <p:grpSpPr>
-          <a:xfrm>
-            <a:off x="15132166" y="7617758"/>
-            <a:ext cx="3708387" cy="3672416"/>
-            <a:chOff x="15132166" y="7617758"/>
-            <a:chExt cx="3708387" cy="3672416"/>
-          </a:xfrm>
-        </p:grpSpPr>
-        <p:pic>
-          <p:nvPicPr>
-            <p:cNvPr id="12" name="Object 11"/>
-            <p:cNvPicPr>
-              <a:picLocks noChangeAspect="1"/>
-            </p:cNvPicPr>
-            <p:nvPr/>
-          </p:nvPicPr>
-          <p:blipFill>
-            <a:blip r:embed="rId7" cstate="print"/>
-            <a:stretch>
-              <a:fillRect/>
-            </a:stretch>
-          </p:blipFill>
-          <p:spPr>
-            <a:xfrm>
-              <a:off x="15132166" y="7617758"/>
-              <a:ext cx="3708387" cy="3672416"/>
-            </a:xfrm>
-            <a:prstGeom prst="rect">
-              <a:avLst/>
-            </a:prstGeom>
-          </p:spPr>
-        </p:pic>
-      </p:grpSp>
-      <p:grpSp>
-        <p:nvGrpSpPr>
-          <p:cNvPr id="1004" name="그룹 1004"/>
-          <p:cNvGrpSpPr/>
-          <p:nvPr/>
-        </p:nvGrpSpPr>
-        <p:grpSpPr>
-          <a:xfrm>
-            <a:off x="16986360" y="3561542"/>
-            <a:ext cx="1432688" cy="191978"/>
-            <a:chOff x="16986360" y="3561542"/>
-            <a:chExt cx="1432688" cy="191978"/>
-          </a:xfrm>
-        </p:grpSpPr>
-        <p:pic>
-          <p:nvPicPr>
-            <p:cNvPr id="15" name="Object 14"/>
-            <p:cNvPicPr>
-              <a:picLocks noChangeAspect="1"/>
-            </p:cNvPicPr>
-            <p:nvPr/>
-          </p:nvPicPr>
-          <p:blipFill>
-            <a:blip r:embed="rId8" cstate="print"/>
-            <a:stretch>
-              <a:fillRect/>
-            </a:stretch>
-          </p:blipFill>
-          <p:spPr>
-            <a:xfrm>
-              <a:off x="16986360" y="3561542"/>
-              <a:ext cx="1432688" cy="191978"/>
-            </a:xfrm>
-            <a:prstGeom prst="rect">
-              <a:avLst/>
-            </a:prstGeom>
-          </p:spPr>
-        </p:pic>
-      </p:grpSp>
+      <p:pic>
+        <p:nvPicPr>
+          <p:cNvPr id="5" name="Object 4"/>
+          <p:cNvPicPr>
+            <a:picLocks noChangeAspect="1"/>
+          </p:cNvPicPr>
+          <p:nvPr/>
+        </p:nvPicPr>
+        <p:blipFill>
+          <a:blip r:embed="rId3" cstate="print"/>
+          <a:stretch>
+            <a:fillRect/>
+          </a:stretch>
+        </p:blipFill>
+        <p:spPr>
+          <a:xfrm>
+            <a:off x="14750307" y="471765"/>
+            <a:ext cx="2518316" cy="354593"/>
+          </a:xfrm>
+          <a:prstGeom prst="rect">
+            <a:avLst/>
+          </a:prstGeom>
+        </p:spPr>
+      </p:pic>
+      <p:pic>
+        <p:nvPicPr>
+          <p:cNvPr id="6" name="Object 5"/>
+          <p:cNvPicPr>
+            <a:picLocks noChangeAspect="1"/>
+          </p:cNvPicPr>
+          <p:nvPr/>
+        </p:nvPicPr>
+        <p:blipFill>
+          <a:blip r:embed="rId4" cstate="print"/>
+          <a:stretch>
+            <a:fillRect/>
+          </a:stretch>
+        </p:blipFill>
+        <p:spPr>
+          <a:xfrm>
+            <a:off x="1571431" y="1433012"/>
+            <a:ext cx="5558134" cy="1149496"/>
+          </a:xfrm>
+          <a:prstGeom prst="rect">
+            <a:avLst/>
+          </a:prstGeom>
+        </p:spPr>
+      </p:pic>
+      <p:pic>
+        <p:nvPicPr>
+          <p:cNvPr id="7" name="Object 6"/>
+          <p:cNvPicPr>
+            <a:picLocks noChangeAspect="1"/>
+          </p:cNvPicPr>
+          <p:nvPr/>
+        </p:nvPicPr>
+        <p:blipFill>
+          <a:blip r:embed="rId5" cstate="print"/>
+          <a:stretch>
+            <a:fillRect/>
+          </a:stretch>
+        </p:blipFill>
+        <p:spPr>
+          <a:xfrm>
+            <a:off x="9315537" y="5354542"/>
+            <a:ext cx="1716150" cy="540169"/>
+          </a:xfrm>
+          <a:prstGeom prst="rect">
+            <a:avLst/>
+          </a:prstGeom>
+        </p:spPr>
+      </p:pic>
+      <p:pic>
+        <p:nvPicPr>
+          <p:cNvPr id="8" name="Object 7"/>
+          <p:cNvPicPr>
+            <a:picLocks noChangeAspect="1"/>
+          </p:cNvPicPr>
+          <p:nvPr/>
+        </p:nvPicPr>
+        <p:blipFill>
+          <a:blip r:embed="rId6" cstate="print"/>
+          <a:stretch>
+            <a:fillRect/>
+          </a:stretch>
+        </p:blipFill>
+        <p:spPr>
+          <a:xfrm>
+            <a:off x="8886649" y="4898744"/>
+            <a:ext cx="2108379" cy="511598"/>
+          </a:xfrm>
+          <a:prstGeom prst="rect">
+            <a:avLst/>
+          </a:prstGeom>
+        </p:spPr>
+      </p:pic>
+      <p:pic>
+        <p:nvPicPr>
+          <p:cNvPr id="10" name="Object 9"/>
+          <p:cNvPicPr>
+            <a:picLocks noChangeAspect="1"/>
+          </p:cNvPicPr>
+          <p:nvPr/>
+        </p:nvPicPr>
+        <p:blipFill>
+          <a:blip r:embed="rId7" cstate="print"/>
+          <a:stretch>
+            <a:fillRect/>
+          </a:stretch>
+        </p:blipFill>
+        <p:spPr>
+          <a:xfrm>
+            <a:off x="12554823" y="4482781"/>
+            <a:ext cx="2554926" cy="665793"/>
+          </a:xfrm>
+          <a:prstGeom prst="rect">
+            <a:avLst/>
+          </a:prstGeom>
+        </p:spPr>
+      </p:pic>
+      <p:pic>
+        <p:nvPicPr>
+          <p:cNvPr id="11" name="Object 10"/>
+          <p:cNvPicPr>
+            <a:picLocks noChangeAspect="1"/>
+          </p:cNvPicPr>
+          <p:nvPr/>
+        </p:nvPicPr>
+        <p:blipFill>
+          <a:blip r:embed="rId8" cstate="print"/>
+          <a:stretch>
+            <a:fillRect/>
+          </a:stretch>
+        </p:blipFill>
+        <p:spPr>
+          <a:xfrm>
+            <a:off x="12476481" y="5769393"/>
+            <a:ext cx="2833985" cy="414185"/>
+          </a:xfrm>
+          <a:prstGeom prst="rect">
+            <a:avLst/>
+          </a:prstGeom>
+        </p:spPr>
+      </p:pic>
+      <p:pic>
+        <p:nvPicPr>
+          <p:cNvPr id="12" name="Object 11"/>
+          <p:cNvPicPr>
+            <a:picLocks noChangeAspect="1"/>
+          </p:cNvPicPr>
+          <p:nvPr/>
+        </p:nvPicPr>
+        <p:blipFill>
+          <a:blip r:embed="rId9" cstate="print"/>
+          <a:stretch>
+            <a:fillRect/>
+          </a:stretch>
+        </p:blipFill>
+        <p:spPr>
+          <a:xfrm>
+            <a:off x="17064169" y="333009"/>
+            <a:ext cx="829398" cy="704785"/>
+          </a:xfrm>
+          <a:prstGeom prst="rect">
+            <a:avLst/>
+          </a:prstGeom>
+        </p:spPr>
+      </p:pic>
+      <p:pic>
+        <p:nvPicPr>
+          <p:cNvPr id="13" name="Object 12"/>
+          <p:cNvPicPr>
+            <a:picLocks noChangeAspect="1"/>
+          </p:cNvPicPr>
+          <p:nvPr/>
+        </p:nvPicPr>
+        <p:blipFill>
+          <a:blip r:embed="rId10" cstate="print"/>
+          <a:stretch>
+            <a:fillRect/>
+          </a:stretch>
+        </p:blipFill>
+        <p:spPr>
+          <a:xfrm>
+            <a:off x="12468228" y="6913981"/>
+            <a:ext cx="3090317" cy="723993"/>
+          </a:xfrm>
+          <a:prstGeom prst="rect">
+            <a:avLst/>
+          </a:prstGeom>
+        </p:spPr>
+      </p:pic>
+      <p:pic>
+        <p:nvPicPr>
+          <p:cNvPr id="2" name="그림 1"/>
+          <p:cNvPicPr>
+            <a:picLocks noChangeAspect="1"/>
+          </p:cNvPicPr>
+          <p:nvPr/>
+        </p:nvPicPr>
+        <p:blipFill>
+          <a:blip r:embed="rId11">
+            <a:extLst>
+              <a:ext uri="{28A0092B-C50C-407E-A947-70E740481C1C}">
+                <a14:useLocalDpi xmlns:a14="http://schemas.microsoft.com/office/drawing/2010/main" val="0"/>
+              </a:ext>
+            </a:extLst>
+          </a:blip>
+          <a:stretch>
+            <a:fillRect/>
+          </a:stretch>
+        </p:blipFill>
+        <p:spPr>
+          <a:xfrm>
+            <a:off x="1371599" y="3314700"/>
+            <a:ext cx="8826836" cy="6938211"/>
+          </a:xfrm>
+          <a:prstGeom prst="rect">
+            <a:avLst/>
+          </a:prstGeom>
+        </p:spPr>
+      </p:pic>
+      <p:pic>
+        <p:nvPicPr>
+          <p:cNvPr id="4" name="그림 3"/>
+          <p:cNvPicPr>
+            <a:picLocks noChangeAspect="1"/>
+          </p:cNvPicPr>
+          <p:nvPr/>
+        </p:nvPicPr>
+        <p:blipFill>
+          <a:blip r:embed="rId12">
+            <a:extLst>
+              <a:ext uri="{28A0092B-C50C-407E-A947-70E740481C1C}">
+                <a14:useLocalDpi xmlns:a14="http://schemas.microsoft.com/office/drawing/2010/main" val="0"/>
+              </a:ext>
+            </a:extLst>
+          </a:blip>
+          <a:stretch>
+            <a:fillRect/>
+          </a:stretch>
+        </p:blipFill>
+        <p:spPr>
+          <a:xfrm>
+            <a:off x="8914112" y="1313735"/>
+            <a:ext cx="8979455" cy="2275199"/>
+          </a:xfrm>
+          <a:prstGeom prst="rect">
+            <a:avLst/>
+          </a:prstGeom>
+        </p:spPr>
+      </p:pic>
+      <p:sp>
+        <p:nvSpPr>
+          <p:cNvPr id="14" name="TextBox 13"/>
+          <p:cNvSpPr txBox="1"/>
+          <p:nvPr/>
+        </p:nvSpPr>
+        <p:spPr>
+          <a:xfrm>
+            <a:off x="10363200" y="3695700"/>
+            <a:ext cx="7530367" cy="646331"/>
+          </a:xfrm>
+          <a:prstGeom prst="rect">
+            <a:avLst/>
+          </a:prstGeom>
+          <a:noFill/>
+        </p:spPr>
+        <p:txBody>
+          <a:bodyPr wrap="square" rtlCol="0">
+            <a:spAutoFit/>
+          </a:bodyPr>
+          <a:lstStyle/>
+          <a:p>
+            <a:r>
+              <a:rPr lang="ko-KR" altLang="en-US" dirty="0"/>
+              <a:t>웨이퍼 크기가 커질수록 불량률 감소 </a:t>
+            </a:r>
+            <a:r>
+              <a:rPr lang="en-US" altLang="ko-KR" dirty="0"/>
+              <a:t>= </a:t>
+            </a:r>
+            <a:r>
+              <a:rPr lang="ko-KR" altLang="en-US" dirty="0"/>
+              <a:t>웨이퍼크기가 작을수록 </a:t>
+            </a:r>
+            <a:r>
+              <a:rPr lang="ko-KR" altLang="en-US" dirty="0" err="1"/>
+              <a:t>수율도</a:t>
+            </a:r>
+            <a:r>
+              <a:rPr lang="ko-KR" altLang="en-US" dirty="0"/>
+              <a:t> 낮아진다</a:t>
+            </a:r>
+          </a:p>
+        </p:txBody>
+      </p:sp>
+      <p:sp>
+        <p:nvSpPr>
+          <p:cNvPr id="15" name="TextBox 14"/>
+          <p:cNvSpPr txBox="1"/>
+          <p:nvPr/>
+        </p:nvSpPr>
+        <p:spPr>
+          <a:xfrm>
+            <a:off x="15310466" y="822227"/>
+            <a:ext cx="2133600" cy="369332"/>
+          </a:xfrm>
+          <a:prstGeom prst="rect">
+            <a:avLst/>
+          </a:prstGeom>
+          <a:noFill/>
+        </p:spPr>
+        <p:txBody>
+          <a:bodyPr wrap="square" rtlCol="0">
+            <a:spAutoFit/>
+          </a:bodyPr>
+          <a:lstStyle/>
+          <a:p>
+            <a:r>
+              <a:rPr lang="ko-KR" altLang="en-US" smtClean="0"/>
+              <a:t>기표</a:t>
+            </a:r>
+            <a:r>
+              <a:rPr lang="en-US" altLang="ko-KR" dirty="0" smtClean="0"/>
+              <a:t>, </a:t>
+            </a:r>
+            <a:r>
+              <a:rPr lang="ko-KR" altLang="en-US" dirty="0" smtClean="0"/>
+              <a:t>영석</a:t>
+            </a:r>
+            <a:endParaRPr lang="ko-KR" altLang="en-US" dirty="0"/>
+          </a:p>
+        </p:txBody>
+      </p:sp>
     </p:spTree>
+    <p:extLst>
+      <p:ext uri="{BB962C8B-B14F-4D97-AF65-F5344CB8AC3E}">
+        <p14:creationId xmlns:p14="http://schemas.microsoft.com/office/powerpoint/2010/main" val="402418442"/>
+      </p:ext>
+    </p:extLst>
   </p:cSld>
   <p:clrMapOvr>
     <a:masterClrMapping/>
@@ -7528,10 +8095,2461 @@
   <p:clrMapOvr>
     <a:masterClrMapping/>
   </p:clrMapOvr>
+  <p:timing>
+    <p:tnLst>
+      <p:par>
+        <p:cTn id="1" dur="indefinite" restart="never" nodeType="tmRoot"/>
+      </p:par>
+    </p:tnLst>
+  </p:timing>
 </p:sld>
 </file>
 
 <file path=ppt/slides/slide20.xml><?xml version="1.0" encoding="utf-8"?>
+<p:sld xmlns:a="http://schemas.openxmlformats.org/drawingml/2006/main" xmlns:r="http://schemas.openxmlformats.org/officeDocument/2006/relationships" xmlns:p="http://schemas.openxmlformats.org/presentationml/2006/main">
+  <p:cSld>
+    <p:spTree>
+      <p:nvGrpSpPr>
+        <p:cNvPr id="1" name=""/>
+        <p:cNvGrpSpPr/>
+        <p:nvPr/>
+      </p:nvGrpSpPr>
+      <p:grpSpPr>
+        <a:xfrm>
+          <a:off x="0" y="0"/>
+          <a:ext cx="0" cy="0"/>
+          <a:chOff x="0" y="0"/>
+          <a:chExt cx="0" cy="0"/>
+        </a:xfrm>
+      </p:grpSpPr>
+      <p:grpSp>
+        <p:nvGrpSpPr>
+          <p:cNvPr id="1001" name="그룹 1001"/>
+          <p:cNvGrpSpPr/>
+          <p:nvPr/>
+        </p:nvGrpSpPr>
+        <p:grpSpPr>
+          <a:xfrm>
+            <a:off x="14013934" y="6172836"/>
+            <a:ext cx="3588190" cy="3553385"/>
+            <a:chOff x="14013934" y="6172836"/>
+            <a:chExt cx="3588190" cy="3553385"/>
+          </a:xfrm>
+        </p:grpSpPr>
+        <p:pic>
+          <p:nvPicPr>
+            <p:cNvPr id="3" name="Object 2"/>
+            <p:cNvPicPr>
+              <a:picLocks noChangeAspect="1"/>
+            </p:cNvPicPr>
+            <p:nvPr/>
+          </p:nvPicPr>
+          <p:blipFill>
+            <a:blip r:embed="rId2" cstate="print"/>
+            <a:stretch>
+              <a:fillRect/>
+            </a:stretch>
+          </p:blipFill>
+          <p:spPr>
+            <a:xfrm>
+              <a:off x="14013934" y="6172836"/>
+              <a:ext cx="3588190" cy="3553385"/>
+            </a:xfrm>
+            <a:prstGeom prst="rect">
+              <a:avLst/>
+            </a:prstGeom>
+          </p:spPr>
+        </p:pic>
+      </p:grpSp>
+      <p:pic>
+        <p:nvPicPr>
+          <p:cNvPr id="5" name="Object 4"/>
+          <p:cNvPicPr>
+            <a:picLocks noChangeAspect="1"/>
+          </p:cNvPicPr>
+          <p:nvPr/>
+        </p:nvPicPr>
+        <p:blipFill>
+          <a:blip r:embed="rId3" cstate="print"/>
+          <a:stretch>
+            <a:fillRect/>
+          </a:stretch>
+        </p:blipFill>
+        <p:spPr>
+          <a:xfrm>
+            <a:off x="14750307" y="471765"/>
+            <a:ext cx="2518316" cy="354593"/>
+          </a:xfrm>
+          <a:prstGeom prst="rect">
+            <a:avLst/>
+          </a:prstGeom>
+        </p:spPr>
+      </p:pic>
+      <p:pic>
+        <p:nvPicPr>
+          <p:cNvPr id="6" name="Object 5"/>
+          <p:cNvPicPr>
+            <a:picLocks noChangeAspect="1"/>
+          </p:cNvPicPr>
+          <p:nvPr/>
+        </p:nvPicPr>
+        <p:blipFill>
+          <a:blip r:embed="rId4" cstate="print"/>
+          <a:stretch>
+            <a:fillRect/>
+          </a:stretch>
+        </p:blipFill>
+        <p:spPr>
+          <a:xfrm>
+            <a:off x="1571431" y="1433012"/>
+            <a:ext cx="5558134" cy="1149496"/>
+          </a:xfrm>
+          <a:prstGeom prst="rect">
+            <a:avLst/>
+          </a:prstGeom>
+        </p:spPr>
+      </p:pic>
+      <p:pic>
+        <p:nvPicPr>
+          <p:cNvPr id="7" name="Object 6"/>
+          <p:cNvPicPr>
+            <a:picLocks noChangeAspect="1"/>
+          </p:cNvPicPr>
+          <p:nvPr/>
+        </p:nvPicPr>
+        <p:blipFill>
+          <a:blip r:embed="rId5" cstate="print"/>
+          <a:stretch>
+            <a:fillRect/>
+          </a:stretch>
+        </p:blipFill>
+        <p:spPr>
+          <a:xfrm>
+            <a:off x="9315537" y="5354542"/>
+            <a:ext cx="1716150" cy="540169"/>
+          </a:xfrm>
+          <a:prstGeom prst="rect">
+            <a:avLst/>
+          </a:prstGeom>
+        </p:spPr>
+      </p:pic>
+      <p:pic>
+        <p:nvPicPr>
+          <p:cNvPr id="8" name="Object 7"/>
+          <p:cNvPicPr>
+            <a:picLocks noChangeAspect="1"/>
+          </p:cNvPicPr>
+          <p:nvPr/>
+        </p:nvPicPr>
+        <p:blipFill>
+          <a:blip r:embed="rId6" cstate="print"/>
+          <a:stretch>
+            <a:fillRect/>
+          </a:stretch>
+        </p:blipFill>
+        <p:spPr>
+          <a:xfrm>
+            <a:off x="8886649" y="4898744"/>
+            <a:ext cx="2108379" cy="511598"/>
+          </a:xfrm>
+          <a:prstGeom prst="rect">
+            <a:avLst/>
+          </a:prstGeom>
+        </p:spPr>
+      </p:pic>
+      <p:pic>
+        <p:nvPicPr>
+          <p:cNvPr id="9" name="Object 8"/>
+          <p:cNvPicPr>
+            <a:picLocks noChangeAspect="1"/>
+          </p:cNvPicPr>
+          <p:nvPr/>
+        </p:nvPicPr>
+        <p:blipFill>
+          <a:blip r:embed="rId7" cstate="print"/>
+          <a:stretch>
+            <a:fillRect/>
+          </a:stretch>
+        </p:blipFill>
+        <p:spPr>
+          <a:xfrm>
+            <a:off x="12922495" y="5036943"/>
+            <a:ext cx="2097004" cy="725861"/>
+          </a:xfrm>
+          <a:prstGeom prst="rect">
+            <a:avLst/>
+          </a:prstGeom>
+        </p:spPr>
+      </p:pic>
+      <p:pic>
+        <p:nvPicPr>
+          <p:cNvPr id="10" name="Object 9"/>
+          <p:cNvPicPr>
+            <a:picLocks noChangeAspect="1"/>
+          </p:cNvPicPr>
+          <p:nvPr/>
+        </p:nvPicPr>
+        <p:blipFill>
+          <a:blip r:embed="rId8" cstate="print"/>
+          <a:stretch>
+            <a:fillRect/>
+          </a:stretch>
+        </p:blipFill>
+        <p:spPr>
+          <a:xfrm>
+            <a:off x="12554823" y="4482781"/>
+            <a:ext cx="2554926" cy="665793"/>
+          </a:xfrm>
+          <a:prstGeom prst="rect">
+            <a:avLst/>
+          </a:prstGeom>
+        </p:spPr>
+      </p:pic>
+      <p:pic>
+        <p:nvPicPr>
+          <p:cNvPr id="11" name="Object 10"/>
+          <p:cNvPicPr>
+            <a:picLocks noChangeAspect="1"/>
+          </p:cNvPicPr>
+          <p:nvPr/>
+        </p:nvPicPr>
+        <p:blipFill>
+          <a:blip r:embed="rId9" cstate="print"/>
+          <a:stretch>
+            <a:fillRect/>
+          </a:stretch>
+        </p:blipFill>
+        <p:spPr>
+          <a:xfrm>
+            <a:off x="12476481" y="5769393"/>
+            <a:ext cx="2833985" cy="414185"/>
+          </a:xfrm>
+          <a:prstGeom prst="rect">
+            <a:avLst/>
+          </a:prstGeom>
+        </p:spPr>
+      </p:pic>
+      <p:pic>
+        <p:nvPicPr>
+          <p:cNvPr id="12" name="Object 11"/>
+          <p:cNvPicPr>
+            <a:picLocks noChangeAspect="1"/>
+          </p:cNvPicPr>
+          <p:nvPr/>
+        </p:nvPicPr>
+        <p:blipFill>
+          <a:blip r:embed="rId10" cstate="print"/>
+          <a:stretch>
+            <a:fillRect/>
+          </a:stretch>
+        </p:blipFill>
+        <p:spPr>
+          <a:xfrm>
+            <a:off x="17064169" y="333009"/>
+            <a:ext cx="829398" cy="704785"/>
+          </a:xfrm>
+          <a:prstGeom prst="rect">
+            <a:avLst/>
+          </a:prstGeom>
+        </p:spPr>
+      </p:pic>
+      <p:pic>
+        <p:nvPicPr>
+          <p:cNvPr id="13" name="Object 12"/>
+          <p:cNvPicPr>
+            <a:picLocks noChangeAspect="1"/>
+          </p:cNvPicPr>
+          <p:nvPr/>
+        </p:nvPicPr>
+        <p:blipFill>
+          <a:blip r:embed="rId11" cstate="print"/>
+          <a:stretch>
+            <a:fillRect/>
+          </a:stretch>
+        </p:blipFill>
+        <p:spPr>
+          <a:xfrm>
+            <a:off x="12468228" y="6913981"/>
+            <a:ext cx="3090317" cy="723993"/>
+          </a:xfrm>
+          <a:prstGeom prst="rect">
+            <a:avLst/>
+          </a:prstGeom>
+        </p:spPr>
+      </p:pic>
+      <p:pic>
+        <p:nvPicPr>
+          <p:cNvPr id="4" name="그림 3"/>
+          <p:cNvPicPr>
+            <a:picLocks noChangeAspect="1"/>
+          </p:cNvPicPr>
+          <p:nvPr/>
+        </p:nvPicPr>
+        <p:blipFill>
+          <a:blip r:embed="rId12">
+            <a:extLst>
+              <a:ext uri="{28A0092B-C50C-407E-A947-70E740481C1C}">
+                <a14:useLocalDpi xmlns:a14="http://schemas.microsoft.com/office/drawing/2010/main" val="0"/>
+              </a:ext>
+            </a:extLst>
+          </a:blip>
+          <a:stretch>
+            <a:fillRect/>
+          </a:stretch>
+        </p:blipFill>
+        <p:spPr>
+          <a:xfrm>
+            <a:off x="9356115" y="1078588"/>
+            <a:ext cx="8314012" cy="3227952"/>
+          </a:xfrm>
+          <a:prstGeom prst="rect">
+            <a:avLst/>
+          </a:prstGeom>
+        </p:spPr>
+      </p:pic>
+      <p:pic>
+        <p:nvPicPr>
+          <p:cNvPr id="2" name="그림 1"/>
+          <p:cNvPicPr>
+            <a:picLocks noChangeAspect="1"/>
+          </p:cNvPicPr>
+          <p:nvPr/>
+        </p:nvPicPr>
+        <p:blipFill>
+          <a:blip r:embed="rId13">
+            <a:extLst>
+              <a:ext uri="{28A0092B-C50C-407E-A947-70E740481C1C}">
+                <a14:useLocalDpi xmlns:a14="http://schemas.microsoft.com/office/drawing/2010/main" val="0"/>
+              </a:ext>
+            </a:extLst>
+          </a:blip>
+          <a:stretch>
+            <a:fillRect/>
+          </a:stretch>
+        </p:blipFill>
+        <p:spPr>
+          <a:xfrm>
+            <a:off x="1219200" y="3009900"/>
+            <a:ext cx="8800601" cy="6917590"/>
+          </a:xfrm>
+          <a:prstGeom prst="rect">
+            <a:avLst/>
+          </a:prstGeom>
+        </p:spPr>
+      </p:pic>
+      <p:sp>
+        <p:nvSpPr>
+          <p:cNvPr id="14" name="TextBox 13"/>
+          <p:cNvSpPr txBox="1"/>
+          <p:nvPr/>
+        </p:nvSpPr>
+        <p:spPr>
+          <a:xfrm>
+            <a:off x="10210801" y="4306540"/>
+            <a:ext cx="7682766" cy="369332"/>
+          </a:xfrm>
+          <a:prstGeom prst="rect">
+            <a:avLst/>
+          </a:prstGeom>
+          <a:noFill/>
+        </p:spPr>
+        <p:txBody>
+          <a:bodyPr wrap="square" rtlCol="0">
+            <a:spAutoFit/>
+          </a:bodyPr>
+          <a:lstStyle/>
+          <a:p>
+            <a:r>
+              <a:rPr lang="ko-KR" altLang="en-US" dirty="0"/>
+              <a:t>웨이퍼작은것에 대부분의 </a:t>
+            </a:r>
+            <a:r>
+              <a:rPr lang="en-US" altLang="ko-KR" dirty="0"/>
+              <a:t>Lot</a:t>
+            </a:r>
+            <a:r>
+              <a:rPr lang="ko-KR" altLang="en-US" dirty="0"/>
+              <a:t>를 사용하는듯 함</a:t>
+            </a:r>
+            <a:r>
+              <a:rPr lang="en-US" altLang="ko-KR" dirty="0"/>
+              <a:t>... </a:t>
+            </a:r>
+            <a:r>
+              <a:rPr lang="en-US" altLang="ko-KR" dirty="0" smtClean="0"/>
+              <a:t>??</a:t>
+            </a:r>
+            <a:endParaRPr lang="en-US" altLang="ko-KR" dirty="0"/>
+          </a:p>
+        </p:txBody>
+      </p:sp>
+      <p:sp>
+        <p:nvSpPr>
+          <p:cNvPr id="16" name="TextBox 15"/>
+          <p:cNvSpPr txBox="1"/>
+          <p:nvPr/>
+        </p:nvSpPr>
+        <p:spPr>
+          <a:xfrm>
+            <a:off x="15315546" y="822228"/>
+            <a:ext cx="2133600" cy="369332"/>
+          </a:xfrm>
+          <a:prstGeom prst="rect">
+            <a:avLst/>
+          </a:prstGeom>
+          <a:noFill/>
+        </p:spPr>
+        <p:txBody>
+          <a:bodyPr wrap="square" rtlCol="0">
+            <a:spAutoFit/>
+          </a:bodyPr>
+          <a:lstStyle/>
+          <a:p>
+            <a:r>
+              <a:rPr lang="ko-KR" altLang="en-US" smtClean="0"/>
+              <a:t>기표</a:t>
+            </a:r>
+            <a:r>
+              <a:rPr lang="en-US" altLang="ko-KR" dirty="0" smtClean="0"/>
+              <a:t>, </a:t>
+            </a:r>
+            <a:r>
+              <a:rPr lang="ko-KR" altLang="en-US" dirty="0" smtClean="0"/>
+              <a:t>영석</a:t>
+            </a:r>
+            <a:endParaRPr lang="ko-KR" altLang="en-US" dirty="0"/>
+          </a:p>
+        </p:txBody>
+      </p:sp>
+    </p:spTree>
+    <p:extLst>
+      <p:ext uri="{BB962C8B-B14F-4D97-AF65-F5344CB8AC3E}">
+        <p14:creationId xmlns:p14="http://schemas.microsoft.com/office/powerpoint/2010/main" val="2091474750"/>
+      </p:ext>
+    </p:extLst>
+  </p:cSld>
+  <p:clrMapOvr>
+    <a:masterClrMapping/>
+  </p:clrMapOvr>
+</p:sld>
+</file>
+
+<file path=ppt/slides/slide21.xml><?xml version="1.0" encoding="utf-8"?>
+<p:sld xmlns:a="http://schemas.openxmlformats.org/drawingml/2006/main" xmlns:r="http://schemas.openxmlformats.org/officeDocument/2006/relationships" xmlns:p="http://schemas.openxmlformats.org/presentationml/2006/main">
+  <p:cSld>
+    <p:spTree>
+      <p:nvGrpSpPr>
+        <p:cNvPr id="1" name=""/>
+        <p:cNvGrpSpPr/>
+        <p:nvPr/>
+      </p:nvGrpSpPr>
+      <p:grpSpPr>
+        <a:xfrm>
+          <a:off x="0" y="0"/>
+          <a:ext cx="0" cy="0"/>
+          <a:chOff x="0" y="0"/>
+          <a:chExt cx="0" cy="0"/>
+        </a:xfrm>
+      </p:grpSpPr>
+      <p:grpSp>
+        <p:nvGrpSpPr>
+          <p:cNvPr id="1001" name="그룹 1001"/>
+          <p:cNvGrpSpPr/>
+          <p:nvPr/>
+        </p:nvGrpSpPr>
+        <p:grpSpPr>
+          <a:xfrm>
+            <a:off x="14013934" y="6172836"/>
+            <a:ext cx="3588190" cy="3553385"/>
+            <a:chOff x="14013934" y="6172836"/>
+            <a:chExt cx="3588190" cy="3553385"/>
+          </a:xfrm>
+        </p:grpSpPr>
+        <p:pic>
+          <p:nvPicPr>
+            <p:cNvPr id="3" name="Object 2"/>
+            <p:cNvPicPr>
+              <a:picLocks noChangeAspect="1"/>
+            </p:cNvPicPr>
+            <p:nvPr/>
+          </p:nvPicPr>
+          <p:blipFill>
+            <a:blip r:embed="rId2" cstate="print"/>
+            <a:stretch>
+              <a:fillRect/>
+            </a:stretch>
+          </p:blipFill>
+          <p:spPr>
+            <a:xfrm>
+              <a:off x="14013934" y="6172836"/>
+              <a:ext cx="3588190" cy="3553385"/>
+            </a:xfrm>
+            <a:prstGeom prst="rect">
+              <a:avLst/>
+            </a:prstGeom>
+          </p:spPr>
+        </p:pic>
+      </p:grpSp>
+      <p:pic>
+        <p:nvPicPr>
+          <p:cNvPr id="5" name="Object 4"/>
+          <p:cNvPicPr>
+            <a:picLocks noChangeAspect="1"/>
+          </p:cNvPicPr>
+          <p:nvPr/>
+        </p:nvPicPr>
+        <p:blipFill>
+          <a:blip r:embed="rId3" cstate="print"/>
+          <a:stretch>
+            <a:fillRect/>
+          </a:stretch>
+        </p:blipFill>
+        <p:spPr>
+          <a:xfrm>
+            <a:off x="14750307" y="471765"/>
+            <a:ext cx="2518316" cy="354593"/>
+          </a:xfrm>
+          <a:prstGeom prst="rect">
+            <a:avLst/>
+          </a:prstGeom>
+        </p:spPr>
+      </p:pic>
+      <p:pic>
+        <p:nvPicPr>
+          <p:cNvPr id="6" name="Object 5"/>
+          <p:cNvPicPr>
+            <a:picLocks noChangeAspect="1"/>
+          </p:cNvPicPr>
+          <p:nvPr/>
+        </p:nvPicPr>
+        <p:blipFill>
+          <a:blip r:embed="rId4" cstate="print"/>
+          <a:stretch>
+            <a:fillRect/>
+          </a:stretch>
+        </p:blipFill>
+        <p:spPr>
+          <a:xfrm>
+            <a:off x="1571431" y="1433012"/>
+            <a:ext cx="5558134" cy="1149496"/>
+          </a:xfrm>
+          <a:prstGeom prst="rect">
+            <a:avLst/>
+          </a:prstGeom>
+        </p:spPr>
+      </p:pic>
+      <p:pic>
+        <p:nvPicPr>
+          <p:cNvPr id="7" name="Object 6"/>
+          <p:cNvPicPr>
+            <a:picLocks noChangeAspect="1"/>
+          </p:cNvPicPr>
+          <p:nvPr/>
+        </p:nvPicPr>
+        <p:blipFill>
+          <a:blip r:embed="rId5" cstate="print"/>
+          <a:stretch>
+            <a:fillRect/>
+          </a:stretch>
+        </p:blipFill>
+        <p:spPr>
+          <a:xfrm>
+            <a:off x="9315537" y="5354542"/>
+            <a:ext cx="1716150" cy="540169"/>
+          </a:xfrm>
+          <a:prstGeom prst="rect">
+            <a:avLst/>
+          </a:prstGeom>
+        </p:spPr>
+      </p:pic>
+      <p:pic>
+        <p:nvPicPr>
+          <p:cNvPr id="12" name="Object 11"/>
+          <p:cNvPicPr>
+            <a:picLocks noChangeAspect="1"/>
+          </p:cNvPicPr>
+          <p:nvPr/>
+        </p:nvPicPr>
+        <p:blipFill>
+          <a:blip r:embed="rId6" cstate="print"/>
+          <a:stretch>
+            <a:fillRect/>
+          </a:stretch>
+        </p:blipFill>
+        <p:spPr>
+          <a:xfrm>
+            <a:off x="17064169" y="333009"/>
+            <a:ext cx="829398" cy="704785"/>
+          </a:xfrm>
+          <a:prstGeom prst="rect">
+            <a:avLst/>
+          </a:prstGeom>
+        </p:spPr>
+      </p:pic>
+      <p:pic>
+        <p:nvPicPr>
+          <p:cNvPr id="13" name="Object 12"/>
+          <p:cNvPicPr>
+            <a:picLocks noChangeAspect="1"/>
+          </p:cNvPicPr>
+          <p:nvPr/>
+        </p:nvPicPr>
+        <p:blipFill>
+          <a:blip r:embed="rId7" cstate="print"/>
+          <a:stretch>
+            <a:fillRect/>
+          </a:stretch>
+        </p:blipFill>
+        <p:spPr>
+          <a:xfrm>
+            <a:off x="12468228" y="6913981"/>
+            <a:ext cx="3090317" cy="723993"/>
+          </a:xfrm>
+          <a:prstGeom prst="rect">
+            <a:avLst/>
+          </a:prstGeom>
+        </p:spPr>
+      </p:pic>
+      <p:pic>
+        <p:nvPicPr>
+          <p:cNvPr id="4" name="그림 3"/>
+          <p:cNvPicPr>
+            <a:picLocks noChangeAspect="1"/>
+          </p:cNvPicPr>
+          <p:nvPr/>
+        </p:nvPicPr>
+        <p:blipFill>
+          <a:blip r:embed="rId8">
+            <a:extLst>
+              <a:ext uri="{28A0092B-C50C-407E-A947-70E740481C1C}">
+                <a14:useLocalDpi xmlns:a14="http://schemas.microsoft.com/office/drawing/2010/main" val="0"/>
+              </a:ext>
+            </a:extLst>
+          </a:blip>
+          <a:stretch>
+            <a:fillRect/>
+          </a:stretch>
+        </p:blipFill>
+        <p:spPr>
+          <a:xfrm>
+            <a:off x="9448800" y="985002"/>
+            <a:ext cx="8469998" cy="3345800"/>
+          </a:xfrm>
+          <a:prstGeom prst="rect">
+            <a:avLst/>
+          </a:prstGeom>
+        </p:spPr>
+      </p:pic>
+      <p:pic>
+        <p:nvPicPr>
+          <p:cNvPr id="2" name="그림 1"/>
+          <p:cNvPicPr>
+            <a:picLocks noChangeAspect="1"/>
+          </p:cNvPicPr>
+          <p:nvPr/>
+        </p:nvPicPr>
+        <p:blipFill>
+          <a:blip r:embed="rId9">
+            <a:extLst>
+              <a:ext uri="{28A0092B-C50C-407E-A947-70E740481C1C}">
+                <a14:useLocalDpi xmlns:a14="http://schemas.microsoft.com/office/drawing/2010/main" val="0"/>
+              </a:ext>
+            </a:extLst>
+          </a:blip>
+          <a:stretch>
+            <a:fillRect/>
+          </a:stretch>
+        </p:blipFill>
+        <p:spPr>
+          <a:xfrm>
+            <a:off x="1445425" y="3009900"/>
+            <a:ext cx="8762444" cy="7095343"/>
+          </a:xfrm>
+          <a:prstGeom prst="rect">
+            <a:avLst/>
+          </a:prstGeom>
+        </p:spPr>
+      </p:pic>
+      <p:sp>
+        <p:nvSpPr>
+          <p:cNvPr id="14" name="TextBox 13"/>
+          <p:cNvSpPr txBox="1"/>
+          <p:nvPr/>
+        </p:nvSpPr>
+        <p:spPr>
+          <a:xfrm>
+            <a:off x="10668000" y="4330802"/>
+            <a:ext cx="6934124" cy="369332"/>
+          </a:xfrm>
+          <a:prstGeom prst="rect">
+            <a:avLst/>
+          </a:prstGeom>
+          <a:noFill/>
+        </p:spPr>
+        <p:txBody>
+          <a:bodyPr wrap="square" rtlCol="0">
+            <a:spAutoFit/>
+          </a:bodyPr>
+          <a:lstStyle/>
+          <a:p>
+            <a:r>
+              <a:rPr lang="en-US" altLang="ko-KR" dirty="0" err="1"/>
+              <a:t>lotname</a:t>
+            </a:r>
+            <a:r>
+              <a:rPr lang="en-US" altLang="ko-KR" dirty="0"/>
+              <a:t>(</a:t>
+            </a:r>
+            <a:r>
+              <a:rPr lang="ko-KR" altLang="en-US" dirty="0" err="1"/>
+              <a:t>특정부품</a:t>
+            </a:r>
+            <a:r>
+              <a:rPr lang="en-US" altLang="ko-KR" dirty="0"/>
+              <a:t>)</a:t>
+            </a:r>
+            <a:r>
+              <a:rPr lang="ko-KR" altLang="en-US" dirty="0"/>
+              <a:t>과 불량 유형과는 상관관계가 있지 않다 </a:t>
+            </a:r>
+          </a:p>
+        </p:txBody>
+      </p:sp>
+      <p:sp>
+        <p:nvSpPr>
+          <p:cNvPr id="15" name="TextBox 14"/>
+          <p:cNvSpPr txBox="1"/>
+          <p:nvPr/>
+        </p:nvSpPr>
+        <p:spPr>
+          <a:xfrm>
+            <a:off x="15345268" y="827106"/>
+            <a:ext cx="2133600" cy="369332"/>
+          </a:xfrm>
+          <a:prstGeom prst="rect">
+            <a:avLst/>
+          </a:prstGeom>
+          <a:noFill/>
+        </p:spPr>
+        <p:txBody>
+          <a:bodyPr wrap="square" rtlCol="0">
+            <a:spAutoFit/>
+          </a:bodyPr>
+          <a:lstStyle/>
+          <a:p>
+            <a:r>
+              <a:rPr lang="ko-KR" altLang="en-US" dirty="0" smtClean="0"/>
+              <a:t>기표</a:t>
+            </a:r>
+            <a:r>
+              <a:rPr lang="en-US" altLang="ko-KR" dirty="0" smtClean="0"/>
+              <a:t>, </a:t>
+            </a:r>
+            <a:r>
+              <a:rPr lang="ko-KR" altLang="en-US" dirty="0" smtClean="0"/>
+              <a:t>영석</a:t>
+            </a:r>
+            <a:endParaRPr lang="ko-KR" altLang="en-US" dirty="0"/>
+          </a:p>
+        </p:txBody>
+      </p:sp>
+    </p:spTree>
+    <p:extLst>
+      <p:ext uri="{BB962C8B-B14F-4D97-AF65-F5344CB8AC3E}">
+        <p14:creationId xmlns:p14="http://schemas.microsoft.com/office/powerpoint/2010/main" val="1426710467"/>
+      </p:ext>
+    </p:extLst>
+  </p:cSld>
+  <p:clrMapOvr>
+    <a:masterClrMapping/>
+  </p:clrMapOvr>
+</p:sld>
+</file>
+
+<file path=ppt/slides/slide22.xml><?xml version="1.0" encoding="utf-8"?>
+<p:sld xmlns:a="http://schemas.openxmlformats.org/drawingml/2006/main" xmlns:r="http://schemas.openxmlformats.org/officeDocument/2006/relationships" xmlns:p="http://schemas.openxmlformats.org/presentationml/2006/main">
+  <p:cSld name="Slide 16">
+    <p:bg>
+      <p:bgPr>
+        <a:solidFill>
+          <a:srgbClr val="FFFFFF"/>
+        </a:solidFill>
+        <a:effectLst/>
+      </p:bgPr>
+    </p:bg>
+    <p:spTree>
+      <p:nvGrpSpPr>
+        <p:cNvPr id="1" name=""/>
+        <p:cNvGrpSpPr/>
+        <p:nvPr/>
+      </p:nvGrpSpPr>
+      <p:grpSpPr>
+        <a:xfrm>
+          <a:off x="0" y="0"/>
+          <a:ext cx="0" cy="0"/>
+          <a:chOff x="0" y="0"/>
+          <a:chExt cx="0" cy="0"/>
+        </a:xfrm>
+      </p:grpSpPr>
+      <p:grpSp>
+        <p:nvGrpSpPr>
+          <p:cNvPr id="1001" name="그룹 1001"/>
+          <p:cNvGrpSpPr/>
+          <p:nvPr/>
+        </p:nvGrpSpPr>
+        <p:grpSpPr>
+          <a:xfrm>
+            <a:off x="14013934" y="6172836"/>
+            <a:ext cx="3588190" cy="3553385"/>
+            <a:chOff x="14013934" y="6172836"/>
+            <a:chExt cx="3588190" cy="3553385"/>
+          </a:xfrm>
+        </p:grpSpPr>
+        <p:pic>
+          <p:nvPicPr>
+            <p:cNvPr id="3" name="Object 2"/>
+            <p:cNvPicPr>
+              <a:picLocks noChangeAspect="1"/>
+            </p:cNvPicPr>
+            <p:nvPr/>
+          </p:nvPicPr>
+          <p:blipFill>
+            <a:blip r:embed="rId2" cstate="print"/>
+            <a:stretch>
+              <a:fillRect/>
+            </a:stretch>
+          </p:blipFill>
+          <p:spPr>
+            <a:xfrm>
+              <a:off x="14013934" y="6172836"/>
+              <a:ext cx="3588190" cy="3553385"/>
+            </a:xfrm>
+            <a:prstGeom prst="rect">
+              <a:avLst/>
+            </a:prstGeom>
+          </p:spPr>
+        </p:pic>
+      </p:grpSp>
+      <p:pic>
+        <p:nvPicPr>
+          <p:cNvPr id="5" name="Object 4"/>
+          <p:cNvPicPr>
+            <a:picLocks noChangeAspect="1"/>
+          </p:cNvPicPr>
+          <p:nvPr/>
+        </p:nvPicPr>
+        <p:blipFill>
+          <a:blip r:embed="rId3" cstate="print"/>
+          <a:stretch>
+            <a:fillRect/>
+          </a:stretch>
+        </p:blipFill>
+        <p:spPr>
+          <a:xfrm>
+            <a:off x="14750307" y="471765"/>
+            <a:ext cx="2518316" cy="354593"/>
+          </a:xfrm>
+          <a:prstGeom prst="rect">
+            <a:avLst/>
+          </a:prstGeom>
+        </p:spPr>
+      </p:pic>
+      <p:pic>
+        <p:nvPicPr>
+          <p:cNvPr id="6" name="Object 5"/>
+          <p:cNvPicPr>
+            <a:picLocks noChangeAspect="1"/>
+          </p:cNvPicPr>
+          <p:nvPr/>
+        </p:nvPicPr>
+        <p:blipFill>
+          <a:blip r:embed="rId4" cstate="print"/>
+          <a:stretch>
+            <a:fillRect/>
+          </a:stretch>
+        </p:blipFill>
+        <p:spPr>
+          <a:xfrm>
+            <a:off x="1571431" y="1433012"/>
+            <a:ext cx="5558134" cy="1149496"/>
+          </a:xfrm>
+          <a:prstGeom prst="rect">
+            <a:avLst/>
+          </a:prstGeom>
+        </p:spPr>
+      </p:pic>
+      <p:pic>
+        <p:nvPicPr>
+          <p:cNvPr id="7" name="Object 6"/>
+          <p:cNvPicPr>
+            <a:picLocks noChangeAspect="1"/>
+          </p:cNvPicPr>
+          <p:nvPr/>
+        </p:nvPicPr>
+        <p:blipFill>
+          <a:blip r:embed="rId5" cstate="print"/>
+          <a:stretch>
+            <a:fillRect/>
+          </a:stretch>
+        </p:blipFill>
+        <p:spPr>
+          <a:xfrm>
+            <a:off x="9315537" y="5354542"/>
+            <a:ext cx="1716150" cy="540169"/>
+          </a:xfrm>
+          <a:prstGeom prst="rect">
+            <a:avLst/>
+          </a:prstGeom>
+        </p:spPr>
+      </p:pic>
+      <p:pic>
+        <p:nvPicPr>
+          <p:cNvPr id="8" name="Object 7"/>
+          <p:cNvPicPr>
+            <a:picLocks noChangeAspect="1"/>
+          </p:cNvPicPr>
+          <p:nvPr/>
+        </p:nvPicPr>
+        <p:blipFill>
+          <a:blip r:embed="rId6" cstate="print"/>
+          <a:stretch>
+            <a:fillRect/>
+          </a:stretch>
+        </p:blipFill>
+        <p:spPr>
+          <a:xfrm>
+            <a:off x="8886649" y="4898744"/>
+            <a:ext cx="2108379" cy="511598"/>
+          </a:xfrm>
+          <a:prstGeom prst="rect">
+            <a:avLst/>
+          </a:prstGeom>
+        </p:spPr>
+      </p:pic>
+      <p:pic>
+        <p:nvPicPr>
+          <p:cNvPr id="9" name="Object 8"/>
+          <p:cNvPicPr>
+            <a:picLocks noChangeAspect="1"/>
+          </p:cNvPicPr>
+          <p:nvPr/>
+        </p:nvPicPr>
+        <p:blipFill>
+          <a:blip r:embed="rId7" cstate="print"/>
+          <a:stretch>
+            <a:fillRect/>
+          </a:stretch>
+        </p:blipFill>
+        <p:spPr>
+          <a:xfrm>
+            <a:off x="12922495" y="5036943"/>
+            <a:ext cx="2097004" cy="725861"/>
+          </a:xfrm>
+          <a:prstGeom prst="rect">
+            <a:avLst/>
+          </a:prstGeom>
+        </p:spPr>
+      </p:pic>
+      <p:pic>
+        <p:nvPicPr>
+          <p:cNvPr id="10" name="Object 9"/>
+          <p:cNvPicPr>
+            <a:picLocks noChangeAspect="1"/>
+          </p:cNvPicPr>
+          <p:nvPr/>
+        </p:nvPicPr>
+        <p:blipFill>
+          <a:blip r:embed="rId8" cstate="print"/>
+          <a:stretch>
+            <a:fillRect/>
+          </a:stretch>
+        </p:blipFill>
+        <p:spPr>
+          <a:xfrm>
+            <a:off x="12554823" y="4482781"/>
+            <a:ext cx="2554926" cy="665793"/>
+          </a:xfrm>
+          <a:prstGeom prst="rect">
+            <a:avLst/>
+          </a:prstGeom>
+        </p:spPr>
+      </p:pic>
+      <p:pic>
+        <p:nvPicPr>
+          <p:cNvPr id="11" name="Object 10"/>
+          <p:cNvPicPr>
+            <a:picLocks noChangeAspect="1"/>
+          </p:cNvPicPr>
+          <p:nvPr/>
+        </p:nvPicPr>
+        <p:blipFill>
+          <a:blip r:embed="rId9" cstate="print"/>
+          <a:stretch>
+            <a:fillRect/>
+          </a:stretch>
+        </p:blipFill>
+        <p:spPr>
+          <a:xfrm>
+            <a:off x="12476481" y="5769393"/>
+            <a:ext cx="2833985" cy="414185"/>
+          </a:xfrm>
+          <a:prstGeom prst="rect">
+            <a:avLst/>
+          </a:prstGeom>
+        </p:spPr>
+      </p:pic>
+      <p:pic>
+        <p:nvPicPr>
+          <p:cNvPr id="12" name="Object 11"/>
+          <p:cNvPicPr>
+            <a:picLocks noChangeAspect="1"/>
+          </p:cNvPicPr>
+          <p:nvPr/>
+        </p:nvPicPr>
+        <p:blipFill>
+          <a:blip r:embed="rId10" cstate="print"/>
+          <a:stretch>
+            <a:fillRect/>
+          </a:stretch>
+        </p:blipFill>
+        <p:spPr>
+          <a:xfrm>
+            <a:off x="17064169" y="333009"/>
+            <a:ext cx="829398" cy="704785"/>
+          </a:xfrm>
+          <a:prstGeom prst="rect">
+            <a:avLst/>
+          </a:prstGeom>
+        </p:spPr>
+      </p:pic>
+      <p:pic>
+        <p:nvPicPr>
+          <p:cNvPr id="13" name="Object 12"/>
+          <p:cNvPicPr>
+            <a:picLocks noChangeAspect="1"/>
+          </p:cNvPicPr>
+          <p:nvPr/>
+        </p:nvPicPr>
+        <p:blipFill>
+          <a:blip r:embed="rId11" cstate="print"/>
+          <a:stretch>
+            <a:fillRect/>
+          </a:stretch>
+        </p:blipFill>
+        <p:spPr>
+          <a:xfrm>
+            <a:off x="12468228" y="6913981"/>
+            <a:ext cx="3090317" cy="723993"/>
+          </a:xfrm>
+          <a:prstGeom prst="rect">
+            <a:avLst/>
+          </a:prstGeom>
+        </p:spPr>
+      </p:pic>
+      <p:grpSp>
+        <p:nvGrpSpPr>
+          <p:cNvPr id="1002" name="그룹 1002"/>
+          <p:cNvGrpSpPr/>
+          <p:nvPr/>
+        </p:nvGrpSpPr>
+        <p:grpSpPr>
+          <a:xfrm>
+            <a:off x="1246670" y="2888771"/>
+            <a:ext cx="4465234" cy="6170091"/>
+            <a:chOff x="1246670" y="2888771"/>
+            <a:chExt cx="4465234" cy="6170091"/>
+          </a:xfrm>
+        </p:grpSpPr>
+        <p:pic>
+          <p:nvPicPr>
+            <p:cNvPr id="15" name="Object 14"/>
+            <p:cNvPicPr>
+              <a:picLocks noChangeAspect="1"/>
+            </p:cNvPicPr>
+            <p:nvPr/>
+          </p:nvPicPr>
+          <p:blipFill>
+            <a:blip r:embed="rId12" cstate="print"/>
+            <a:stretch>
+              <a:fillRect/>
+            </a:stretch>
+          </p:blipFill>
+          <p:spPr>
+            <a:xfrm>
+              <a:off x="1246670" y="2888771"/>
+              <a:ext cx="4465234" cy="6170091"/>
+            </a:xfrm>
+            <a:prstGeom prst="rect">
+              <a:avLst/>
+            </a:prstGeom>
+          </p:spPr>
+        </p:pic>
+      </p:grpSp>
+      <p:grpSp>
+        <p:nvGrpSpPr>
+          <p:cNvPr id="1003" name="그룹 1003"/>
+          <p:cNvGrpSpPr/>
+          <p:nvPr/>
+        </p:nvGrpSpPr>
+        <p:grpSpPr>
+          <a:xfrm>
+            <a:off x="6454762" y="2919128"/>
+            <a:ext cx="4080952" cy="4674286"/>
+            <a:chOff x="6454762" y="2919128"/>
+            <a:chExt cx="4080952" cy="4674286"/>
+          </a:xfrm>
+        </p:grpSpPr>
+        <p:pic>
+          <p:nvPicPr>
+            <p:cNvPr id="18" name="Object 17"/>
+            <p:cNvPicPr>
+              <a:picLocks noChangeAspect="1"/>
+            </p:cNvPicPr>
+            <p:nvPr/>
+          </p:nvPicPr>
+          <p:blipFill>
+            <a:blip r:embed="rId13" cstate="print"/>
+            <a:stretch>
+              <a:fillRect/>
+            </a:stretch>
+          </p:blipFill>
+          <p:spPr>
+            <a:xfrm>
+              <a:off x="6454762" y="2919128"/>
+              <a:ext cx="4080952" cy="4674286"/>
+            </a:xfrm>
+            <a:prstGeom prst="rect">
+              <a:avLst/>
+            </a:prstGeom>
+          </p:spPr>
+        </p:pic>
+      </p:grpSp>
+      <p:grpSp>
+        <p:nvGrpSpPr>
+          <p:cNvPr id="1004" name="그룹 1004"/>
+          <p:cNvGrpSpPr/>
+          <p:nvPr/>
+        </p:nvGrpSpPr>
+        <p:grpSpPr>
+          <a:xfrm>
+            <a:off x="12512556" y="3181958"/>
+            <a:ext cx="4904046" cy="4392739"/>
+            <a:chOff x="12512556" y="3181958"/>
+            <a:chExt cx="4904046" cy="4392739"/>
+          </a:xfrm>
+        </p:grpSpPr>
+        <p:pic>
+          <p:nvPicPr>
+            <p:cNvPr id="21" name="Object 20"/>
+            <p:cNvPicPr>
+              <a:picLocks noChangeAspect="1"/>
+            </p:cNvPicPr>
+            <p:nvPr/>
+          </p:nvPicPr>
+          <p:blipFill>
+            <a:blip r:embed="rId14" cstate="print"/>
+            <a:stretch>
+              <a:fillRect/>
+            </a:stretch>
+          </p:blipFill>
+          <p:spPr>
+            <a:xfrm>
+              <a:off x="12512556" y="3181958"/>
+              <a:ext cx="4904046" cy="4392739"/>
+            </a:xfrm>
+            <a:prstGeom prst="rect">
+              <a:avLst/>
+            </a:prstGeom>
+          </p:spPr>
+        </p:pic>
+      </p:grpSp>
+    </p:spTree>
+  </p:cSld>
+  <p:clrMapOvr>
+    <a:masterClrMapping/>
+  </p:clrMapOvr>
+</p:sld>
+</file>
+
+<file path=ppt/slides/slide23.xml><?xml version="1.0" encoding="utf-8"?>
+<p:sld xmlns:a="http://schemas.openxmlformats.org/drawingml/2006/main" xmlns:r="http://schemas.openxmlformats.org/officeDocument/2006/relationships" xmlns:p="http://schemas.openxmlformats.org/presentationml/2006/main">
+  <p:cSld name="Slide 17">
+    <p:bg>
+      <p:bgPr>
+        <a:solidFill>
+          <a:srgbClr val="FFFFFF"/>
+        </a:solidFill>
+        <a:effectLst/>
+      </p:bgPr>
+    </p:bg>
+    <p:spTree>
+      <p:nvGrpSpPr>
+        <p:cNvPr id="1" name=""/>
+        <p:cNvGrpSpPr/>
+        <p:nvPr/>
+      </p:nvGrpSpPr>
+      <p:grpSpPr>
+        <a:xfrm>
+          <a:off x="0" y="0"/>
+          <a:ext cx="0" cy="0"/>
+          <a:chOff x="0" y="0"/>
+          <a:chExt cx="0" cy="0"/>
+        </a:xfrm>
+      </p:grpSpPr>
+      <p:grpSp>
+        <p:nvGrpSpPr>
+          <p:cNvPr id="1001" name="그룹 1001"/>
+          <p:cNvGrpSpPr/>
+          <p:nvPr/>
+        </p:nvGrpSpPr>
+        <p:grpSpPr>
+          <a:xfrm>
+            <a:off x="14013934" y="6172836"/>
+            <a:ext cx="3588190" cy="3553385"/>
+            <a:chOff x="14013934" y="6172836"/>
+            <a:chExt cx="3588190" cy="3553385"/>
+          </a:xfrm>
+        </p:grpSpPr>
+        <p:pic>
+          <p:nvPicPr>
+            <p:cNvPr id="3" name="Object 2"/>
+            <p:cNvPicPr>
+              <a:picLocks noChangeAspect="1"/>
+            </p:cNvPicPr>
+            <p:nvPr/>
+          </p:nvPicPr>
+          <p:blipFill>
+            <a:blip r:embed="rId2" cstate="print"/>
+            <a:stretch>
+              <a:fillRect/>
+            </a:stretch>
+          </p:blipFill>
+          <p:spPr>
+            <a:xfrm>
+              <a:off x="14013934" y="6172836"/>
+              <a:ext cx="3588190" cy="3553385"/>
+            </a:xfrm>
+            <a:prstGeom prst="rect">
+              <a:avLst/>
+            </a:prstGeom>
+          </p:spPr>
+        </p:pic>
+      </p:grpSp>
+      <p:pic>
+        <p:nvPicPr>
+          <p:cNvPr id="5" name="Object 4"/>
+          <p:cNvPicPr>
+            <a:picLocks noChangeAspect="1"/>
+          </p:cNvPicPr>
+          <p:nvPr/>
+        </p:nvPicPr>
+        <p:blipFill>
+          <a:blip r:embed="rId3" cstate="print"/>
+          <a:stretch>
+            <a:fillRect/>
+          </a:stretch>
+        </p:blipFill>
+        <p:spPr>
+          <a:xfrm>
+            <a:off x="14750307" y="471765"/>
+            <a:ext cx="2518316" cy="354593"/>
+          </a:xfrm>
+          <a:prstGeom prst="rect">
+            <a:avLst/>
+          </a:prstGeom>
+        </p:spPr>
+      </p:pic>
+      <p:pic>
+        <p:nvPicPr>
+          <p:cNvPr id="6" name="Object 5"/>
+          <p:cNvPicPr>
+            <a:picLocks noChangeAspect="1"/>
+          </p:cNvPicPr>
+          <p:nvPr/>
+        </p:nvPicPr>
+        <p:blipFill>
+          <a:blip r:embed="rId4" cstate="print"/>
+          <a:stretch>
+            <a:fillRect/>
+          </a:stretch>
+        </p:blipFill>
+        <p:spPr>
+          <a:xfrm>
+            <a:off x="1571431" y="1433012"/>
+            <a:ext cx="5558134" cy="1149496"/>
+          </a:xfrm>
+          <a:prstGeom prst="rect">
+            <a:avLst/>
+          </a:prstGeom>
+        </p:spPr>
+      </p:pic>
+      <p:pic>
+        <p:nvPicPr>
+          <p:cNvPr id="7" name="Object 6"/>
+          <p:cNvPicPr>
+            <a:picLocks noChangeAspect="1"/>
+          </p:cNvPicPr>
+          <p:nvPr/>
+        </p:nvPicPr>
+        <p:blipFill>
+          <a:blip r:embed="rId5" cstate="print"/>
+          <a:stretch>
+            <a:fillRect/>
+          </a:stretch>
+        </p:blipFill>
+        <p:spPr>
+          <a:xfrm>
+            <a:off x="9315537" y="5354542"/>
+            <a:ext cx="1716150" cy="540169"/>
+          </a:xfrm>
+          <a:prstGeom prst="rect">
+            <a:avLst/>
+          </a:prstGeom>
+        </p:spPr>
+      </p:pic>
+      <p:pic>
+        <p:nvPicPr>
+          <p:cNvPr id="8" name="Object 7"/>
+          <p:cNvPicPr>
+            <a:picLocks noChangeAspect="1"/>
+          </p:cNvPicPr>
+          <p:nvPr/>
+        </p:nvPicPr>
+        <p:blipFill>
+          <a:blip r:embed="rId6" cstate="print"/>
+          <a:stretch>
+            <a:fillRect/>
+          </a:stretch>
+        </p:blipFill>
+        <p:spPr>
+          <a:xfrm>
+            <a:off x="8886649" y="4898744"/>
+            <a:ext cx="2108379" cy="511598"/>
+          </a:xfrm>
+          <a:prstGeom prst="rect">
+            <a:avLst/>
+          </a:prstGeom>
+        </p:spPr>
+      </p:pic>
+      <p:pic>
+        <p:nvPicPr>
+          <p:cNvPr id="9" name="Object 8"/>
+          <p:cNvPicPr>
+            <a:picLocks noChangeAspect="1"/>
+          </p:cNvPicPr>
+          <p:nvPr/>
+        </p:nvPicPr>
+        <p:blipFill>
+          <a:blip r:embed="rId7" cstate="print"/>
+          <a:stretch>
+            <a:fillRect/>
+          </a:stretch>
+        </p:blipFill>
+        <p:spPr>
+          <a:xfrm>
+            <a:off x="12922495" y="5036943"/>
+            <a:ext cx="2097004" cy="725861"/>
+          </a:xfrm>
+          <a:prstGeom prst="rect">
+            <a:avLst/>
+          </a:prstGeom>
+        </p:spPr>
+      </p:pic>
+      <p:pic>
+        <p:nvPicPr>
+          <p:cNvPr id="10" name="Object 9"/>
+          <p:cNvPicPr>
+            <a:picLocks noChangeAspect="1"/>
+          </p:cNvPicPr>
+          <p:nvPr/>
+        </p:nvPicPr>
+        <p:blipFill>
+          <a:blip r:embed="rId8" cstate="print"/>
+          <a:stretch>
+            <a:fillRect/>
+          </a:stretch>
+        </p:blipFill>
+        <p:spPr>
+          <a:xfrm>
+            <a:off x="12554823" y="4482781"/>
+            <a:ext cx="2554926" cy="665793"/>
+          </a:xfrm>
+          <a:prstGeom prst="rect">
+            <a:avLst/>
+          </a:prstGeom>
+        </p:spPr>
+      </p:pic>
+      <p:pic>
+        <p:nvPicPr>
+          <p:cNvPr id="11" name="Object 10"/>
+          <p:cNvPicPr>
+            <a:picLocks noChangeAspect="1"/>
+          </p:cNvPicPr>
+          <p:nvPr/>
+        </p:nvPicPr>
+        <p:blipFill>
+          <a:blip r:embed="rId9" cstate="print"/>
+          <a:stretch>
+            <a:fillRect/>
+          </a:stretch>
+        </p:blipFill>
+        <p:spPr>
+          <a:xfrm>
+            <a:off x="12476481" y="5769393"/>
+            <a:ext cx="2833985" cy="414185"/>
+          </a:xfrm>
+          <a:prstGeom prst="rect">
+            <a:avLst/>
+          </a:prstGeom>
+        </p:spPr>
+      </p:pic>
+      <p:pic>
+        <p:nvPicPr>
+          <p:cNvPr id="12" name="Object 11"/>
+          <p:cNvPicPr>
+            <a:picLocks noChangeAspect="1"/>
+          </p:cNvPicPr>
+          <p:nvPr/>
+        </p:nvPicPr>
+        <p:blipFill>
+          <a:blip r:embed="rId10" cstate="print"/>
+          <a:stretch>
+            <a:fillRect/>
+          </a:stretch>
+        </p:blipFill>
+        <p:spPr>
+          <a:xfrm>
+            <a:off x="17064169" y="333009"/>
+            <a:ext cx="829398" cy="704785"/>
+          </a:xfrm>
+          <a:prstGeom prst="rect">
+            <a:avLst/>
+          </a:prstGeom>
+        </p:spPr>
+      </p:pic>
+      <p:pic>
+        <p:nvPicPr>
+          <p:cNvPr id="13" name="Object 12"/>
+          <p:cNvPicPr>
+            <a:picLocks noChangeAspect="1"/>
+          </p:cNvPicPr>
+          <p:nvPr/>
+        </p:nvPicPr>
+        <p:blipFill>
+          <a:blip r:embed="rId11" cstate="print"/>
+          <a:stretch>
+            <a:fillRect/>
+          </a:stretch>
+        </p:blipFill>
+        <p:spPr>
+          <a:xfrm>
+            <a:off x="12468228" y="6913981"/>
+            <a:ext cx="3090317" cy="723993"/>
+          </a:xfrm>
+          <a:prstGeom prst="rect">
+            <a:avLst/>
+          </a:prstGeom>
+        </p:spPr>
+      </p:pic>
+      <p:grpSp>
+        <p:nvGrpSpPr>
+          <p:cNvPr id="1002" name="그룹 1002"/>
+          <p:cNvGrpSpPr/>
+          <p:nvPr/>
+        </p:nvGrpSpPr>
+        <p:grpSpPr>
+          <a:xfrm>
+            <a:off x="1666667" y="3157073"/>
+            <a:ext cx="4139104" cy="2217008"/>
+            <a:chOff x="1666667" y="3157073"/>
+            <a:chExt cx="4139104" cy="2217008"/>
+          </a:xfrm>
+        </p:grpSpPr>
+        <p:pic>
+          <p:nvPicPr>
+            <p:cNvPr id="15" name="Object 14"/>
+            <p:cNvPicPr>
+              <a:picLocks noChangeAspect="1"/>
+            </p:cNvPicPr>
+            <p:nvPr/>
+          </p:nvPicPr>
+          <p:blipFill>
+            <a:blip r:embed="rId12" cstate="print"/>
+            <a:stretch>
+              <a:fillRect/>
+            </a:stretch>
+          </p:blipFill>
+          <p:spPr>
+            <a:xfrm>
+              <a:off x="1666667" y="3157073"/>
+              <a:ext cx="4139104" cy="2217008"/>
+            </a:xfrm>
+            <a:prstGeom prst="rect">
+              <a:avLst/>
+            </a:prstGeom>
+          </p:spPr>
+        </p:pic>
+      </p:grpSp>
+      <p:grpSp>
+        <p:nvGrpSpPr>
+          <p:cNvPr id="1003" name="그룹 1003"/>
+          <p:cNvGrpSpPr/>
+          <p:nvPr/>
+        </p:nvGrpSpPr>
+        <p:grpSpPr>
+          <a:xfrm>
+            <a:off x="6038095" y="3236556"/>
+            <a:ext cx="3851945" cy="2380983"/>
+            <a:chOff x="6038095" y="3236556"/>
+            <a:chExt cx="3851945" cy="2380983"/>
+          </a:xfrm>
+        </p:grpSpPr>
+        <p:pic>
+          <p:nvPicPr>
+            <p:cNvPr id="18" name="Object 17"/>
+            <p:cNvPicPr>
+              <a:picLocks noChangeAspect="1"/>
+            </p:cNvPicPr>
+            <p:nvPr/>
+          </p:nvPicPr>
+          <p:blipFill>
+            <a:blip r:embed="rId13" cstate="print"/>
+            <a:stretch>
+              <a:fillRect/>
+            </a:stretch>
+          </p:blipFill>
+          <p:spPr>
+            <a:xfrm>
+              <a:off x="6038095" y="3236556"/>
+              <a:ext cx="3851945" cy="2380983"/>
+            </a:xfrm>
+            <a:prstGeom prst="rect">
+              <a:avLst/>
+            </a:prstGeom>
+          </p:spPr>
+        </p:pic>
+      </p:grpSp>
+      <p:grpSp>
+        <p:nvGrpSpPr>
+          <p:cNvPr id="1004" name="그룹 1004"/>
+          <p:cNvGrpSpPr/>
+          <p:nvPr/>
+        </p:nvGrpSpPr>
+        <p:grpSpPr>
+          <a:xfrm>
+            <a:off x="10328135" y="3224869"/>
+            <a:ext cx="4475449" cy="2495063"/>
+            <a:chOff x="10328135" y="3224869"/>
+            <a:chExt cx="4475449" cy="2495063"/>
+          </a:xfrm>
+        </p:grpSpPr>
+        <p:pic>
+          <p:nvPicPr>
+            <p:cNvPr id="21" name="Object 20"/>
+            <p:cNvPicPr>
+              <a:picLocks noChangeAspect="1"/>
+            </p:cNvPicPr>
+            <p:nvPr/>
+          </p:nvPicPr>
+          <p:blipFill>
+            <a:blip r:embed="rId14" cstate="print"/>
+            <a:stretch>
+              <a:fillRect/>
+            </a:stretch>
+          </p:blipFill>
+          <p:spPr>
+            <a:xfrm>
+              <a:off x="10328135" y="3224869"/>
+              <a:ext cx="4475449" cy="2495063"/>
+            </a:xfrm>
+            <a:prstGeom prst="rect">
+              <a:avLst/>
+            </a:prstGeom>
+          </p:spPr>
+        </p:pic>
+      </p:grpSp>
+      <p:grpSp>
+        <p:nvGrpSpPr>
+          <p:cNvPr id="1005" name="그룹 1005"/>
+          <p:cNvGrpSpPr/>
+          <p:nvPr/>
+        </p:nvGrpSpPr>
+        <p:grpSpPr>
+          <a:xfrm>
+            <a:off x="1666667" y="5617539"/>
+            <a:ext cx="4315294" cy="2707847"/>
+            <a:chOff x="1666667" y="5617539"/>
+            <a:chExt cx="4315294" cy="2707847"/>
+          </a:xfrm>
+        </p:grpSpPr>
+        <p:pic>
+          <p:nvPicPr>
+            <p:cNvPr id="24" name="Object 23"/>
+            <p:cNvPicPr>
+              <a:picLocks noChangeAspect="1"/>
+            </p:cNvPicPr>
+            <p:nvPr/>
+          </p:nvPicPr>
+          <p:blipFill>
+            <a:blip r:embed="rId15" cstate="print"/>
+            <a:stretch>
+              <a:fillRect/>
+            </a:stretch>
+          </p:blipFill>
+          <p:spPr>
+            <a:xfrm>
+              <a:off x="1666667" y="5617539"/>
+              <a:ext cx="4315294" cy="2707847"/>
+            </a:xfrm>
+            <a:prstGeom prst="rect">
+              <a:avLst/>
+            </a:prstGeom>
+          </p:spPr>
+        </p:pic>
+      </p:grpSp>
+      <p:grpSp>
+        <p:nvGrpSpPr>
+          <p:cNvPr id="1006" name="그룹 1006"/>
+          <p:cNvGrpSpPr/>
+          <p:nvPr/>
+        </p:nvGrpSpPr>
+        <p:grpSpPr>
+          <a:xfrm>
+            <a:off x="6038095" y="5617539"/>
+            <a:ext cx="4359961" cy="2735875"/>
+            <a:chOff x="6038095" y="5617539"/>
+            <a:chExt cx="4359961" cy="2735875"/>
+          </a:xfrm>
+        </p:grpSpPr>
+        <p:pic>
+          <p:nvPicPr>
+            <p:cNvPr id="27" name="Object 26"/>
+            <p:cNvPicPr>
+              <a:picLocks noChangeAspect="1"/>
+            </p:cNvPicPr>
+            <p:nvPr/>
+          </p:nvPicPr>
+          <p:blipFill>
+            <a:blip r:embed="rId16" cstate="print"/>
+            <a:stretch>
+              <a:fillRect/>
+            </a:stretch>
+          </p:blipFill>
+          <p:spPr>
+            <a:xfrm>
+              <a:off x="6038095" y="5617539"/>
+              <a:ext cx="4359961" cy="2735875"/>
+            </a:xfrm>
+            <a:prstGeom prst="rect">
+              <a:avLst/>
+            </a:prstGeom>
+          </p:spPr>
+        </p:pic>
+      </p:grpSp>
+      <p:grpSp>
+        <p:nvGrpSpPr>
+          <p:cNvPr id="1007" name="그룹 1007"/>
+          <p:cNvGrpSpPr/>
+          <p:nvPr/>
+        </p:nvGrpSpPr>
+        <p:grpSpPr>
+          <a:xfrm>
+            <a:off x="10928219" y="5834125"/>
+            <a:ext cx="3875365" cy="2373813"/>
+            <a:chOff x="10928219" y="5834125"/>
+            <a:chExt cx="3875365" cy="2373813"/>
+          </a:xfrm>
+        </p:grpSpPr>
+        <p:pic>
+          <p:nvPicPr>
+            <p:cNvPr id="30" name="Object 29"/>
+            <p:cNvPicPr>
+              <a:picLocks noChangeAspect="1"/>
+            </p:cNvPicPr>
+            <p:nvPr/>
+          </p:nvPicPr>
+          <p:blipFill>
+            <a:blip r:embed="rId17" cstate="print"/>
+            <a:stretch>
+              <a:fillRect/>
+            </a:stretch>
+          </p:blipFill>
+          <p:spPr>
+            <a:xfrm>
+              <a:off x="10928219" y="5834125"/>
+              <a:ext cx="3875365" cy="2373813"/>
+            </a:xfrm>
+            <a:prstGeom prst="rect">
+              <a:avLst/>
+            </a:prstGeom>
+          </p:spPr>
+        </p:pic>
+      </p:grpSp>
+      <p:grpSp>
+        <p:nvGrpSpPr>
+          <p:cNvPr id="1008" name="그룹 1008"/>
+          <p:cNvGrpSpPr/>
+          <p:nvPr/>
+        </p:nvGrpSpPr>
+        <p:grpSpPr>
+          <a:xfrm>
+            <a:off x="-514286" y="8298630"/>
+            <a:ext cx="3371701" cy="1987084"/>
+            <a:chOff x="-514286" y="8298630"/>
+            <a:chExt cx="3371701" cy="1987084"/>
+          </a:xfrm>
+        </p:grpSpPr>
+        <p:pic>
+          <p:nvPicPr>
+            <p:cNvPr id="33" name="Object 32"/>
+            <p:cNvPicPr>
+              <a:picLocks noChangeAspect="1"/>
+            </p:cNvPicPr>
+            <p:nvPr/>
+          </p:nvPicPr>
+          <p:blipFill>
+            <a:blip r:embed="rId18" cstate="print"/>
+            <a:stretch>
+              <a:fillRect/>
+            </a:stretch>
+          </p:blipFill>
+          <p:spPr>
+            <a:xfrm>
+              <a:off x="-514286" y="8298630"/>
+              <a:ext cx="3371701" cy="1987084"/>
+            </a:xfrm>
+            <a:prstGeom prst="rect">
+              <a:avLst/>
+            </a:prstGeom>
+          </p:spPr>
+        </p:pic>
+      </p:grpSp>
+      <p:grpSp>
+        <p:nvGrpSpPr>
+          <p:cNvPr id="1009" name="그룹 1009"/>
+          <p:cNvGrpSpPr/>
+          <p:nvPr/>
+        </p:nvGrpSpPr>
+        <p:grpSpPr>
+          <a:xfrm>
+            <a:off x="2952381" y="8590500"/>
+            <a:ext cx="3085714" cy="1695214"/>
+            <a:chOff x="2952381" y="8590500"/>
+            <a:chExt cx="3085714" cy="1695214"/>
+          </a:xfrm>
+        </p:grpSpPr>
+        <p:pic>
+          <p:nvPicPr>
+            <p:cNvPr id="36" name="Object 35"/>
+            <p:cNvPicPr>
+              <a:picLocks noChangeAspect="1"/>
+            </p:cNvPicPr>
+            <p:nvPr/>
+          </p:nvPicPr>
+          <p:blipFill>
+            <a:blip r:embed="rId19" cstate="print"/>
+            <a:stretch>
+              <a:fillRect/>
+            </a:stretch>
+          </p:blipFill>
+          <p:spPr>
+            <a:xfrm>
+              <a:off x="2952381" y="8590500"/>
+              <a:ext cx="3085714" cy="1695214"/>
+            </a:xfrm>
+            <a:prstGeom prst="rect">
+              <a:avLst/>
+            </a:prstGeom>
+          </p:spPr>
+        </p:pic>
+      </p:grpSp>
+      <p:grpSp>
+        <p:nvGrpSpPr>
+          <p:cNvPr id="1010" name="그룹 1010"/>
+          <p:cNvGrpSpPr/>
+          <p:nvPr/>
+        </p:nvGrpSpPr>
+        <p:grpSpPr>
+          <a:xfrm>
+            <a:off x="5794055" y="8674502"/>
+            <a:ext cx="2644040" cy="1611212"/>
+            <a:chOff x="5794055" y="8674502"/>
+            <a:chExt cx="2644040" cy="1611212"/>
+          </a:xfrm>
+        </p:grpSpPr>
+        <p:pic>
+          <p:nvPicPr>
+            <p:cNvPr id="39" name="Object 38"/>
+            <p:cNvPicPr>
+              <a:picLocks noChangeAspect="1"/>
+            </p:cNvPicPr>
+            <p:nvPr/>
+          </p:nvPicPr>
+          <p:blipFill>
+            <a:blip r:embed="rId20" cstate="print"/>
+            <a:stretch>
+              <a:fillRect/>
+            </a:stretch>
+          </p:blipFill>
+          <p:spPr>
+            <a:xfrm>
+              <a:off x="5794055" y="8674502"/>
+              <a:ext cx="2644040" cy="1611212"/>
+            </a:xfrm>
+            <a:prstGeom prst="rect">
+              <a:avLst/>
+            </a:prstGeom>
+          </p:spPr>
+        </p:pic>
+      </p:grpSp>
+      <p:grpSp>
+        <p:nvGrpSpPr>
+          <p:cNvPr id="1011" name="그룹 1011"/>
+          <p:cNvGrpSpPr/>
+          <p:nvPr/>
+        </p:nvGrpSpPr>
+        <p:grpSpPr>
+          <a:xfrm>
+            <a:off x="7573936" y="7707088"/>
+            <a:ext cx="3576025" cy="3462039"/>
+            <a:chOff x="7573936" y="7707088"/>
+            <a:chExt cx="3576025" cy="3462039"/>
+          </a:xfrm>
+        </p:grpSpPr>
+        <p:pic>
+          <p:nvPicPr>
+            <p:cNvPr id="42" name="Object 41"/>
+            <p:cNvPicPr>
+              <a:picLocks noChangeAspect="1"/>
+            </p:cNvPicPr>
+            <p:nvPr/>
+          </p:nvPicPr>
+          <p:blipFill>
+            <a:blip r:embed="rId21" cstate="print"/>
+            <a:stretch>
+              <a:fillRect/>
+            </a:stretch>
+          </p:blipFill>
+          <p:spPr>
+            <a:xfrm>
+              <a:off x="7573936" y="7707088"/>
+              <a:ext cx="3576025" cy="3462039"/>
+            </a:xfrm>
+            <a:prstGeom prst="rect">
+              <a:avLst/>
+            </a:prstGeom>
+          </p:spPr>
+        </p:pic>
+      </p:grpSp>
+      <p:grpSp>
+        <p:nvGrpSpPr>
+          <p:cNvPr id="1012" name="그룹 1012"/>
+          <p:cNvGrpSpPr/>
+          <p:nvPr/>
+        </p:nvGrpSpPr>
+        <p:grpSpPr>
+          <a:xfrm>
+            <a:off x="10885115" y="8188891"/>
+            <a:ext cx="4405529" cy="3448402"/>
+            <a:chOff x="10885115" y="8188891"/>
+            <a:chExt cx="4405529" cy="3448402"/>
+          </a:xfrm>
+        </p:grpSpPr>
+        <p:pic>
+          <p:nvPicPr>
+            <p:cNvPr id="45" name="Object 44"/>
+            <p:cNvPicPr>
+              <a:picLocks noChangeAspect="1"/>
+            </p:cNvPicPr>
+            <p:nvPr/>
+          </p:nvPicPr>
+          <p:blipFill>
+            <a:blip r:embed="rId22" cstate="print"/>
+            <a:stretch>
+              <a:fillRect/>
+            </a:stretch>
+          </p:blipFill>
+          <p:spPr>
+            <a:xfrm>
+              <a:off x="10885115" y="8188891"/>
+              <a:ext cx="4405529" cy="3448402"/>
+            </a:xfrm>
+            <a:prstGeom prst="rect">
+              <a:avLst/>
+            </a:prstGeom>
+          </p:spPr>
+        </p:pic>
+      </p:grpSp>
+      <p:grpSp>
+        <p:nvGrpSpPr>
+          <p:cNvPr id="1013" name="그룹 1013"/>
+          <p:cNvGrpSpPr/>
+          <p:nvPr/>
+        </p:nvGrpSpPr>
+        <p:grpSpPr>
+          <a:xfrm>
+            <a:off x="14803585" y="7949528"/>
+            <a:ext cx="6171429" cy="3872571"/>
+            <a:chOff x="14803585" y="7949528"/>
+            <a:chExt cx="6171429" cy="3872571"/>
+          </a:xfrm>
+        </p:grpSpPr>
+        <p:pic>
+          <p:nvPicPr>
+            <p:cNvPr id="48" name="Object 47"/>
+            <p:cNvPicPr>
+              <a:picLocks noChangeAspect="1"/>
+            </p:cNvPicPr>
+            <p:nvPr/>
+          </p:nvPicPr>
+          <p:blipFill>
+            <a:blip r:embed="rId23" cstate="print"/>
+            <a:stretch>
+              <a:fillRect/>
+            </a:stretch>
+          </p:blipFill>
+          <p:spPr>
+            <a:xfrm>
+              <a:off x="14803585" y="7949528"/>
+              <a:ext cx="6171429" cy="3872571"/>
+            </a:xfrm>
+            <a:prstGeom prst="rect">
+              <a:avLst/>
+            </a:prstGeom>
+          </p:spPr>
+        </p:pic>
+      </p:grpSp>
+    </p:spTree>
+  </p:cSld>
+  <p:clrMapOvr>
+    <a:masterClrMapping/>
+  </p:clrMapOvr>
+</p:sld>
+</file>
+
+<file path=ppt/slides/slide24.xml><?xml version="1.0" encoding="utf-8"?>
+<p:sld xmlns:a="http://schemas.openxmlformats.org/drawingml/2006/main" xmlns:r="http://schemas.openxmlformats.org/officeDocument/2006/relationships" xmlns:p="http://schemas.openxmlformats.org/presentationml/2006/main">
+  <p:cSld name="Slide 18">
+    <p:bg>
+      <p:bgPr>
+        <a:solidFill>
+          <a:srgbClr val="4C50BB"/>
+        </a:solidFill>
+        <a:effectLst/>
+      </p:bgPr>
+    </p:bg>
+    <p:spTree>
+      <p:nvGrpSpPr>
+        <p:cNvPr id="1" name=""/>
+        <p:cNvGrpSpPr/>
+        <p:nvPr/>
+      </p:nvGrpSpPr>
+      <p:grpSpPr>
+        <a:xfrm>
+          <a:off x="0" y="0"/>
+          <a:ext cx="0" cy="0"/>
+          <a:chOff x="0" y="0"/>
+          <a:chExt cx="0" cy="0"/>
+        </a:xfrm>
+      </p:grpSpPr>
+      <p:pic>
+        <p:nvPicPr>
+          <p:cNvPr id="2" name="Object 1"/>
+          <p:cNvPicPr>
+            <a:picLocks noChangeAspect="1"/>
+          </p:cNvPicPr>
+          <p:nvPr/>
+        </p:nvPicPr>
+        <p:blipFill>
+          <a:blip r:embed="rId2" cstate="print"/>
+          <a:stretch>
+            <a:fillRect/>
+          </a:stretch>
+        </p:blipFill>
+        <p:spPr>
+          <a:xfrm>
+            <a:off x="1695239" y="6574030"/>
+            <a:ext cx="9873004" cy="1243852"/>
+          </a:xfrm>
+          <a:prstGeom prst="rect">
+            <a:avLst/>
+          </a:prstGeom>
+        </p:spPr>
+      </p:pic>
+      <p:pic>
+        <p:nvPicPr>
+          <p:cNvPr id="3" name="Object 2"/>
+          <p:cNvPicPr>
+            <a:picLocks noChangeAspect="1"/>
+          </p:cNvPicPr>
+          <p:nvPr/>
+        </p:nvPicPr>
+        <p:blipFill>
+          <a:blip r:embed="rId3" cstate="print"/>
+          <a:stretch>
+            <a:fillRect/>
+          </a:stretch>
+        </p:blipFill>
+        <p:spPr>
+          <a:xfrm>
+            <a:off x="1468058" y="2416536"/>
+            <a:ext cx="3344714" cy="3278626"/>
+          </a:xfrm>
+          <a:prstGeom prst="rect">
+            <a:avLst/>
+          </a:prstGeom>
+        </p:spPr>
+      </p:pic>
+      <p:pic>
+        <p:nvPicPr>
+          <p:cNvPr id="4" name="Object 3"/>
+          <p:cNvPicPr>
+            <a:picLocks noChangeAspect="1"/>
+          </p:cNvPicPr>
+          <p:nvPr/>
+        </p:nvPicPr>
+        <p:blipFill>
+          <a:blip r:embed="rId4" cstate="print"/>
+          <a:stretch>
+            <a:fillRect/>
+          </a:stretch>
+        </p:blipFill>
+        <p:spPr>
+          <a:xfrm>
+            <a:off x="1630479" y="5005527"/>
+            <a:ext cx="6074702" cy="1446111"/>
+          </a:xfrm>
+          <a:prstGeom prst="rect">
+            <a:avLst/>
+          </a:prstGeom>
+        </p:spPr>
+      </p:pic>
+      <p:grpSp>
+        <p:nvGrpSpPr>
+          <p:cNvPr id="1001" name="그룹 1001"/>
+          <p:cNvGrpSpPr/>
+          <p:nvPr/>
+        </p:nvGrpSpPr>
+        <p:grpSpPr>
+          <a:xfrm>
+            <a:off x="13074845" y="-1224069"/>
+            <a:ext cx="3388803" cy="3355932"/>
+            <a:chOff x="13074845" y="-1224069"/>
+            <a:chExt cx="3388803" cy="3355932"/>
+          </a:xfrm>
+        </p:grpSpPr>
+        <p:pic>
+          <p:nvPicPr>
+            <p:cNvPr id="6" name="Object 5"/>
+            <p:cNvPicPr>
+              <a:picLocks noChangeAspect="1"/>
+            </p:cNvPicPr>
+            <p:nvPr/>
+          </p:nvPicPr>
+          <p:blipFill>
+            <a:blip r:embed="rId5" cstate="print"/>
+            <a:stretch>
+              <a:fillRect/>
+            </a:stretch>
+          </p:blipFill>
+          <p:spPr>
+            <a:xfrm>
+              <a:off x="13074845" y="-1224069"/>
+              <a:ext cx="3388803" cy="3355932"/>
+            </a:xfrm>
+            <a:prstGeom prst="rect">
+              <a:avLst/>
+            </a:prstGeom>
+          </p:spPr>
+        </p:pic>
+      </p:grpSp>
+      <p:grpSp>
+        <p:nvGrpSpPr>
+          <p:cNvPr id="1002" name="그룹 1002"/>
+          <p:cNvGrpSpPr/>
+          <p:nvPr/>
+        </p:nvGrpSpPr>
+        <p:grpSpPr>
+          <a:xfrm>
+            <a:off x="15502230" y="-877556"/>
+            <a:ext cx="3902974" cy="3971928"/>
+            <a:chOff x="15502230" y="-877556"/>
+            <a:chExt cx="3902974" cy="3971928"/>
+          </a:xfrm>
+        </p:grpSpPr>
+        <p:pic>
+          <p:nvPicPr>
+            <p:cNvPr id="9" name="Object 8"/>
+            <p:cNvPicPr>
+              <a:picLocks noChangeAspect="1"/>
+            </p:cNvPicPr>
+            <p:nvPr/>
+          </p:nvPicPr>
+          <p:blipFill>
+            <a:blip r:embed="rId6" cstate="print"/>
+            <a:stretch>
+              <a:fillRect/>
+            </a:stretch>
+          </p:blipFill>
+          <p:spPr>
+            <a:xfrm rot="-2700000">
+              <a:off x="15502230" y="-877556"/>
+              <a:ext cx="3902974" cy="3971928"/>
+            </a:xfrm>
+            <a:prstGeom prst="rect">
+              <a:avLst/>
+            </a:prstGeom>
+          </p:spPr>
+        </p:pic>
+      </p:grpSp>
+      <p:grpSp>
+        <p:nvGrpSpPr>
+          <p:cNvPr id="1003" name="그룹 1003"/>
+          <p:cNvGrpSpPr/>
+          <p:nvPr/>
+        </p:nvGrpSpPr>
+        <p:grpSpPr>
+          <a:xfrm>
+            <a:off x="14137208" y="6930045"/>
+            <a:ext cx="4652881" cy="4607748"/>
+            <a:chOff x="14137208" y="6930045"/>
+            <a:chExt cx="4652881" cy="4607748"/>
+          </a:xfrm>
+        </p:grpSpPr>
+        <p:pic>
+          <p:nvPicPr>
+            <p:cNvPr id="12" name="Object 11"/>
+            <p:cNvPicPr>
+              <a:picLocks noChangeAspect="1"/>
+            </p:cNvPicPr>
+            <p:nvPr/>
+          </p:nvPicPr>
+          <p:blipFill>
+            <a:blip r:embed="rId7" cstate="print"/>
+            <a:stretch>
+              <a:fillRect/>
+            </a:stretch>
+          </p:blipFill>
+          <p:spPr>
+            <a:xfrm>
+              <a:off x="14137208" y="6930045"/>
+              <a:ext cx="4652881" cy="4607748"/>
+            </a:xfrm>
+            <a:prstGeom prst="rect">
+              <a:avLst/>
+            </a:prstGeom>
+          </p:spPr>
+        </p:pic>
+      </p:grpSp>
+      <p:grpSp>
+        <p:nvGrpSpPr>
+          <p:cNvPr id="1004" name="그룹 1004"/>
+          <p:cNvGrpSpPr/>
+          <p:nvPr/>
+        </p:nvGrpSpPr>
+        <p:grpSpPr>
+          <a:xfrm>
+            <a:off x="-159165" y="3685351"/>
+            <a:ext cx="1432688" cy="191978"/>
+            <a:chOff x="-159165" y="3685351"/>
+            <a:chExt cx="1432688" cy="191978"/>
+          </a:xfrm>
+        </p:grpSpPr>
+        <p:pic>
+          <p:nvPicPr>
+            <p:cNvPr id="15" name="Object 14"/>
+            <p:cNvPicPr>
+              <a:picLocks noChangeAspect="1"/>
+            </p:cNvPicPr>
+            <p:nvPr/>
+          </p:nvPicPr>
+          <p:blipFill>
+            <a:blip r:embed="rId8" cstate="print"/>
+            <a:stretch>
+              <a:fillRect/>
+            </a:stretch>
+          </p:blipFill>
+          <p:spPr>
+            <a:xfrm rot="-10800000">
+              <a:off x="-159165" y="3685351"/>
+              <a:ext cx="1432688" cy="191978"/>
+            </a:xfrm>
+            <a:prstGeom prst="rect">
+              <a:avLst/>
+            </a:prstGeom>
+          </p:spPr>
+        </p:pic>
+      </p:grpSp>
+    </p:spTree>
+  </p:cSld>
+  <p:clrMapOvr>
+    <a:masterClrMapping/>
+  </p:clrMapOvr>
+</p:sld>
+</file>
+
+<file path=ppt/slides/slide25.xml><?xml version="1.0" encoding="utf-8"?>
+<p:sld xmlns:a="http://schemas.openxmlformats.org/drawingml/2006/main" xmlns:r="http://schemas.openxmlformats.org/officeDocument/2006/relationships" xmlns:p="http://schemas.openxmlformats.org/presentationml/2006/main">
+  <p:cSld name="Slide 19">
+    <p:bg>
+      <p:bgPr>
+        <a:solidFill>
+          <a:srgbClr val="4C50BB"/>
+        </a:solidFill>
+        <a:effectLst/>
+      </p:bgPr>
+    </p:bg>
+    <p:spTree>
+      <p:nvGrpSpPr>
+        <p:cNvPr id="1" name=""/>
+        <p:cNvGrpSpPr/>
+        <p:nvPr/>
+      </p:nvGrpSpPr>
+      <p:grpSpPr>
+        <a:xfrm>
+          <a:off x="0" y="0"/>
+          <a:ext cx="0" cy="0"/>
+          <a:chOff x="0" y="0"/>
+          <a:chExt cx="0" cy="0"/>
+        </a:xfrm>
+      </p:grpSpPr>
+      <p:pic>
+        <p:nvPicPr>
+          <p:cNvPr id="2" name="Object 1"/>
+          <p:cNvPicPr>
+            <a:picLocks noChangeAspect="1"/>
+          </p:cNvPicPr>
+          <p:nvPr/>
+        </p:nvPicPr>
+        <p:blipFill>
+          <a:blip r:embed="rId2" cstate="print"/>
+          <a:stretch>
+            <a:fillRect/>
+          </a:stretch>
+        </p:blipFill>
+        <p:spPr>
+          <a:xfrm>
+            <a:off x="13669011" y="2416534"/>
+            <a:ext cx="3845989" cy="3278624"/>
+          </a:xfrm>
+          <a:prstGeom prst="rect">
+            <a:avLst/>
+          </a:prstGeom>
+        </p:spPr>
+      </p:pic>
+      <p:pic>
+        <p:nvPicPr>
+          <p:cNvPr id="3" name="Object 2"/>
+          <p:cNvPicPr>
+            <a:picLocks noChangeAspect="1"/>
+          </p:cNvPicPr>
+          <p:nvPr/>
+        </p:nvPicPr>
+        <p:blipFill>
+          <a:blip r:embed="rId3" cstate="print"/>
+          <a:stretch>
+            <a:fillRect/>
+          </a:stretch>
+        </p:blipFill>
+        <p:spPr>
+          <a:xfrm>
+            <a:off x="8754289" y="5005527"/>
+            <a:ext cx="8227854" cy="1436588"/>
+          </a:xfrm>
+          <a:prstGeom prst="rect">
+            <a:avLst/>
+          </a:prstGeom>
+        </p:spPr>
+      </p:pic>
+      <p:pic>
+        <p:nvPicPr>
+          <p:cNvPr id="4" name="Object 3"/>
+          <p:cNvPicPr>
+            <a:picLocks noChangeAspect="1"/>
+          </p:cNvPicPr>
+          <p:nvPr/>
+        </p:nvPicPr>
+        <p:blipFill>
+          <a:blip r:embed="rId4" cstate="print"/>
+          <a:stretch>
+            <a:fillRect/>
+          </a:stretch>
+        </p:blipFill>
+        <p:spPr>
+          <a:xfrm>
+            <a:off x="5455804" y="6574030"/>
+            <a:ext cx="11298566" cy="1832814"/>
+          </a:xfrm>
+          <a:prstGeom prst="rect">
+            <a:avLst/>
+          </a:prstGeom>
+        </p:spPr>
+      </p:pic>
+      <p:grpSp>
+        <p:nvGrpSpPr>
+          <p:cNvPr id="1001" name="그룹 1001"/>
+          <p:cNvGrpSpPr/>
+          <p:nvPr/>
+        </p:nvGrpSpPr>
+        <p:grpSpPr>
+          <a:xfrm>
+            <a:off x="1466667" y="-1273641"/>
+            <a:ext cx="4883301" cy="4835933"/>
+            <a:chOff x="1466667" y="-1273641"/>
+            <a:chExt cx="4883301" cy="4835933"/>
+          </a:xfrm>
+        </p:grpSpPr>
+        <p:pic>
+          <p:nvPicPr>
+            <p:cNvPr id="6" name="Object 5"/>
+            <p:cNvPicPr>
+              <a:picLocks noChangeAspect="1"/>
+            </p:cNvPicPr>
+            <p:nvPr/>
+          </p:nvPicPr>
+          <p:blipFill>
+            <a:blip r:embed="rId5" cstate="print"/>
+            <a:stretch>
+              <a:fillRect/>
+            </a:stretch>
+          </p:blipFill>
+          <p:spPr>
+            <a:xfrm>
+              <a:off x="1466667" y="-1273641"/>
+              <a:ext cx="4883301" cy="4835933"/>
+            </a:xfrm>
+            <a:prstGeom prst="rect">
+              <a:avLst/>
+            </a:prstGeom>
+          </p:spPr>
+        </p:pic>
+      </p:grpSp>
+      <p:grpSp>
+        <p:nvGrpSpPr>
+          <p:cNvPr id="1002" name="그룹 1002"/>
+          <p:cNvGrpSpPr/>
+          <p:nvPr/>
+        </p:nvGrpSpPr>
+        <p:grpSpPr>
+          <a:xfrm>
+            <a:off x="-1875296" y="7034297"/>
+            <a:ext cx="3902974" cy="3971928"/>
+            <a:chOff x="-1875296" y="7034297"/>
+            <a:chExt cx="3902974" cy="3971928"/>
+          </a:xfrm>
+        </p:grpSpPr>
+        <p:pic>
+          <p:nvPicPr>
+            <p:cNvPr id="9" name="Object 8"/>
+            <p:cNvPicPr>
+              <a:picLocks noChangeAspect="1"/>
+            </p:cNvPicPr>
+            <p:nvPr/>
+          </p:nvPicPr>
+          <p:blipFill>
+            <a:blip r:embed="rId6" cstate="print"/>
+            <a:stretch>
+              <a:fillRect/>
+            </a:stretch>
+          </p:blipFill>
+          <p:spPr>
+            <a:xfrm rot="-2700000">
+              <a:off x="-1875296" y="7034297"/>
+              <a:ext cx="3902974" cy="3971928"/>
+            </a:xfrm>
+            <a:prstGeom prst="rect">
+              <a:avLst/>
+            </a:prstGeom>
+          </p:spPr>
+        </p:pic>
+      </p:grpSp>
+      <p:grpSp>
+        <p:nvGrpSpPr>
+          <p:cNvPr id="1003" name="그룹 1003"/>
+          <p:cNvGrpSpPr/>
+          <p:nvPr/>
+        </p:nvGrpSpPr>
+        <p:grpSpPr>
+          <a:xfrm>
+            <a:off x="15132166" y="7617758"/>
+            <a:ext cx="3708387" cy="3672416"/>
+            <a:chOff x="15132166" y="7617758"/>
+            <a:chExt cx="3708387" cy="3672416"/>
+          </a:xfrm>
+        </p:grpSpPr>
+        <p:pic>
+          <p:nvPicPr>
+            <p:cNvPr id="12" name="Object 11"/>
+            <p:cNvPicPr>
+              <a:picLocks noChangeAspect="1"/>
+            </p:cNvPicPr>
+            <p:nvPr/>
+          </p:nvPicPr>
+          <p:blipFill>
+            <a:blip r:embed="rId7" cstate="print"/>
+            <a:stretch>
+              <a:fillRect/>
+            </a:stretch>
+          </p:blipFill>
+          <p:spPr>
+            <a:xfrm>
+              <a:off x="15132166" y="7617758"/>
+              <a:ext cx="3708387" cy="3672416"/>
+            </a:xfrm>
+            <a:prstGeom prst="rect">
+              <a:avLst/>
+            </a:prstGeom>
+          </p:spPr>
+        </p:pic>
+      </p:grpSp>
+      <p:grpSp>
+        <p:nvGrpSpPr>
+          <p:cNvPr id="1004" name="그룹 1004"/>
+          <p:cNvGrpSpPr/>
+          <p:nvPr/>
+        </p:nvGrpSpPr>
+        <p:grpSpPr>
+          <a:xfrm>
+            <a:off x="16986360" y="3561542"/>
+            <a:ext cx="1432688" cy="191978"/>
+            <a:chOff x="16986360" y="3561542"/>
+            <a:chExt cx="1432688" cy="191978"/>
+          </a:xfrm>
+        </p:grpSpPr>
+        <p:pic>
+          <p:nvPicPr>
+            <p:cNvPr id="15" name="Object 14"/>
+            <p:cNvPicPr>
+              <a:picLocks noChangeAspect="1"/>
+            </p:cNvPicPr>
+            <p:nvPr/>
+          </p:nvPicPr>
+          <p:blipFill>
+            <a:blip r:embed="rId8" cstate="print"/>
+            <a:stretch>
+              <a:fillRect/>
+            </a:stretch>
+          </p:blipFill>
+          <p:spPr>
+            <a:xfrm>
+              <a:off x="16986360" y="3561542"/>
+              <a:ext cx="1432688" cy="191978"/>
+            </a:xfrm>
+            <a:prstGeom prst="rect">
+              <a:avLst/>
+            </a:prstGeom>
+          </p:spPr>
+        </p:pic>
+      </p:grpSp>
+    </p:spTree>
+  </p:cSld>
+  <p:clrMapOvr>
+    <a:masterClrMapping/>
+  </p:clrMapOvr>
+</p:sld>
+</file>
+
+<file path=ppt/slides/slide26.xml><?xml version="1.0" encoding="utf-8"?>
 <p:sld xmlns:a="http://schemas.openxmlformats.org/drawingml/2006/main" xmlns:r="http://schemas.openxmlformats.org/officeDocument/2006/relationships" xmlns:p="http://schemas.openxmlformats.org/presentationml/2006/main">
   <p:cSld name="Slide 20">
     <p:bg>
@@ -8152,6 +11170,13 @@
   <p:clrMapOvr>
     <a:masterClrMapping/>
   </p:clrMapOvr>
+  <p:timing>
+    <p:tnLst>
+      <p:par>
+        <p:cTn id="1" dur="indefinite" restart="never" nodeType="tmRoot"/>
+      </p:par>
+    </p:tnLst>
+  </p:timing>
 </p:sld>
 </file>
 
@@ -8665,6 +11690,13 @@
   <p:clrMapOvr>
     <a:masterClrMapping/>
   </p:clrMapOvr>
+  <p:timing>
+    <p:tnLst>
+      <p:par>
+        <p:cTn id="1" dur="indefinite" restart="never" nodeType="tmRoot"/>
+      </p:par>
+    </p:tnLst>
+  </p:timing>
 </p:sld>
 </file>
 
@@ -9001,6 +12033,13 @@
   <p:clrMapOvr>
     <a:masterClrMapping/>
   </p:clrMapOvr>
+  <p:timing>
+    <p:tnLst>
+      <p:par>
+        <p:cTn id="1" dur="indefinite" restart="never" nodeType="tmRoot"/>
+      </p:par>
+    </p:tnLst>
+  </p:timing>
 </p:sld>
 </file>
 
@@ -9361,6 +12400,13 @@
   <p:clrMapOvr>
     <a:masterClrMapping/>
   </p:clrMapOvr>
+  <p:timing>
+    <p:tnLst>
+      <p:par>
+        <p:cTn id="1" dur="indefinite" restart="never" nodeType="tmRoot"/>
+      </p:par>
+    </p:tnLst>
+  </p:timing>
 </p:sld>
 </file>
 
@@ -9721,6 +12767,13 @@
   <p:clrMapOvr>
     <a:masterClrMapping/>
   </p:clrMapOvr>
+  <p:timing>
+    <p:tnLst>
+      <p:par>
+        <p:cTn id="1" dur="indefinite" restart="never" nodeType="tmRoot"/>
+      </p:par>
+    </p:tnLst>
+  </p:timing>
 </p:sld>
 </file>
 
@@ -11080,6 +14133,13 @@
   <p:clrMapOvr>
     <a:masterClrMapping/>
   </p:clrMapOvr>
+  <p:timing>
+    <p:tnLst>
+      <p:par>
+        <p:cTn id="1" dur="indefinite" restart="never" nodeType="tmRoot"/>
+      </p:par>
+    </p:tnLst>
+  </p:timing>
 </p:sld>
 </file>
 
@@ -11341,6 +14401,13 @@
   <p:clrMapOvr>
     <a:masterClrMapping/>
   </p:clrMapOvr>
+  <p:timing>
+    <p:tnLst>
+      <p:par>
+        <p:cTn id="1" dur="indefinite" restart="never" nodeType="tmRoot"/>
+      </p:par>
+    </p:tnLst>
+  </p:timing>
 </p:sld>
 </file>
 
@@ -11625,4 +14692,265 @@
   <a:objectDefaults/>
   <a:extraClrSchemeLst/>
 </a:theme>
+</file>
+
+<file path=ppt/theme/theme2.xml><?xml version="1.0" encoding="utf-8"?>
+<a:theme xmlns:a="http://schemas.openxmlformats.org/drawingml/2006/main" name="Office 테마">
+  <a:themeElements>
+    <a:clrScheme name="Office">
+      <a:dk1>
+        <a:sysClr val="windowText" lastClr="000000"/>
+      </a:dk1>
+      <a:lt1>
+        <a:sysClr val="window" lastClr="FFFFFF"/>
+      </a:lt1>
+      <a:dk2>
+        <a:srgbClr val="44546A"/>
+      </a:dk2>
+      <a:lt2>
+        <a:srgbClr val="E7E6E6"/>
+      </a:lt2>
+      <a:accent1>
+        <a:srgbClr val="5B9BD5"/>
+      </a:accent1>
+      <a:accent2>
+        <a:srgbClr val="ED7D31"/>
+      </a:accent2>
+      <a:accent3>
+        <a:srgbClr val="A5A5A5"/>
+      </a:accent3>
+      <a:accent4>
+        <a:srgbClr val="FFC000"/>
+      </a:accent4>
+      <a:accent5>
+        <a:srgbClr val="4472C4"/>
+      </a:accent5>
+      <a:accent6>
+        <a:srgbClr val="70AD47"/>
+      </a:accent6>
+      <a:hlink>
+        <a:srgbClr val="0563C1"/>
+      </a:hlink>
+      <a:folHlink>
+        <a:srgbClr val="954F72"/>
+      </a:folHlink>
+    </a:clrScheme>
+    <a:fontScheme name="Office">
+      <a:majorFont>
+        <a:latin typeface="맑은 고딕" panose="020F0302020204030204"/>
+        <a:ea typeface=""/>
+        <a:cs typeface=""/>
+        <a:font script="Jpan" typeface="游ゴシック Light"/>
+        <a:font script="Hang" typeface="맑은 고딕"/>
+        <a:font script="Hans" typeface="等线 Light"/>
+        <a:font script="Hant" typeface="新細明體"/>
+        <a:font script="Arab" typeface="Times New Roman"/>
+        <a:font script="Hebr" typeface="Times New Roman"/>
+        <a:font script="Thai" typeface="Angsana New"/>
+        <a:font script="Ethi" typeface="Nyala"/>
+        <a:font script="Beng" typeface="Vrinda"/>
+        <a:font script="Gujr" typeface="Shruti"/>
+        <a:font script="Khmr" typeface="MoolBoran"/>
+        <a:font script="Knda" typeface="Tunga"/>
+        <a:font script="Guru" typeface="Raavi"/>
+        <a:font script="Cans" typeface="Euphemia"/>
+        <a:font script="Cher" typeface="Plantagenet Cherokee"/>
+        <a:font script="Yiii" typeface="Microsoft Yi Baiti"/>
+        <a:font script="Tibt" typeface="Microsoft Himalaya"/>
+        <a:font script="Thaa" typeface="MV Boli"/>
+        <a:font script="Deva" typeface="Mangal"/>
+        <a:font script="Telu" typeface="Gautami"/>
+        <a:font script="Taml" typeface="Latha"/>
+        <a:font script="Syrc" typeface="Estrangelo Edessa"/>
+        <a:font script="Orya" typeface="Kalinga"/>
+        <a:font script="Mlym" typeface="Kartika"/>
+        <a:font script="Laoo" typeface="DokChampa"/>
+        <a:font script="Sinh" typeface="Iskoola Pota"/>
+        <a:font script="Mong" typeface="Mongolian Baiti"/>
+        <a:font script="Viet" typeface="Times New Roman"/>
+        <a:font script="Uigh" typeface="Microsoft Uighur"/>
+        <a:font script="Geor" typeface="Sylfaen"/>
+      </a:majorFont>
+      <a:minorFont>
+        <a:latin typeface="맑은 고딕" panose="020F0502020204030204"/>
+        <a:ea typeface=""/>
+        <a:cs typeface=""/>
+        <a:font script="Jpan" typeface="游ゴシック"/>
+        <a:font script="Hang" typeface="맑은 고딕"/>
+        <a:font script="Hans" typeface="等线"/>
+        <a:font script="Hant" typeface="新細明體"/>
+        <a:font script="Arab" typeface="Arial"/>
+        <a:font script="Hebr" typeface="Arial"/>
+        <a:font script="Thai" typeface="Cordia New"/>
+        <a:font script="Ethi" typeface="Nyala"/>
+        <a:font script="Beng" typeface="Vrinda"/>
+        <a:font script="Gujr" typeface="Shruti"/>
+        <a:font script="Khmr" typeface="DaunPenh"/>
+        <a:font script="Knda" typeface="Tunga"/>
+        <a:font script="Guru" typeface="Raavi"/>
+        <a:font script="Cans" typeface="Euphemia"/>
+        <a:font script="Cher" typeface="Plantagenet Cherokee"/>
+        <a:font script="Yiii" typeface="Microsoft Yi Baiti"/>
+        <a:font script="Tibt" typeface="Microsoft Himalaya"/>
+        <a:font script="Thaa" typeface="MV Boli"/>
+        <a:font script="Deva" typeface="Mangal"/>
+        <a:font script="Telu" typeface="Gautami"/>
+        <a:font script="Taml" typeface="Latha"/>
+        <a:font script="Syrc" typeface="Estrangelo Edessa"/>
+        <a:font script="Orya" typeface="Kalinga"/>
+        <a:font script="Mlym" typeface="Kartika"/>
+        <a:font script="Laoo" typeface="DokChampa"/>
+        <a:font script="Sinh" typeface="Iskoola Pota"/>
+        <a:font script="Mong" typeface="Mongolian Baiti"/>
+        <a:font script="Viet" typeface="Arial"/>
+        <a:font script="Uigh" typeface="Microsoft Uighur"/>
+        <a:font script="Geor" typeface="Sylfaen"/>
+      </a:minorFont>
+    </a:fontScheme>
+    <a:fmtScheme name="Office">
+      <a:fillStyleLst>
+        <a:solidFill>
+          <a:schemeClr val="phClr"/>
+        </a:solidFill>
+        <a:gradFill rotWithShape="1">
+          <a:gsLst>
+            <a:gs pos="0">
+              <a:schemeClr val="phClr">
+                <a:lumMod val="110000"/>
+                <a:satMod val="105000"/>
+                <a:tint val="67000"/>
+              </a:schemeClr>
+            </a:gs>
+            <a:gs pos="50000">
+              <a:schemeClr val="phClr">
+                <a:lumMod val="105000"/>
+                <a:satMod val="103000"/>
+                <a:tint val="73000"/>
+              </a:schemeClr>
+            </a:gs>
+            <a:gs pos="100000">
+              <a:schemeClr val="phClr">
+                <a:lumMod val="105000"/>
+                <a:satMod val="109000"/>
+                <a:tint val="81000"/>
+              </a:schemeClr>
+            </a:gs>
+          </a:gsLst>
+          <a:lin ang="5400000" scaled="0"/>
+        </a:gradFill>
+        <a:gradFill rotWithShape="1">
+          <a:gsLst>
+            <a:gs pos="0">
+              <a:schemeClr val="phClr">
+                <a:satMod val="103000"/>
+                <a:lumMod val="102000"/>
+                <a:tint val="94000"/>
+              </a:schemeClr>
+            </a:gs>
+            <a:gs pos="50000">
+              <a:schemeClr val="phClr">
+                <a:satMod val="110000"/>
+                <a:lumMod val="100000"/>
+                <a:shade val="100000"/>
+              </a:schemeClr>
+            </a:gs>
+            <a:gs pos="100000">
+              <a:schemeClr val="phClr">
+                <a:lumMod val="99000"/>
+                <a:satMod val="120000"/>
+                <a:shade val="78000"/>
+              </a:schemeClr>
+            </a:gs>
+          </a:gsLst>
+          <a:lin ang="5400000" scaled="0"/>
+        </a:gradFill>
+      </a:fillStyleLst>
+      <a:lnStyleLst>
+        <a:ln w="6350" cap="flat" cmpd="sng" algn="ctr">
+          <a:solidFill>
+            <a:schemeClr val="phClr"/>
+          </a:solidFill>
+          <a:prstDash val="solid"/>
+          <a:miter lim="800000"/>
+        </a:ln>
+        <a:ln w="12700" cap="flat" cmpd="sng" algn="ctr">
+          <a:solidFill>
+            <a:schemeClr val="phClr"/>
+          </a:solidFill>
+          <a:prstDash val="solid"/>
+          <a:miter lim="800000"/>
+        </a:ln>
+        <a:ln w="19050" cap="flat" cmpd="sng" algn="ctr">
+          <a:solidFill>
+            <a:schemeClr val="phClr"/>
+          </a:solidFill>
+          <a:prstDash val="solid"/>
+          <a:miter lim="800000"/>
+        </a:ln>
+      </a:lnStyleLst>
+      <a:effectStyleLst>
+        <a:effectStyle>
+          <a:effectLst/>
+        </a:effectStyle>
+        <a:effectStyle>
+          <a:effectLst/>
+        </a:effectStyle>
+        <a:effectStyle>
+          <a:effectLst>
+            <a:outerShdw blurRad="57150" dist="19050" dir="5400000" algn="ctr" rotWithShape="0">
+              <a:srgbClr val="000000">
+                <a:alpha val="63000"/>
+              </a:srgbClr>
+            </a:outerShdw>
+          </a:effectLst>
+        </a:effectStyle>
+      </a:effectStyleLst>
+      <a:bgFillStyleLst>
+        <a:solidFill>
+          <a:schemeClr val="phClr"/>
+        </a:solidFill>
+        <a:solidFill>
+          <a:schemeClr val="phClr">
+            <a:tint val="95000"/>
+            <a:satMod val="170000"/>
+          </a:schemeClr>
+        </a:solidFill>
+        <a:gradFill rotWithShape="1">
+          <a:gsLst>
+            <a:gs pos="0">
+              <a:schemeClr val="phClr">
+                <a:tint val="93000"/>
+                <a:satMod val="150000"/>
+                <a:shade val="98000"/>
+                <a:lumMod val="102000"/>
+              </a:schemeClr>
+            </a:gs>
+            <a:gs pos="50000">
+              <a:schemeClr val="phClr">
+                <a:tint val="98000"/>
+                <a:satMod val="130000"/>
+                <a:shade val="90000"/>
+                <a:lumMod val="103000"/>
+              </a:schemeClr>
+            </a:gs>
+            <a:gs pos="100000">
+              <a:schemeClr val="phClr">
+                <a:shade val="63000"/>
+                <a:satMod val="120000"/>
+              </a:schemeClr>
+            </a:gs>
+          </a:gsLst>
+          <a:lin ang="5400000" scaled="0"/>
+        </a:gradFill>
+      </a:bgFillStyleLst>
+    </a:fmtScheme>
+  </a:themeElements>
+  <a:objectDefaults/>
+  <a:extraClrSchemeLst/>
+  <a:extLst>
+    <a:ext uri="{05A4C25C-085E-4340-85A3-A5531E510DB2}">
+      <thm15:themeFamily xmlns:thm15="http://schemas.microsoft.com/office/thememl/2012/main" name="Office Theme" id="{62F939B6-93AF-4DB8-9C6B-D6C7DFDC589F}" vid="{4A3C46E8-61CC-4603-A589-7422A47A8E4A}"/>
+    </a:ext>
+  </a:extLst>
+</a:theme>
 </file>
--- a/디스플레이.pptx
+++ b/디스플레이.pptx
@@ -4,6 +4,9 @@
   <p:sldMasterIdLst>
     <p:sldMasterId id="2147483648" r:id="rId1"/>
   </p:sldMasterIdLst>
+  <p:notesMasterIdLst>
+    <p:notesMasterId r:id="rId25"/>
+  </p:notesMasterIdLst>
   <p:sldIdLst>
     <p:sldId id="256" r:id="rId2"/>
     <p:sldId id="257" r:id="rId3"/>
@@ -22,9 +25,12 @@
     <p:sldId id="270" r:id="rId16"/>
     <p:sldId id="271" r:id="rId17"/>
     <p:sldId id="272" r:id="rId18"/>
-    <p:sldId id="273" r:id="rId19"/>
-    <p:sldId id="274" r:id="rId20"/>
-    <p:sldId id="275" r:id="rId21"/>
+    <p:sldId id="277" r:id="rId19"/>
+    <p:sldId id="279" r:id="rId20"/>
+    <p:sldId id="280" r:id="rId21"/>
+    <p:sldId id="273" r:id="rId22"/>
+    <p:sldId id="274" r:id="rId23"/>
+    <p:sldId id="275" r:id="rId24"/>
   </p:sldIdLst>
   <p:sldSz cx="18288000" cy="10287000"/>
   <p:notesSz cx="10287000" cy="18288000"/>
@@ -142,6 +148,524 @@
 </p:presentation>
 </file>
 
+<file path=ppt/notesMasters/notesMaster1.xml><?xml version="1.0" encoding="utf-8"?>
+<p:notesMaster xmlns:a="http://schemas.openxmlformats.org/drawingml/2006/main" xmlns:r="http://schemas.openxmlformats.org/officeDocument/2006/relationships" xmlns:p="http://schemas.openxmlformats.org/presentationml/2006/main">
+  <p:cSld>
+    <p:bg>
+      <p:bgRef idx="1001">
+        <a:schemeClr val="bg1"/>
+      </p:bgRef>
+    </p:bg>
+    <p:spTree>
+      <p:nvGrpSpPr>
+        <p:cNvPr id="1" name=""/>
+        <p:cNvGrpSpPr/>
+        <p:nvPr/>
+      </p:nvGrpSpPr>
+      <p:grpSpPr>
+        <a:xfrm>
+          <a:off x="0" y="0"/>
+          <a:ext cx="0" cy="0"/>
+          <a:chOff x="0" y="0"/>
+          <a:chExt cx="0" cy="0"/>
+        </a:xfrm>
+      </p:grpSpPr>
+      <p:sp>
+        <p:nvSpPr>
+          <p:cNvPr id="2" name="머리글 개체 틀 1"/>
+          <p:cNvSpPr>
+            <a:spLocks noGrp="1"/>
+          </p:cNvSpPr>
+          <p:nvPr>
+            <p:ph type="hdr" sz="quarter"/>
+          </p:nvPr>
+        </p:nvSpPr>
+        <p:spPr>
+          <a:xfrm>
+            <a:off x="0" y="0"/>
+            <a:ext cx="4457700" cy="917575"/>
+          </a:xfrm>
+          <a:prstGeom prst="rect">
+            <a:avLst/>
+          </a:prstGeom>
+        </p:spPr>
+        <p:txBody>
+          <a:bodyPr vert="horz" lIns="91440" tIns="45720" rIns="91440" bIns="45720" rtlCol="0"/>
+          <a:lstStyle>
+            <a:lvl1pPr algn="l">
+              <a:defRPr sz="1200"/>
+            </a:lvl1pPr>
+          </a:lstStyle>
+          <a:p>
+            <a:endParaRPr lang="ko-KR" altLang="en-US"/>
+          </a:p>
+        </p:txBody>
+      </p:sp>
+      <p:sp>
+        <p:nvSpPr>
+          <p:cNvPr id="3" name="날짜 개체 틀 2"/>
+          <p:cNvSpPr>
+            <a:spLocks noGrp="1"/>
+          </p:cNvSpPr>
+          <p:nvPr>
+            <p:ph type="dt" idx="1"/>
+          </p:nvPr>
+        </p:nvSpPr>
+        <p:spPr>
+          <a:xfrm>
+            <a:off x="5827713" y="0"/>
+            <a:ext cx="4457700" cy="917575"/>
+          </a:xfrm>
+          <a:prstGeom prst="rect">
+            <a:avLst/>
+          </a:prstGeom>
+        </p:spPr>
+        <p:txBody>
+          <a:bodyPr vert="horz" lIns="91440" tIns="45720" rIns="91440" bIns="45720" rtlCol="0"/>
+          <a:lstStyle>
+            <a:lvl1pPr algn="r">
+              <a:defRPr sz="1200"/>
+            </a:lvl1pPr>
+          </a:lstStyle>
+          <a:p>
+            <a:fld id="{AF8C68AE-F9BB-4D53-8EB2-8C951A876A75}" type="datetimeFigureOut">
+              <a:rPr lang="ko-KR" altLang="en-US" smtClean="0"/>
+              <a:t>2023-05-11</a:t>
+            </a:fld>
+            <a:endParaRPr lang="ko-KR" altLang="en-US"/>
+          </a:p>
+        </p:txBody>
+      </p:sp>
+      <p:sp>
+        <p:nvSpPr>
+          <p:cNvPr id="4" name="슬라이드 이미지 개체 틀 3"/>
+          <p:cNvSpPr>
+            <a:spLocks noGrp="1" noRot="1" noChangeAspect="1"/>
+          </p:cNvSpPr>
+          <p:nvPr>
+            <p:ph type="sldImg" idx="2"/>
+          </p:nvPr>
+        </p:nvSpPr>
+        <p:spPr>
+          <a:xfrm>
+            <a:off x="-342900" y="2286000"/>
+            <a:ext cx="10972800" cy="6172200"/>
+          </a:xfrm>
+          <a:prstGeom prst="rect">
+            <a:avLst/>
+          </a:prstGeom>
+          <a:noFill/>
+          <a:ln w="12700">
+            <a:solidFill>
+              <a:prstClr val="black"/>
+            </a:solidFill>
+          </a:ln>
+        </p:spPr>
+        <p:txBody>
+          <a:bodyPr vert="horz" lIns="91440" tIns="45720" rIns="91440" bIns="45720" rtlCol="0" anchor="ctr"/>
+          <a:lstStyle/>
+          <a:p>
+            <a:endParaRPr lang="ko-KR" altLang="en-US"/>
+          </a:p>
+        </p:txBody>
+      </p:sp>
+      <p:sp>
+        <p:nvSpPr>
+          <p:cNvPr id="5" name="슬라이드 노트 개체 틀 4"/>
+          <p:cNvSpPr>
+            <a:spLocks noGrp="1"/>
+          </p:cNvSpPr>
+          <p:nvPr>
+            <p:ph type="body" sz="quarter" idx="3"/>
+          </p:nvPr>
+        </p:nvSpPr>
+        <p:spPr>
+          <a:xfrm>
+            <a:off x="1028700" y="8801100"/>
+            <a:ext cx="8229600" cy="7200900"/>
+          </a:xfrm>
+          <a:prstGeom prst="rect">
+            <a:avLst/>
+          </a:prstGeom>
+        </p:spPr>
+        <p:txBody>
+          <a:bodyPr vert="horz" lIns="91440" tIns="45720" rIns="91440" bIns="45720" rtlCol="0"/>
+          <a:lstStyle/>
+          <a:p>
+            <a:pPr lvl="0"/>
+            <a:r>
+              <a:rPr lang="ko-KR" altLang="en-US" smtClean="0"/>
+              <a:t>마스터 텍스트 스타일 편집</a:t>
+            </a:r>
+          </a:p>
+          <a:p>
+            <a:pPr lvl="1"/>
+            <a:r>
+              <a:rPr lang="ko-KR" altLang="en-US" smtClean="0"/>
+              <a:t>둘째 수준</a:t>
+            </a:r>
+          </a:p>
+          <a:p>
+            <a:pPr lvl="2"/>
+            <a:r>
+              <a:rPr lang="ko-KR" altLang="en-US" smtClean="0"/>
+              <a:t>셋째 수준</a:t>
+            </a:r>
+          </a:p>
+          <a:p>
+            <a:pPr lvl="3"/>
+            <a:r>
+              <a:rPr lang="ko-KR" altLang="en-US" smtClean="0"/>
+              <a:t>넷째 수준</a:t>
+            </a:r>
+          </a:p>
+          <a:p>
+            <a:pPr lvl="4"/>
+            <a:r>
+              <a:rPr lang="ko-KR" altLang="en-US" smtClean="0"/>
+              <a:t>다섯째 수준</a:t>
+            </a:r>
+            <a:endParaRPr lang="ko-KR" altLang="en-US"/>
+          </a:p>
+        </p:txBody>
+      </p:sp>
+      <p:sp>
+        <p:nvSpPr>
+          <p:cNvPr id="6" name="바닥글 개체 틀 5"/>
+          <p:cNvSpPr>
+            <a:spLocks noGrp="1"/>
+          </p:cNvSpPr>
+          <p:nvPr>
+            <p:ph type="ftr" sz="quarter" idx="4"/>
+          </p:nvPr>
+        </p:nvSpPr>
+        <p:spPr>
+          <a:xfrm>
+            <a:off x="0" y="17372013"/>
+            <a:ext cx="4457700" cy="915987"/>
+          </a:xfrm>
+          <a:prstGeom prst="rect">
+            <a:avLst/>
+          </a:prstGeom>
+        </p:spPr>
+        <p:txBody>
+          <a:bodyPr vert="horz" lIns="91440" tIns="45720" rIns="91440" bIns="45720" rtlCol="0" anchor="b"/>
+          <a:lstStyle>
+            <a:lvl1pPr algn="l">
+              <a:defRPr sz="1200"/>
+            </a:lvl1pPr>
+          </a:lstStyle>
+          <a:p>
+            <a:endParaRPr lang="ko-KR" altLang="en-US"/>
+          </a:p>
+        </p:txBody>
+      </p:sp>
+      <p:sp>
+        <p:nvSpPr>
+          <p:cNvPr id="7" name="슬라이드 번호 개체 틀 6"/>
+          <p:cNvSpPr>
+            <a:spLocks noGrp="1"/>
+          </p:cNvSpPr>
+          <p:nvPr>
+            <p:ph type="sldNum" sz="quarter" idx="5"/>
+          </p:nvPr>
+        </p:nvSpPr>
+        <p:spPr>
+          <a:xfrm>
+            <a:off x="5827713" y="17372013"/>
+            <a:ext cx="4457700" cy="915987"/>
+          </a:xfrm>
+          <a:prstGeom prst="rect">
+            <a:avLst/>
+          </a:prstGeom>
+        </p:spPr>
+        <p:txBody>
+          <a:bodyPr vert="horz" lIns="91440" tIns="45720" rIns="91440" bIns="45720" rtlCol="0" anchor="b"/>
+          <a:lstStyle>
+            <a:lvl1pPr algn="r">
+              <a:defRPr sz="1200"/>
+            </a:lvl1pPr>
+          </a:lstStyle>
+          <a:p>
+            <a:fld id="{733744C4-F0D9-4508-854F-B4976D08E825}" type="slidenum">
+              <a:rPr lang="ko-KR" altLang="en-US" smtClean="0"/>
+              <a:t>‹#›</a:t>
+            </a:fld>
+            <a:endParaRPr lang="ko-KR" altLang="en-US"/>
+          </a:p>
+        </p:txBody>
+      </p:sp>
+    </p:spTree>
+    <p:extLst>
+      <p:ext uri="{BB962C8B-B14F-4D97-AF65-F5344CB8AC3E}">
+        <p14:creationId xmlns:p14="http://schemas.microsoft.com/office/powerpoint/2010/main" val="2672458091"/>
+      </p:ext>
+    </p:extLst>
+  </p:cSld>
+  <p:clrMap bg1="lt1" tx1="dk1" bg2="lt2" tx2="dk2" accent1="accent1" accent2="accent2" accent3="accent3" accent4="accent4" accent5="accent5" accent6="accent6" hlink="hlink" folHlink="folHlink"/>
+  <p:notesStyle>
+    <a:lvl1pPr marL="0" algn="l" defTabSz="914400" rtl="0" eaLnBrk="1" latinLnBrk="1" hangingPunct="1">
+      <a:defRPr sz="1200" kern="1200">
+        <a:solidFill>
+          <a:schemeClr val="tx1"/>
+        </a:solidFill>
+        <a:latin typeface="+mn-lt"/>
+        <a:ea typeface="+mn-ea"/>
+        <a:cs typeface="+mn-cs"/>
+      </a:defRPr>
+    </a:lvl1pPr>
+    <a:lvl2pPr marL="457200" algn="l" defTabSz="914400" rtl="0" eaLnBrk="1" latinLnBrk="1" hangingPunct="1">
+      <a:defRPr sz="1200" kern="1200">
+        <a:solidFill>
+          <a:schemeClr val="tx1"/>
+        </a:solidFill>
+        <a:latin typeface="+mn-lt"/>
+        <a:ea typeface="+mn-ea"/>
+        <a:cs typeface="+mn-cs"/>
+      </a:defRPr>
+    </a:lvl2pPr>
+    <a:lvl3pPr marL="914400" algn="l" defTabSz="914400" rtl="0" eaLnBrk="1" latinLnBrk="1" hangingPunct="1">
+      <a:defRPr sz="1200" kern="1200">
+        <a:solidFill>
+          <a:schemeClr val="tx1"/>
+        </a:solidFill>
+        <a:latin typeface="+mn-lt"/>
+        <a:ea typeface="+mn-ea"/>
+        <a:cs typeface="+mn-cs"/>
+      </a:defRPr>
+    </a:lvl3pPr>
+    <a:lvl4pPr marL="1371600" algn="l" defTabSz="914400" rtl="0" eaLnBrk="1" latinLnBrk="1" hangingPunct="1">
+      <a:defRPr sz="1200" kern="1200">
+        <a:solidFill>
+          <a:schemeClr val="tx1"/>
+        </a:solidFill>
+        <a:latin typeface="+mn-lt"/>
+        <a:ea typeface="+mn-ea"/>
+        <a:cs typeface="+mn-cs"/>
+      </a:defRPr>
+    </a:lvl4pPr>
+    <a:lvl5pPr marL="1828800" algn="l" defTabSz="914400" rtl="0" eaLnBrk="1" latinLnBrk="1" hangingPunct="1">
+      <a:defRPr sz="1200" kern="1200">
+        <a:solidFill>
+          <a:schemeClr val="tx1"/>
+        </a:solidFill>
+        <a:latin typeface="+mn-lt"/>
+        <a:ea typeface="+mn-ea"/>
+        <a:cs typeface="+mn-cs"/>
+      </a:defRPr>
+    </a:lvl5pPr>
+    <a:lvl6pPr marL="2286000" algn="l" defTabSz="914400" rtl="0" eaLnBrk="1" latinLnBrk="1" hangingPunct="1">
+      <a:defRPr sz="1200" kern="1200">
+        <a:solidFill>
+          <a:schemeClr val="tx1"/>
+        </a:solidFill>
+        <a:latin typeface="+mn-lt"/>
+        <a:ea typeface="+mn-ea"/>
+        <a:cs typeface="+mn-cs"/>
+      </a:defRPr>
+    </a:lvl6pPr>
+    <a:lvl7pPr marL="2743200" algn="l" defTabSz="914400" rtl="0" eaLnBrk="1" latinLnBrk="1" hangingPunct="1">
+      <a:defRPr sz="1200" kern="1200">
+        <a:solidFill>
+          <a:schemeClr val="tx1"/>
+        </a:solidFill>
+        <a:latin typeface="+mn-lt"/>
+        <a:ea typeface="+mn-ea"/>
+        <a:cs typeface="+mn-cs"/>
+      </a:defRPr>
+    </a:lvl7pPr>
+    <a:lvl8pPr marL="3200400" algn="l" defTabSz="914400" rtl="0" eaLnBrk="1" latinLnBrk="1" hangingPunct="1">
+      <a:defRPr sz="1200" kern="1200">
+        <a:solidFill>
+          <a:schemeClr val="tx1"/>
+        </a:solidFill>
+        <a:latin typeface="+mn-lt"/>
+        <a:ea typeface="+mn-ea"/>
+        <a:cs typeface="+mn-cs"/>
+      </a:defRPr>
+    </a:lvl8pPr>
+    <a:lvl9pPr marL="3657600" algn="l" defTabSz="914400" rtl="0" eaLnBrk="1" latinLnBrk="1" hangingPunct="1">
+      <a:defRPr sz="1200" kern="1200">
+        <a:solidFill>
+          <a:schemeClr val="tx1"/>
+        </a:solidFill>
+        <a:latin typeface="+mn-lt"/>
+        <a:ea typeface="+mn-ea"/>
+        <a:cs typeface="+mn-cs"/>
+      </a:defRPr>
+    </a:lvl9pPr>
+  </p:notesStyle>
+</p:notesMaster>
+</file>
+
+<file path=ppt/notesSlides/notesSlide1.xml><?xml version="1.0" encoding="utf-8"?>
+<p:notes xmlns:a="http://schemas.openxmlformats.org/drawingml/2006/main" xmlns:r="http://schemas.openxmlformats.org/officeDocument/2006/relationships" xmlns:p="http://schemas.openxmlformats.org/presentationml/2006/main">
+  <p:cSld>
+    <p:spTree>
+      <p:nvGrpSpPr>
+        <p:cNvPr id="1" name=""/>
+        <p:cNvGrpSpPr/>
+        <p:nvPr/>
+      </p:nvGrpSpPr>
+      <p:grpSpPr>
+        <a:xfrm>
+          <a:off x="0" y="0"/>
+          <a:ext cx="0" cy="0"/>
+          <a:chOff x="0" y="0"/>
+          <a:chExt cx="0" cy="0"/>
+        </a:xfrm>
+      </p:grpSpPr>
+      <p:sp>
+        <p:nvSpPr>
+          <p:cNvPr id="2" name="슬라이드 이미지 개체 틀 1"/>
+          <p:cNvSpPr>
+            <a:spLocks noGrp="1" noRot="1" noChangeAspect="1"/>
+          </p:cNvSpPr>
+          <p:nvPr>
+            <p:ph type="sldImg"/>
+          </p:nvPr>
+        </p:nvSpPr>
+        <p:spPr/>
+      </p:sp>
+      <p:sp>
+        <p:nvSpPr>
+          <p:cNvPr id="3" name="슬라이드 노트 개체 틀 2"/>
+          <p:cNvSpPr>
+            <a:spLocks noGrp="1"/>
+          </p:cNvSpPr>
+          <p:nvPr>
+            <p:ph type="body" idx="1"/>
+          </p:nvPr>
+        </p:nvSpPr>
+        <p:spPr/>
+        <p:txBody>
+          <a:bodyPr/>
+          <a:lstStyle/>
+          <a:p>
+            <a:endParaRPr lang="ko-KR" altLang="en-US" dirty="0"/>
+          </a:p>
+        </p:txBody>
+      </p:sp>
+      <p:sp>
+        <p:nvSpPr>
+          <p:cNvPr id="4" name="슬라이드 번호 개체 틀 3"/>
+          <p:cNvSpPr>
+            <a:spLocks noGrp="1"/>
+          </p:cNvSpPr>
+          <p:nvPr>
+            <p:ph type="sldNum" sz="quarter" idx="10"/>
+          </p:nvPr>
+        </p:nvSpPr>
+        <p:spPr/>
+        <p:txBody>
+          <a:bodyPr/>
+          <a:lstStyle/>
+          <a:p>
+            <a:fld id="{733744C4-F0D9-4508-854F-B4976D08E825}" type="slidenum">
+              <a:rPr lang="ko-KR" altLang="en-US" smtClean="0"/>
+              <a:t>19</a:t>
+            </a:fld>
+            <a:endParaRPr lang="ko-KR" altLang="en-US"/>
+          </a:p>
+        </p:txBody>
+      </p:sp>
+    </p:spTree>
+    <p:extLst>
+      <p:ext uri="{BB962C8B-B14F-4D97-AF65-F5344CB8AC3E}">
+        <p14:creationId xmlns:p14="http://schemas.microsoft.com/office/powerpoint/2010/main" val="2676122388"/>
+      </p:ext>
+    </p:extLst>
+  </p:cSld>
+  <p:clrMapOvr>
+    <a:masterClrMapping/>
+  </p:clrMapOvr>
+</p:notes>
+</file>
+
+<file path=ppt/notesSlides/notesSlide2.xml><?xml version="1.0" encoding="utf-8"?>
+<p:notes xmlns:a="http://schemas.openxmlformats.org/drawingml/2006/main" xmlns:r="http://schemas.openxmlformats.org/officeDocument/2006/relationships" xmlns:p="http://schemas.openxmlformats.org/presentationml/2006/main">
+  <p:cSld>
+    <p:spTree>
+      <p:nvGrpSpPr>
+        <p:cNvPr id="1" name=""/>
+        <p:cNvGrpSpPr/>
+        <p:nvPr/>
+      </p:nvGrpSpPr>
+      <p:grpSpPr>
+        <a:xfrm>
+          <a:off x="0" y="0"/>
+          <a:ext cx="0" cy="0"/>
+          <a:chOff x="0" y="0"/>
+          <a:chExt cx="0" cy="0"/>
+        </a:xfrm>
+      </p:grpSpPr>
+      <p:sp>
+        <p:nvSpPr>
+          <p:cNvPr id="2" name="슬라이드 이미지 개체 틀 1"/>
+          <p:cNvSpPr>
+            <a:spLocks noGrp="1" noRot="1" noChangeAspect="1"/>
+          </p:cNvSpPr>
+          <p:nvPr>
+            <p:ph type="sldImg"/>
+          </p:nvPr>
+        </p:nvSpPr>
+        <p:spPr/>
+      </p:sp>
+      <p:sp>
+        <p:nvSpPr>
+          <p:cNvPr id="3" name="슬라이드 노트 개체 틀 2"/>
+          <p:cNvSpPr>
+            <a:spLocks noGrp="1"/>
+          </p:cNvSpPr>
+          <p:nvPr>
+            <p:ph type="body" idx="1"/>
+          </p:nvPr>
+        </p:nvSpPr>
+        <p:spPr/>
+        <p:txBody>
+          <a:bodyPr/>
+          <a:lstStyle/>
+          <a:p>
+            <a:endParaRPr lang="ko-KR" altLang="en-US" dirty="0"/>
+          </a:p>
+        </p:txBody>
+      </p:sp>
+      <p:sp>
+        <p:nvSpPr>
+          <p:cNvPr id="4" name="슬라이드 번호 개체 틀 3"/>
+          <p:cNvSpPr>
+            <a:spLocks noGrp="1"/>
+          </p:cNvSpPr>
+          <p:nvPr>
+            <p:ph type="sldNum" sz="quarter" idx="10"/>
+          </p:nvPr>
+        </p:nvSpPr>
+        <p:spPr/>
+        <p:txBody>
+          <a:bodyPr/>
+          <a:lstStyle/>
+          <a:p>
+            <a:fld id="{733744C4-F0D9-4508-854F-B4976D08E825}" type="slidenum">
+              <a:rPr lang="ko-KR" altLang="en-US" smtClean="0"/>
+              <a:t>20</a:t>
+            </a:fld>
+            <a:endParaRPr lang="ko-KR" altLang="en-US"/>
+          </a:p>
+        </p:txBody>
+      </p:sp>
+    </p:spTree>
+    <p:extLst>
+      <p:ext uri="{BB962C8B-B14F-4D97-AF65-F5344CB8AC3E}">
+        <p14:creationId xmlns:p14="http://schemas.microsoft.com/office/powerpoint/2010/main" val="1024966779"/>
+      </p:ext>
+    </p:extLst>
+  </p:cSld>
+  <p:clrMapOvr>
+    <a:masterClrMapping/>
+  </p:clrMapOvr>
+</p:notes>
+</file>
+
 <file path=ppt/slideLayouts/slideLayout1.xml><?xml version="1.0" encoding="utf-8"?>
 <p:sldLayout xmlns:a="http://schemas.openxmlformats.org/drawingml/2006/main" xmlns:r="http://schemas.openxmlformats.org/officeDocument/2006/relationships" xmlns:p="http://schemas.openxmlformats.org/presentationml/2006/main" type="title" preserve="1">
   <p:cSld name="Title Slide">
@@ -323,7 +847,7 @@
           <a:p>
             <a:fld id="{F8166F1F-CE9B-4651-A6AA-CD717754106B}" type="datetimeFigureOut">
               <a:rPr lang="en-US" smtClean="0"/>
-              <a:t>5/9/2023</a:t>
+              <a:t>5/11/2023</a:t>
             </a:fld>
             <a:endParaRPr lang="en-US"/>
           </a:p>
@@ -488,7 +1012,7 @@
           <a:p>
             <a:fld id="{A76116CE-C4A3-4A05-B2D7-7C2E9A889C0F}" type="datetimeFigureOut">
               <a:rPr lang="en-US" smtClean="0"/>
-              <a:t>5/9/2023</a:t>
+              <a:t>5/11/2023</a:t>
             </a:fld>
             <a:endParaRPr lang="en-US"/>
           </a:p>
@@ -663,7 +1187,7 @@
           <a:p>
             <a:fld id="{A76116CE-C4A3-4A05-B2D7-7C2E9A889C0F}" type="datetimeFigureOut">
               <a:rPr lang="en-US" smtClean="0"/>
-              <a:t>5/9/2023</a:t>
+              <a:t>5/11/2023</a:t>
             </a:fld>
             <a:endParaRPr lang="en-US"/>
           </a:p>
@@ -830,7 +1354,7 @@
           <a:p>
             <a:fld id="{A76116CE-C4A3-4A05-B2D7-7C2E9A889C0F}" type="datetimeFigureOut">
               <a:rPr lang="en-US" smtClean="0"/>
-              <a:t>5/9/2023</a:t>
+              <a:t>5/11/2023</a:t>
             </a:fld>
             <a:endParaRPr lang="en-US"/>
           </a:p>
@@ -1071,7 +1595,7 @@
           <a:p>
             <a:fld id="{A76116CE-C4A3-4A05-B2D7-7C2E9A889C0F}" type="datetimeFigureOut">
               <a:rPr lang="en-US" smtClean="0"/>
-              <a:t>5/9/2023</a:t>
+              <a:t>5/11/2023</a:t>
             </a:fld>
             <a:endParaRPr lang="en-US"/>
           </a:p>
@@ -1354,7 +1878,7 @@
           <a:p>
             <a:fld id="{A76116CE-C4A3-4A05-B2D7-7C2E9A889C0F}" type="datetimeFigureOut">
               <a:rPr lang="en-US" smtClean="0"/>
-              <a:t>5/9/2023</a:t>
+              <a:t>5/11/2023</a:t>
             </a:fld>
             <a:endParaRPr lang="en-US"/>
           </a:p>
@@ -1771,7 +2295,7 @@
           <a:p>
             <a:fld id="{A76116CE-C4A3-4A05-B2D7-7C2E9A889C0F}" type="datetimeFigureOut">
               <a:rPr lang="en-US" smtClean="0"/>
-              <a:t>5/9/2023</a:t>
+              <a:t>5/11/2023</a:t>
             </a:fld>
             <a:endParaRPr lang="en-US"/>
           </a:p>
@@ -1884,7 +2408,7 @@
           <a:p>
             <a:fld id="{A76116CE-C4A3-4A05-B2D7-7C2E9A889C0F}" type="datetimeFigureOut">
               <a:rPr lang="en-US" smtClean="0"/>
-              <a:t>5/9/2023</a:t>
+              <a:t>5/11/2023</a:t>
             </a:fld>
             <a:endParaRPr lang="en-US"/>
           </a:p>
@@ -1974,7 +2498,7 @@
           <a:p>
             <a:fld id="{A76116CE-C4A3-4A05-B2D7-7C2E9A889C0F}" type="datetimeFigureOut">
               <a:rPr lang="en-US" smtClean="0"/>
-              <a:t>5/9/2023</a:t>
+              <a:t>5/11/2023</a:t>
             </a:fld>
             <a:endParaRPr lang="en-US"/>
           </a:p>
@@ -2246,7 +2770,7 @@
           <a:p>
             <a:fld id="{A76116CE-C4A3-4A05-B2D7-7C2E9A889C0F}" type="datetimeFigureOut">
               <a:rPr lang="en-US" smtClean="0"/>
-              <a:t>5/9/2023</a:t>
+              <a:t>5/11/2023</a:t>
             </a:fld>
             <a:endParaRPr lang="en-US"/>
           </a:p>
@@ -2494,7 +3018,7 @@
           <a:p>
             <a:fld id="{A76116CE-C4A3-4A05-B2D7-7C2E9A889C0F}" type="datetimeFigureOut">
               <a:rPr lang="en-US" smtClean="0"/>
-              <a:t>5/9/2023</a:t>
+              <a:t>5/11/2023</a:t>
             </a:fld>
             <a:endParaRPr lang="en-US"/>
           </a:p>
@@ -2702,7 +3226,7 @@
           <a:p>
             <a:fld id="{F8166F1F-CE9B-4651-A6AA-CD717754106B}" type="datetimeFigureOut">
               <a:rPr lang="en-US" smtClean="0"/>
-              <a:t>5/9/2023</a:t>
+              <a:t>5/11/2023</a:t>
             </a:fld>
             <a:endParaRPr lang="en-US"/>
           </a:p>
@@ -5716,6 +6240,13 @@
   <p:clrMapOvr>
     <a:masterClrMapping/>
   </p:clrMapOvr>
+  <p:timing>
+    <p:tnLst>
+      <p:par>
+        <p:cTn id="1" dur="indefinite" restart="never" nodeType="tmRoot"/>
+      </p:par>
+    </p:tnLst>
+  </p:timing>
 </p:sld>
 </file>
 
@@ -5752,7 +6283,7 @@
         </p:nvGrpSpPr>
         <p:grpSpPr>
           <a:xfrm>
-            <a:off x="14013934" y="6172836"/>
+            <a:off x="14448131" y="6576721"/>
             <a:ext cx="3588190" cy="3553385"/>
             <a:chOff x="14013934" y="6172836"/>
             <a:chExt cx="3588190" cy="3553385"/>
@@ -6163,7 +6694,7 @@
         </p:nvGrpSpPr>
         <p:grpSpPr>
           <a:xfrm>
-            <a:off x="6038095" y="5617539"/>
+            <a:off x="5968174" y="5424855"/>
             <a:ext cx="4359961" cy="2735875"/>
             <a:chOff x="6038095" y="5617539"/>
             <a:chExt cx="4359961" cy="2735875"/>
@@ -6472,16 +7003,23 @@
   <p:clrMapOvr>
     <a:masterClrMapping/>
   </p:clrMapOvr>
+  <p:timing>
+    <p:tnLst>
+      <p:par>
+        <p:cTn id="1" dur="indefinite" restart="never" nodeType="tmRoot"/>
+      </p:par>
+    </p:tnLst>
+  </p:timing>
 </p:sld>
 </file>
 
 <file path=ppt/slides/slide18.xml><?xml version="1.0" encoding="utf-8"?>
 <p:sld xmlns:a="http://schemas.openxmlformats.org/drawingml/2006/main" xmlns:r="http://schemas.openxmlformats.org/officeDocument/2006/relationships" xmlns:p="http://schemas.openxmlformats.org/presentationml/2006/main">
-  <p:cSld name="Slide 18">
+  <p:cSld>
     <p:bg>
       <p:bgPr>
         <a:solidFill>
-          <a:srgbClr val="4C50BB"/>
+          <a:schemeClr val="bg2"/>
         </a:solidFill>
         <a:effectLst/>
       </p:bgPr>
@@ -6502,70 +7040,28 @@
       </p:grpSpPr>
       <p:pic>
         <p:nvPicPr>
-          <p:cNvPr id="2" name="Object 1"/>
-          <p:cNvPicPr>
-            <a:picLocks noChangeAspect="1"/>
-          </p:cNvPicPr>
-          <p:nvPr/>
-        </p:nvPicPr>
-        <p:blipFill>
-          <a:blip r:embed="rId2" cstate="print"/>
-          <a:stretch>
-            <a:fillRect/>
-          </a:stretch>
-        </p:blipFill>
-        <p:spPr>
-          <a:xfrm>
-            <a:off x="1695239" y="6574030"/>
-            <a:ext cx="9873004" cy="1243852"/>
-          </a:xfrm>
-          <a:prstGeom prst="rect">
-            <a:avLst/>
-          </a:prstGeom>
-        </p:spPr>
-      </p:pic>
-      <p:pic>
-        <p:nvPicPr>
-          <p:cNvPr id="3" name="Object 2"/>
-          <p:cNvPicPr>
-            <a:picLocks noChangeAspect="1"/>
-          </p:cNvPicPr>
-          <p:nvPr/>
-        </p:nvPicPr>
-        <p:blipFill>
-          <a:blip r:embed="rId3" cstate="print"/>
-          <a:stretch>
-            <a:fillRect/>
-          </a:stretch>
-        </p:blipFill>
-        <p:spPr>
-          <a:xfrm>
-            <a:off x="1468058" y="2416536"/>
-            <a:ext cx="3344714" cy="3278626"/>
-          </a:xfrm>
-          <a:prstGeom prst="rect">
-            <a:avLst/>
-          </a:prstGeom>
-        </p:spPr>
-      </p:pic>
-      <p:pic>
-        <p:nvPicPr>
-          <p:cNvPr id="4" name="Object 3"/>
-          <p:cNvPicPr>
-            <a:picLocks noChangeAspect="1"/>
-          </p:cNvPicPr>
-          <p:nvPr/>
-        </p:nvPicPr>
-        <p:blipFill>
-          <a:blip r:embed="rId4" cstate="print"/>
-          <a:stretch>
-            <a:fillRect/>
-          </a:stretch>
-        </p:blipFill>
-        <p:spPr>
-          <a:xfrm>
-            <a:off x="1630479" y="5005527"/>
-            <a:ext cx="6074702" cy="1446111"/>
+          <p:cNvPr id="17" name="그림 16"/>
+          <p:cNvPicPr>
+            <a:picLocks noChangeAspect="1"/>
+          </p:cNvPicPr>
+          <p:nvPr/>
+        </p:nvPicPr>
+        <p:blipFill>
+          <a:blip r:embed="rId2">
+            <a:extLst>
+              <a:ext uri="{28A0092B-C50C-407E-A947-70E740481C1C}">
+                <a14:useLocalDpi xmlns:a14="http://schemas.microsoft.com/office/drawing/2010/main" val="0"/>
+              </a:ext>
+            </a:extLst>
+          </a:blip>
+          <a:stretch>
+            <a:fillRect/>
+          </a:stretch>
+        </p:blipFill>
+        <p:spPr>
+          <a:xfrm>
+            <a:off x="771510" y="2525203"/>
+            <a:ext cx="6158224" cy="4724400"/>
           </a:xfrm>
           <a:prstGeom prst="rect">
             <a:avLst/>
@@ -6580,30 +7076,30 @@
         </p:nvGrpSpPr>
         <p:grpSpPr>
           <a:xfrm>
-            <a:off x="13074845" y="-1224069"/>
-            <a:ext cx="3388803" cy="3355932"/>
-            <a:chOff x="13074845" y="-1224069"/>
-            <a:chExt cx="3388803" cy="3355932"/>
+            <a:off x="13939273" y="6190167"/>
+            <a:ext cx="3588190" cy="3553385"/>
+            <a:chOff x="14013934" y="6172836"/>
+            <a:chExt cx="3588190" cy="3553385"/>
           </a:xfrm>
         </p:grpSpPr>
         <p:pic>
           <p:nvPicPr>
-            <p:cNvPr id="6" name="Object 5"/>
+            <p:cNvPr id="3" name="Object 2"/>
             <p:cNvPicPr>
               <a:picLocks noChangeAspect="1"/>
             </p:cNvPicPr>
             <p:nvPr/>
           </p:nvPicPr>
           <p:blipFill>
-            <a:blip r:embed="rId5" cstate="print"/>
+            <a:blip r:embed="rId3" cstate="print"/>
             <a:stretch>
               <a:fillRect/>
             </a:stretch>
           </p:blipFill>
           <p:spPr>
             <a:xfrm>
-              <a:off x="13074845" y="-1224069"/>
-              <a:ext cx="3388803" cy="3355932"/>
+              <a:off x="14013934" y="6172836"/>
+              <a:ext cx="3588190" cy="3553385"/>
             </a:xfrm>
             <a:prstGeom prst="rect">
               <a:avLst/>
@@ -6611,38 +7107,286 @@
           </p:spPr>
         </p:pic>
       </p:grpSp>
+      <p:pic>
+        <p:nvPicPr>
+          <p:cNvPr id="5" name="Object 4"/>
+          <p:cNvPicPr>
+            <a:picLocks noChangeAspect="1"/>
+          </p:cNvPicPr>
+          <p:nvPr/>
+        </p:nvPicPr>
+        <p:blipFill>
+          <a:blip r:embed="rId4" cstate="print"/>
+          <a:stretch>
+            <a:fillRect/>
+          </a:stretch>
+        </p:blipFill>
+        <p:spPr>
+          <a:xfrm>
+            <a:off x="14750307" y="471765"/>
+            <a:ext cx="2518316" cy="354593"/>
+          </a:xfrm>
+          <a:prstGeom prst="rect">
+            <a:avLst/>
+          </a:prstGeom>
+        </p:spPr>
+      </p:pic>
+      <p:pic>
+        <p:nvPicPr>
+          <p:cNvPr id="12" name="Object 11"/>
+          <p:cNvPicPr>
+            <a:picLocks noChangeAspect="1"/>
+          </p:cNvPicPr>
+          <p:nvPr/>
+        </p:nvPicPr>
+        <p:blipFill>
+          <a:blip r:embed="rId5" cstate="print"/>
+          <a:stretch>
+            <a:fillRect/>
+          </a:stretch>
+        </p:blipFill>
+        <p:spPr>
+          <a:xfrm>
+            <a:off x="17064169" y="333009"/>
+            <a:ext cx="829398" cy="704785"/>
+          </a:xfrm>
+          <a:prstGeom prst="rect">
+            <a:avLst/>
+          </a:prstGeom>
+        </p:spPr>
+      </p:pic>
+      <p:sp>
+        <p:nvSpPr>
+          <p:cNvPr id="16" name="TextBox 15"/>
+          <p:cNvSpPr txBox="1"/>
+          <p:nvPr/>
+        </p:nvSpPr>
+        <p:spPr>
+          <a:xfrm>
+            <a:off x="7391400" y="3238500"/>
+            <a:ext cx="9329635" cy="2862322"/>
+          </a:xfrm>
+          <a:prstGeom prst="rect">
+            <a:avLst/>
+          </a:prstGeom>
+          <a:noFill/>
+        </p:spPr>
+        <p:txBody>
+          <a:bodyPr wrap="square" rtlCol="0">
+            <a:spAutoFit/>
+          </a:bodyPr>
+          <a:lstStyle/>
+          <a:p>
+            <a:r>
+              <a:rPr lang="ko-KR" altLang="en-US" dirty="0" smtClean="0"/>
+              <a:t>불량 유형에 </a:t>
+            </a:r>
+            <a:r>
+              <a:rPr lang="ko-KR" altLang="en-US" dirty="0" smtClean="0"/>
+              <a:t>따른  </a:t>
+            </a:r>
+            <a:r>
+              <a:rPr lang="en-US" altLang="ko-KR" dirty="0" smtClean="0"/>
+              <a:t>wafer </a:t>
+            </a:r>
+            <a:r>
+              <a:rPr lang="ko-KR" altLang="en-US" dirty="0"/>
+              <a:t>개</a:t>
+            </a:r>
+            <a:r>
+              <a:rPr lang="ko-KR" altLang="en-US" dirty="0" smtClean="0"/>
+              <a:t>수 를 구하여 불량률과 </a:t>
+            </a:r>
+            <a:r>
+              <a:rPr lang="ko-KR" altLang="en-US" dirty="0"/>
+              <a:t>어느 </a:t>
+            </a:r>
+            <a:r>
+              <a:rPr lang="ko-KR" altLang="en-US" dirty="0" smtClean="0"/>
+              <a:t>불량 유형이 가장 많이 </a:t>
+            </a:r>
+            <a:r>
+              <a:rPr lang="ko-KR" altLang="en-US" dirty="0" smtClean="0"/>
+              <a:t>나오는지에 대한  </a:t>
+            </a:r>
+            <a:r>
+              <a:rPr lang="ko-KR" altLang="en-US" dirty="0" smtClean="0"/>
+              <a:t>분석을 해보았습니다</a:t>
+            </a:r>
+            <a:r>
+              <a:rPr lang="en-US" altLang="ko-KR" dirty="0" smtClean="0"/>
+              <a:t>. </a:t>
+            </a:r>
+            <a:endParaRPr lang="en-US" altLang="ko-KR" dirty="0" smtClean="0"/>
+          </a:p>
+          <a:p>
+            <a:endParaRPr lang="en-US" altLang="ko-KR" dirty="0" smtClean="0"/>
+          </a:p>
+          <a:p>
+            <a:r>
+              <a:rPr lang="ko-KR" altLang="en-US" dirty="0" smtClean="0"/>
+              <a:t>총 </a:t>
+            </a:r>
+            <a:r>
+              <a:rPr lang="en-US" altLang="ko-KR" dirty="0" smtClean="0"/>
+              <a:t>172950 </a:t>
+            </a:r>
+            <a:r>
+              <a:rPr lang="ko-KR" altLang="en-US" dirty="0" smtClean="0"/>
+              <a:t>중 </a:t>
+            </a:r>
+            <a:r>
+              <a:rPr lang="en-US" altLang="ko-KR" dirty="0" smtClean="0"/>
+              <a:t>None(</a:t>
+            </a:r>
+            <a:r>
+              <a:rPr lang="ko-KR" altLang="en-US" dirty="0" smtClean="0"/>
+              <a:t>양품</a:t>
+            </a:r>
+            <a:r>
+              <a:rPr lang="en-US" altLang="ko-KR" dirty="0" smtClean="0"/>
+              <a:t>)</a:t>
+            </a:r>
+            <a:r>
+              <a:rPr lang="ko-KR" altLang="en-US" dirty="0" smtClean="0"/>
+              <a:t>이 </a:t>
+            </a:r>
+            <a:r>
+              <a:rPr lang="en-US" altLang="ko-KR" dirty="0" smtClean="0"/>
+              <a:t>147431</a:t>
+            </a:r>
+            <a:r>
+              <a:rPr lang="ko-KR" altLang="en-US" dirty="0" smtClean="0"/>
+              <a:t>로 약 </a:t>
+            </a:r>
+            <a:r>
+              <a:rPr lang="en-US" altLang="ko-KR" dirty="0" smtClean="0"/>
+              <a:t>85.24%, </a:t>
+            </a:r>
+            <a:r>
+              <a:rPr lang="ko-KR" altLang="en-US" dirty="0" smtClean="0"/>
+              <a:t>불량품은 약 </a:t>
+            </a:r>
+            <a:r>
+              <a:rPr lang="en-US" altLang="ko-KR" dirty="0" smtClean="0"/>
+              <a:t>15.76%</a:t>
+            </a:r>
+            <a:r>
+              <a:rPr lang="ko-KR" altLang="en-US" dirty="0" smtClean="0"/>
+              <a:t>정도 나오는 걸로 나타났습니다</a:t>
+            </a:r>
+            <a:r>
+              <a:rPr lang="en-US" altLang="ko-KR" dirty="0" smtClean="0"/>
+              <a:t>.</a:t>
+            </a:r>
+          </a:p>
+          <a:p>
+            <a:r>
+              <a:rPr lang="ko-KR" altLang="en-US" dirty="0" smtClean="0"/>
+              <a:t>불량품 중에는 </a:t>
+            </a:r>
+            <a:r>
+              <a:rPr lang="en-US" altLang="ko-KR" dirty="0" smtClean="0"/>
+              <a:t>‘Edge-Ring’ </a:t>
+            </a:r>
+            <a:r>
+              <a:rPr lang="ko-KR" altLang="en-US" dirty="0" smtClean="0"/>
+              <a:t>이 </a:t>
+            </a:r>
+            <a:r>
+              <a:rPr lang="en-US" altLang="ko-KR" dirty="0" smtClean="0"/>
+              <a:t>9680</a:t>
+            </a:r>
+            <a:r>
+              <a:rPr lang="ko-KR" altLang="en-US" dirty="0" smtClean="0"/>
+              <a:t>으로 가장 높고 </a:t>
+            </a:r>
+            <a:r>
+              <a:rPr lang="en-US" altLang="ko-KR" dirty="0" smtClean="0"/>
+              <a:t>‘</a:t>
+            </a:r>
+            <a:r>
+              <a:rPr lang="en-US" altLang="ko-KR" dirty="0" smtClean="0"/>
+              <a:t>Near-Full’ </a:t>
+            </a:r>
+            <a:r>
+              <a:rPr lang="ko-KR" altLang="en-US" dirty="0" smtClean="0"/>
+              <a:t>이 </a:t>
+            </a:r>
+            <a:r>
+              <a:rPr lang="en-US" altLang="ko-KR" dirty="0" smtClean="0"/>
+              <a:t>149</a:t>
+            </a:r>
+            <a:r>
+              <a:rPr lang="ko-KR" altLang="en-US" dirty="0" smtClean="0"/>
+              <a:t>로 가장 낮게 낮습니다</a:t>
+            </a:r>
+            <a:r>
+              <a:rPr lang="en-US" altLang="ko-KR" dirty="0" smtClean="0"/>
+              <a:t>.</a:t>
+            </a:r>
+          </a:p>
+          <a:p>
+            <a:endParaRPr lang="en-US" altLang="ko-KR" dirty="0" smtClean="0"/>
+          </a:p>
+          <a:p>
+            <a:r>
+              <a:rPr lang="ko-KR" altLang="en-US" dirty="0" smtClean="0"/>
+              <a:t>그러므로 불량 유형 중 흔히 나는 불량 유형이 </a:t>
+            </a:r>
+            <a:r>
+              <a:rPr lang="en-US" altLang="ko-KR" dirty="0" smtClean="0"/>
+              <a:t>‘Edge-Ring’</a:t>
+            </a:r>
+            <a:r>
+              <a:rPr lang="ko-KR" altLang="en-US" dirty="0" smtClean="0"/>
+              <a:t>이라는 것을 알 수 있습니다</a:t>
+            </a:r>
+            <a:r>
+              <a:rPr lang="en-US" altLang="ko-KR" dirty="0" smtClean="0"/>
+              <a:t>.</a:t>
+            </a:r>
+          </a:p>
+          <a:p>
+            <a:endParaRPr lang="en-US" altLang="ko-KR" dirty="0"/>
+          </a:p>
+          <a:p>
+            <a:endParaRPr lang="en-US" altLang="ko-KR" dirty="0" smtClean="0"/>
+          </a:p>
+        </p:txBody>
+      </p:sp>
       <p:grpSp>
         <p:nvGrpSpPr>
-          <p:cNvPr id="1002" name="그룹 1002"/>
+          <p:cNvPr id="43" name="그룹 1001"/>
           <p:cNvGrpSpPr/>
           <p:nvPr/>
         </p:nvGrpSpPr>
         <p:grpSpPr>
           <a:xfrm>
-            <a:off x="15502230" y="-877556"/>
-            <a:ext cx="3902974" cy="3971928"/>
-            <a:chOff x="15502230" y="-877556"/>
-            <a:chExt cx="3902974" cy="3971928"/>
+            <a:off x="-609600" y="-1053076"/>
+            <a:ext cx="3588190" cy="3553385"/>
+            <a:chOff x="14013934" y="6172836"/>
+            <a:chExt cx="3588190" cy="3553385"/>
           </a:xfrm>
         </p:grpSpPr>
         <p:pic>
           <p:nvPicPr>
-            <p:cNvPr id="9" name="Object 8"/>
+            <p:cNvPr id="44" name="Object 2"/>
             <p:cNvPicPr>
               <a:picLocks noChangeAspect="1"/>
             </p:cNvPicPr>
             <p:nvPr/>
           </p:nvPicPr>
           <p:blipFill>
-            <a:blip r:embed="rId6" cstate="print"/>
+            <a:blip r:embed="rId3" cstate="print"/>
             <a:stretch>
               <a:fillRect/>
             </a:stretch>
           </p:blipFill>
           <p:spPr>
-            <a:xfrm rot="-2700000">
-              <a:off x="15502230" y="-877556"/>
-              <a:ext cx="3902974" cy="3971928"/>
+            <a:xfrm>
+              <a:off x="14013934" y="6172836"/>
+              <a:ext cx="3588190" cy="3553385"/>
             </a:xfrm>
             <a:prstGeom prst="rect">
               <a:avLst/>
@@ -6650,103 +7394,83 @@
           </p:spPr>
         </p:pic>
       </p:grpSp>
-      <p:grpSp>
-        <p:nvGrpSpPr>
-          <p:cNvPr id="1003" name="그룹 1003"/>
-          <p:cNvGrpSpPr/>
-          <p:nvPr/>
-        </p:nvGrpSpPr>
-        <p:grpSpPr>
-          <a:xfrm>
-            <a:off x="14137208" y="6930045"/>
-            <a:ext cx="4652881" cy="4607748"/>
-            <a:chOff x="14137208" y="6930045"/>
-            <a:chExt cx="4652881" cy="4607748"/>
-          </a:xfrm>
-        </p:grpSpPr>
-        <p:pic>
-          <p:nvPicPr>
-            <p:cNvPr id="12" name="Object 11"/>
-            <p:cNvPicPr>
-              <a:picLocks noChangeAspect="1"/>
-            </p:cNvPicPr>
-            <p:nvPr/>
-          </p:nvPicPr>
-          <p:blipFill>
-            <a:blip r:embed="rId7" cstate="print"/>
-            <a:stretch>
-              <a:fillRect/>
-            </a:stretch>
-          </p:blipFill>
-          <p:spPr>
-            <a:xfrm>
-              <a:off x="14137208" y="6930045"/>
-              <a:ext cx="4652881" cy="4607748"/>
-            </a:xfrm>
-            <a:prstGeom prst="rect">
-              <a:avLst/>
-            </a:prstGeom>
-          </p:spPr>
-        </p:pic>
-      </p:grpSp>
-      <p:grpSp>
-        <p:nvGrpSpPr>
-          <p:cNvPr id="1004" name="그룹 1004"/>
-          <p:cNvGrpSpPr/>
-          <p:nvPr/>
-        </p:nvGrpSpPr>
-        <p:grpSpPr>
-          <a:xfrm>
-            <a:off x="-159165" y="3685351"/>
-            <a:ext cx="1432688" cy="191978"/>
-            <a:chOff x="-159165" y="3685351"/>
-            <a:chExt cx="1432688" cy="191978"/>
-          </a:xfrm>
-        </p:grpSpPr>
-        <p:pic>
-          <p:nvPicPr>
-            <p:cNvPr id="15" name="Object 14"/>
-            <p:cNvPicPr>
-              <a:picLocks noChangeAspect="1"/>
-            </p:cNvPicPr>
-            <p:nvPr/>
-          </p:nvPicPr>
-          <p:blipFill>
-            <a:blip r:embed="rId8" cstate="print"/>
-            <a:stretch>
-              <a:fillRect/>
-            </a:stretch>
-          </p:blipFill>
-          <p:spPr>
-            <a:xfrm rot="-10800000">
-              <a:off x="-159165" y="3685351"/>
-              <a:ext cx="1432688" cy="191978"/>
-            </a:xfrm>
-            <a:prstGeom prst="rect">
-              <a:avLst/>
-            </a:prstGeom>
-          </p:spPr>
-        </p:pic>
-      </p:grpSp>
+      <p:pic>
+        <p:nvPicPr>
+          <p:cNvPr id="49" name="그림 48"/>
+          <p:cNvPicPr>
+            <a:picLocks noChangeAspect="1"/>
+          </p:cNvPicPr>
+          <p:nvPr/>
+        </p:nvPicPr>
+        <p:blipFill>
+          <a:blip r:embed="rId6" cstate="print">
+            <a:extLst>
+              <a:ext uri="{28A0092B-C50C-407E-A947-70E740481C1C}">
+                <a14:useLocalDpi xmlns:a14="http://schemas.microsoft.com/office/drawing/2010/main" val="0"/>
+              </a:ext>
+            </a:extLst>
+          </a:blip>
+          <a:stretch>
+            <a:fillRect/>
+          </a:stretch>
+        </p:blipFill>
+        <p:spPr>
+          <a:xfrm flipH="1">
+            <a:off x="17893567" y="9989852"/>
+            <a:ext cx="419334" cy="321393"/>
+          </a:xfrm>
+          <a:prstGeom prst="rect">
+            <a:avLst/>
+          </a:prstGeom>
+        </p:spPr>
+      </p:pic>
+      <p:pic>
+        <p:nvPicPr>
+          <p:cNvPr id="13" name="Object 5"/>
+          <p:cNvPicPr>
+            <a:picLocks noChangeAspect="1"/>
+          </p:cNvPicPr>
+          <p:nvPr/>
+        </p:nvPicPr>
+        <p:blipFill>
+          <a:blip r:embed="rId7" cstate="print"/>
+          <a:stretch>
+            <a:fillRect/>
+          </a:stretch>
+        </p:blipFill>
+        <p:spPr>
+          <a:xfrm>
+            <a:off x="1371600" y="857250"/>
+            <a:ext cx="5558134" cy="1149496"/>
+          </a:xfrm>
+          <a:prstGeom prst="rect">
+            <a:avLst/>
+          </a:prstGeom>
+        </p:spPr>
+      </p:pic>
     </p:spTree>
+    <p:extLst>
+      <p:ext uri="{BB962C8B-B14F-4D97-AF65-F5344CB8AC3E}">
+        <p14:creationId xmlns:p14="http://schemas.microsoft.com/office/powerpoint/2010/main" val="796800537"/>
+      </p:ext>
+    </p:extLst>
   </p:cSld>
   <p:clrMapOvr>
     <a:masterClrMapping/>
   </p:clrMapOvr>
+  <p:timing>
+    <p:tnLst>
+      <p:par>
+        <p:cTn id="1" dur="indefinite" restart="never" nodeType="tmRoot"/>
+      </p:par>
+    </p:tnLst>
+  </p:timing>
 </p:sld>
 </file>
 
 <file path=ppt/slides/slide19.xml><?xml version="1.0" encoding="utf-8"?>
 <p:sld xmlns:a="http://schemas.openxmlformats.org/drawingml/2006/main" xmlns:r="http://schemas.openxmlformats.org/officeDocument/2006/relationships" xmlns:p="http://schemas.openxmlformats.org/presentationml/2006/main">
-  <p:cSld name="Slide 19">
-    <p:bg>
-      <p:bgPr>
-        <a:solidFill>
-          <a:srgbClr val="4C50BB"/>
-        </a:solidFill>
-        <a:effectLst/>
-      </p:bgPr>
-    </p:bg>
+  <p:cSld>
     <p:spTree>
       <p:nvGrpSpPr>
         <p:cNvPr id="1" name=""/>
@@ -6761,78 +7485,6 @@
           <a:chExt cx="0" cy="0"/>
         </a:xfrm>
       </p:grpSpPr>
-      <p:pic>
-        <p:nvPicPr>
-          <p:cNvPr id="2" name="Object 1"/>
-          <p:cNvPicPr>
-            <a:picLocks noChangeAspect="1"/>
-          </p:cNvPicPr>
-          <p:nvPr/>
-        </p:nvPicPr>
-        <p:blipFill>
-          <a:blip r:embed="rId2" cstate="print"/>
-          <a:stretch>
-            <a:fillRect/>
-          </a:stretch>
-        </p:blipFill>
-        <p:spPr>
-          <a:xfrm>
-            <a:off x="13669011" y="2416534"/>
-            <a:ext cx="3845989" cy="3278624"/>
-          </a:xfrm>
-          <a:prstGeom prst="rect">
-            <a:avLst/>
-          </a:prstGeom>
-        </p:spPr>
-      </p:pic>
-      <p:pic>
-        <p:nvPicPr>
-          <p:cNvPr id="3" name="Object 2"/>
-          <p:cNvPicPr>
-            <a:picLocks noChangeAspect="1"/>
-          </p:cNvPicPr>
-          <p:nvPr/>
-        </p:nvPicPr>
-        <p:blipFill>
-          <a:blip r:embed="rId3" cstate="print"/>
-          <a:stretch>
-            <a:fillRect/>
-          </a:stretch>
-        </p:blipFill>
-        <p:spPr>
-          <a:xfrm>
-            <a:off x="8754289" y="5005527"/>
-            <a:ext cx="8227854" cy="1436588"/>
-          </a:xfrm>
-          <a:prstGeom prst="rect">
-            <a:avLst/>
-          </a:prstGeom>
-        </p:spPr>
-      </p:pic>
-      <p:pic>
-        <p:nvPicPr>
-          <p:cNvPr id="4" name="Object 3"/>
-          <p:cNvPicPr>
-            <a:picLocks noChangeAspect="1"/>
-          </p:cNvPicPr>
-          <p:nvPr/>
-        </p:nvPicPr>
-        <p:blipFill>
-          <a:blip r:embed="rId4" cstate="print"/>
-          <a:stretch>
-            <a:fillRect/>
-          </a:stretch>
-        </p:blipFill>
-        <p:spPr>
-          <a:xfrm>
-            <a:off x="5455804" y="6574030"/>
-            <a:ext cx="11298566" cy="1832814"/>
-          </a:xfrm>
-          <a:prstGeom prst="rect">
-            <a:avLst/>
-          </a:prstGeom>
-        </p:spPr>
-      </p:pic>
       <p:grpSp>
         <p:nvGrpSpPr>
           <p:cNvPr id="1001" name="그룹 1001"/>
@@ -6841,30 +7493,30 @@
         </p:nvGrpSpPr>
         <p:grpSpPr>
           <a:xfrm>
-            <a:off x="1466667" y="-1273641"/>
-            <a:ext cx="4883301" cy="4835933"/>
-            <a:chOff x="1466667" y="-1273641"/>
-            <a:chExt cx="4883301" cy="4835933"/>
+            <a:off x="13939273" y="6190167"/>
+            <a:ext cx="3588190" cy="3553385"/>
+            <a:chOff x="14013934" y="6172836"/>
+            <a:chExt cx="3588190" cy="3553385"/>
           </a:xfrm>
         </p:grpSpPr>
         <p:pic>
           <p:nvPicPr>
-            <p:cNvPr id="6" name="Object 5"/>
+            <p:cNvPr id="3" name="Object 2"/>
             <p:cNvPicPr>
               <a:picLocks noChangeAspect="1"/>
             </p:cNvPicPr>
             <p:nvPr/>
           </p:nvPicPr>
           <p:blipFill>
-            <a:blip r:embed="rId5" cstate="print"/>
+            <a:blip r:embed="rId3" cstate="print"/>
             <a:stretch>
               <a:fillRect/>
             </a:stretch>
           </p:blipFill>
           <p:spPr>
             <a:xfrm>
-              <a:off x="1466667" y="-1273641"/>
-              <a:ext cx="4883301" cy="4835933"/>
+              <a:off x="14013934" y="6172836"/>
+              <a:ext cx="3588190" cy="3553385"/>
             </a:xfrm>
             <a:prstGeom prst="rect">
               <a:avLst/>
@@ -6872,38 +7524,557 @@
           </p:spPr>
         </p:pic>
       </p:grpSp>
+      <p:pic>
+        <p:nvPicPr>
+          <p:cNvPr id="5" name="Object 4"/>
+          <p:cNvPicPr>
+            <a:picLocks noChangeAspect="1"/>
+          </p:cNvPicPr>
+          <p:nvPr/>
+        </p:nvPicPr>
+        <p:blipFill>
+          <a:blip r:embed="rId4" cstate="print"/>
+          <a:stretch>
+            <a:fillRect/>
+          </a:stretch>
+        </p:blipFill>
+        <p:spPr>
+          <a:xfrm>
+            <a:off x="14750307" y="471765"/>
+            <a:ext cx="2518316" cy="354593"/>
+          </a:xfrm>
+          <a:prstGeom prst="rect">
+            <a:avLst/>
+          </a:prstGeom>
+        </p:spPr>
+      </p:pic>
+      <p:pic>
+        <p:nvPicPr>
+          <p:cNvPr id="7" name="Object 6"/>
+          <p:cNvPicPr>
+            <a:picLocks noChangeAspect="1"/>
+          </p:cNvPicPr>
+          <p:nvPr/>
+        </p:nvPicPr>
+        <p:blipFill>
+          <a:blip r:embed="rId5" cstate="print"/>
+          <a:stretch>
+            <a:fillRect/>
+          </a:stretch>
+        </p:blipFill>
+        <p:spPr>
+          <a:xfrm>
+            <a:off x="9315537" y="5354542"/>
+            <a:ext cx="1716150" cy="540169"/>
+          </a:xfrm>
+          <a:prstGeom prst="rect">
+            <a:avLst/>
+          </a:prstGeom>
+        </p:spPr>
+      </p:pic>
+      <p:pic>
+        <p:nvPicPr>
+          <p:cNvPr id="8" name="Object 7"/>
+          <p:cNvPicPr>
+            <a:picLocks noChangeAspect="1"/>
+          </p:cNvPicPr>
+          <p:nvPr/>
+        </p:nvPicPr>
+        <p:blipFill>
+          <a:blip r:embed="rId6" cstate="print"/>
+          <a:stretch>
+            <a:fillRect/>
+          </a:stretch>
+        </p:blipFill>
+        <p:spPr>
+          <a:xfrm>
+            <a:off x="8886649" y="4898744"/>
+            <a:ext cx="2108379" cy="511598"/>
+          </a:xfrm>
+          <a:prstGeom prst="rect">
+            <a:avLst/>
+          </a:prstGeom>
+        </p:spPr>
+      </p:pic>
+      <p:pic>
+        <p:nvPicPr>
+          <p:cNvPr id="9" name="Object 8"/>
+          <p:cNvPicPr>
+            <a:picLocks noChangeAspect="1"/>
+          </p:cNvPicPr>
+          <p:nvPr/>
+        </p:nvPicPr>
+        <p:blipFill>
+          <a:blip r:embed="rId7" cstate="print"/>
+          <a:stretch>
+            <a:fillRect/>
+          </a:stretch>
+        </p:blipFill>
+        <p:spPr>
+          <a:xfrm>
+            <a:off x="12922495" y="5036943"/>
+            <a:ext cx="2097004" cy="725861"/>
+          </a:xfrm>
+          <a:prstGeom prst="rect">
+            <a:avLst/>
+          </a:prstGeom>
+        </p:spPr>
+      </p:pic>
+      <p:pic>
+        <p:nvPicPr>
+          <p:cNvPr id="10" name="Object 9"/>
+          <p:cNvPicPr>
+            <a:picLocks noChangeAspect="1"/>
+          </p:cNvPicPr>
+          <p:nvPr/>
+        </p:nvPicPr>
+        <p:blipFill>
+          <a:blip r:embed="rId8" cstate="print"/>
+          <a:stretch>
+            <a:fillRect/>
+          </a:stretch>
+        </p:blipFill>
+        <p:spPr>
+          <a:xfrm>
+            <a:off x="12554823" y="4482781"/>
+            <a:ext cx="2554926" cy="665793"/>
+          </a:xfrm>
+          <a:prstGeom prst="rect">
+            <a:avLst/>
+          </a:prstGeom>
+        </p:spPr>
+      </p:pic>
+      <p:pic>
+        <p:nvPicPr>
+          <p:cNvPr id="11" name="Object 10"/>
+          <p:cNvPicPr>
+            <a:picLocks noChangeAspect="1"/>
+          </p:cNvPicPr>
+          <p:nvPr/>
+        </p:nvPicPr>
+        <p:blipFill>
+          <a:blip r:embed="rId9" cstate="print"/>
+          <a:stretch>
+            <a:fillRect/>
+          </a:stretch>
+        </p:blipFill>
+        <p:spPr>
+          <a:xfrm>
+            <a:off x="12476481" y="5769393"/>
+            <a:ext cx="2833985" cy="414185"/>
+          </a:xfrm>
+          <a:prstGeom prst="rect">
+            <a:avLst/>
+          </a:prstGeom>
+        </p:spPr>
+      </p:pic>
+      <p:pic>
+        <p:nvPicPr>
+          <p:cNvPr id="12" name="Object 11"/>
+          <p:cNvPicPr>
+            <a:picLocks noChangeAspect="1"/>
+          </p:cNvPicPr>
+          <p:nvPr/>
+        </p:nvPicPr>
+        <p:blipFill>
+          <a:blip r:embed="rId10" cstate="print"/>
+          <a:stretch>
+            <a:fillRect/>
+          </a:stretch>
+        </p:blipFill>
+        <p:spPr>
+          <a:xfrm>
+            <a:off x="17064169" y="333009"/>
+            <a:ext cx="829398" cy="704785"/>
+          </a:xfrm>
+          <a:prstGeom prst="rect">
+            <a:avLst/>
+          </a:prstGeom>
+        </p:spPr>
+      </p:pic>
+      <p:pic>
+        <p:nvPicPr>
+          <p:cNvPr id="13" name="Object 12"/>
+          <p:cNvPicPr>
+            <a:picLocks noChangeAspect="1"/>
+          </p:cNvPicPr>
+          <p:nvPr/>
+        </p:nvPicPr>
+        <p:blipFill>
+          <a:blip r:embed="rId11" cstate="print"/>
+          <a:stretch>
+            <a:fillRect/>
+          </a:stretch>
+        </p:blipFill>
+        <p:spPr>
+          <a:xfrm>
+            <a:off x="12556240" y="7012826"/>
+            <a:ext cx="3090317" cy="723993"/>
+          </a:xfrm>
+          <a:prstGeom prst="rect">
+            <a:avLst/>
+          </a:prstGeom>
+        </p:spPr>
+      </p:pic>
+      <p:sp>
+        <p:nvSpPr>
+          <p:cNvPr id="23" name="TextBox 22"/>
+          <p:cNvSpPr txBox="1"/>
+          <p:nvPr/>
+        </p:nvSpPr>
+        <p:spPr>
+          <a:xfrm>
+            <a:off x="11201400" y="2019300"/>
+            <a:ext cx="4835836" cy="7848302"/>
+          </a:xfrm>
+          <a:prstGeom prst="rect">
+            <a:avLst/>
+          </a:prstGeom>
+          <a:noFill/>
+        </p:spPr>
+        <p:txBody>
+          <a:bodyPr wrap="square" rtlCol="0">
+            <a:spAutoFit/>
+          </a:bodyPr>
+          <a:lstStyle/>
+          <a:p>
+            <a:pPr>
+              <a:lnSpc>
+                <a:spcPct val="150000"/>
+              </a:lnSpc>
+            </a:pPr>
+            <a:r>
+              <a:rPr lang="en-US" altLang="ko-KR" dirty="0" smtClean="0"/>
+              <a:t>‘</a:t>
+            </a:r>
+            <a:r>
+              <a:rPr lang="en-US" altLang="ko-KR" dirty="0"/>
+              <a:t>Edge-</a:t>
+            </a:r>
+            <a:r>
+              <a:rPr lang="en-US" altLang="ko-KR" dirty="0" err="1"/>
+              <a:t>Loc</a:t>
+            </a:r>
+            <a:r>
+              <a:rPr lang="en-US" altLang="ko-KR" dirty="0"/>
+              <a:t>’</a:t>
+            </a:r>
+            <a:r>
+              <a:rPr lang="ko-KR" altLang="en-US" dirty="0"/>
+              <a:t>는 다른  불량 유형에 비하여 차이가 적은 편으로 나타났습니다</a:t>
+            </a:r>
+            <a:r>
+              <a:rPr lang="en-US" altLang="ko-KR" dirty="0"/>
+              <a:t>. 1376</a:t>
+            </a:r>
+            <a:r>
+              <a:rPr lang="ko-KR" altLang="en-US" dirty="0"/>
+              <a:t>이 </a:t>
+            </a:r>
+            <a:r>
+              <a:rPr lang="en-US" altLang="ko-KR" dirty="0"/>
+              <a:t>7.5%</a:t>
+            </a:r>
+            <a:r>
+              <a:rPr lang="ko-KR" altLang="en-US" dirty="0"/>
+              <a:t>로 높은 수치를 나타냈고 </a:t>
+            </a:r>
+            <a:r>
+              <a:rPr lang="en-US" altLang="ko-KR" dirty="0"/>
+              <a:t>1109</a:t>
+            </a:r>
+            <a:r>
+              <a:rPr lang="ko-KR" altLang="en-US" dirty="0"/>
+              <a:t>가 </a:t>
+            </a:r>
+            <a:r>
+              <a:rPr lang="en-US" altLang="ko-KR" dirty="0"/>
+              <a:t>6.9%</a:t>
+            </a:r>
+            <a:r>
+              <a:rPr lang="ko-KR" altLang="en-US" dirty="0"/>
+              <a:t>로 </a:t>
+            </a:r>
+            <a:r>
+              <a:rPr lang="en-US" altLang="ko-KR" dirty="0"/>
+              <a:t>1376</a:t>
+            </a:r>
+            <a:r>
+              <a:rPr lang="ko-KR" altLang="en-US" dirty="0"/>
+              <a:t>과 </a:t>
+            </a:r>
+            <a:r>
+              <a:rPr lang="en-US" altLang="ko-KR" dirty="0"/>
+              <a:t>0.6%</a:t>
+            </a:r>
+            <a:r>
+              <a:rPr lang="ko-KR" altLang="en-US" dirty="0"/>
+              <a:t>차이를 보였습니다</a:t>
+            </a:r>
+            <a:r>
+              <a:rPr lang="en-US" altLang="ko-KR" dirty="0" smtClean="0"/>
+              <a:t>.</a:t>
+            </a:r>
+          </a:p>
+          <a:p>
+            <a:pPr>
+              <a:lnSpc>
+                <a:spcPct val="150000"/>
+              </a:lnSpc>
+            </a:pPr>
+            <a:endParaRPr lang="en-US" altLang="ko-KR" dirty="0"/>
+          </a:p>
+          <a:p>
+            <a:pPr>
+              <a:lnSpc>
+                <a:spcPct val="150000"/>
+              </a:lnSpc>
+            </a:pPr>
+            <a:r>
+              <a:rPr lang="en-US" altLang="ko-KR" dirty="0"/>
+              <a:t>‘Edge-Ring’</a:t>
+            </a:r>
+            <a:r>
+              <a:rPr lang="ko-KR" altLang="en-US" dirty="0"/>
+              <a:t>는 </a:t>
+            </a:r>
+            <a:r>
+              <a:rPr lang="en-US" altLang="ko-KR" dirty="0"/>
+              <a:t>1075,2126,3036 </a:t>
+            </a:r>
+            <a:r>
+              <a:rPr lang="ko-KR" altLang="en-US" dirty="0"/>
+              <a:t>세개의 크기가 비슷하게 나타났습니다</a:t>
+            </a:r>
+            <a:r>
+              <a:rPr lang="en-US" altLang="ko-KR" dirty="0"/>
+              <a:t>. 1075</a:t>
+            </a:r>
+            <a:r>
+              <a:rPr lang="ko-KR" altLang="en-US" dirty="0"/>
+              <a:t>가 </a:t>
+            </a:r>
+            <a:r>
+              <a:rPr lang="en-US" altLang="ko-KR" dirty="0"/>
+              <a:t>21.1%</a:t>
+            </a:r>
+            <a:r>
+              <a:rPr lang="ko-KR" altLang="en-US" dirty="0"/>
+              <a:t>로 나타났고</a:t>
+            </a:r>
+            <a:r>
+              <a:rPr lang="en-US" altLang="ko-KR" dirty="0"/>
+              <a:t>, 2126</a:t>
+            </a:r>
+            <a:r>
+              <a:rPr lang="ko-KR" altLang="en-US" dirty="0"/>
+              <a:t>이 </a:t>
+            </a:r>
+            <a:r>
+              <a:rPr lang="en-US" altLang="ko-KR" dirty="0"/>
+              <a:t>15.7%, 3036</a:t>
+            </a:r>
+            <a:r>
+              <a:rPr lang="ko-KR" altLang="en-US" dirty="0"/>
+              <a:t>이 </a:t>
+            </a:r>
+            <a:r>
+              <a:rPr lang="en-US" altLang="ko-KR" dirty="0"/>
+              <a:t>14.7%</a:t>
+            </a:r>
+            <a:r>
+              <a:rPr lang="ko-KR" altLang="en-US" dirty="0"/>
+              <a:t>로 나타났습니다</a:t>
+            </a:r>
+            <a:r>
+              <a:rPr lang="en-US" altLang="ko-KR" dirty="0"/>
+              <a:t>. </a:t>
+            </a:r>
+            <a:r>
+              <a:rPr lang="ko-KR" altLang="en-US" dirty="0"/>
+              <a:t>이외의 크기는 </a:t>
+            </a:r>
+            <a:r>
+              <a:rPr lang="ko-KR" altLang="en-US" dirty="0" smtClean="0"/>
+              <a:t> </a:t>
+            </a:r>
+            <a:r>
+              <a:rPr lang="ko-KR" altLang="en-US" dirty="0" smtClean="0"/>
+              <a:t>차이가 크지 </a:t>
+            </a:r>
+            <a:r>
+              <a:rPr lang="ko-KR" altLang="en-US" dirty="0" err="1" smtClean="0"/>
+              <a:t>않는걸로</a:t>
+            </a:r>
+            <a:r>
+              <a:rPr lang="ko-KR" altLang="en-US" dirty="0" smtClean="0"/>
+              <a:t> 나타났습니다</a:t>
+            </a:r>
+            <a:r>
+              <a:rPr lang="en-US" altLang="ko-KR" dirty="0" smtClean="0"/>
+              <a:t>.</a:t>
+            </a:r>
+          </a:p>
+          <a:p>
+            <a:pPr>
+              <a:lnSpc>
+                <a:spcPct val="150000"/>
+              </a:lnSpc>
+            </a:pPr>
+            <a:endParaRPr lang="en-US" altLang="ko-KR" dirty="0"/>
+          </a:p>
+          <a:p>
+            <a:pPr>
+              <a:lnSpc>
+                <a:spcPct val="150000"/>
+              </a:lnSpc>
+            </a:pPr>
+            <a:r>
+              <a:rPr lang="en-US" altLang="ko-KR" dirty="0" smtClean="0"/>
+              <a:t>‘Random’</a:t>
+            </a:r>
+            <a:r>
+              <a:rPr lang="ko-KR" altLang="en-US" dirty="0" smtClean="0"/>
+              <a:t>은 </a:t>
+            </a:r>
+            <a:r>
+              <a:rPr lang="en-US" altLang="ko-KR" dirty="0" smtClean="0"/>
+              <a:t>1349</a:t>
+            </a:r>
+            <a:r>
+              <a:rPr lang="ko-KR" altLang="en-US" dirty="0" smtClean="0"/>
+              <a:t>가 </a:t>
+            </a:r>
+            <a:r>
+              <a:rPr lang="en-US" altLang="ko-KR" dirty="0" smtClean="0"/>
+              <a:t>14.3%</a:t>
+            </a:r>
+            <a:r>
+              <a:rPr lang="ko-KR" altLang="en-US" dirty="0" smtClean="0"/>
+              <a:t>로 높은 수치를 나타냈고</a:t>
+            </a:r>
+            <a:r>
+              <a:rPr lang="en-US" altLang="ko-KR" dirty="0" smtClean="0"/>
+              <a:t>, </a:t>
+            </a:r>
+            <a:r>
+              <a:rPr lang="ko-KR" altLang="en-US" dirty="0" smtClean="0"/>
+              <a:t>그 밑인 </a:t>
+            </a:r>
+            <a:r>
+              <a:rPr lang="en-US" altLang="ko-KR" dirty="0" smtClean="0"/>
+              <a:t>1638, 533, 1080</a:t>
+            </a:r>
+            <a:r>
+              <a:rPr lang="ko-KR" altLang="en-US" dirty="0" smtClean="0"/>
+              <a:t>은 비슷한 수치를 나타냈으며</a:t>
+            </a:r>
+            <a:r>
+              <a:rPr lang="en-US" altLang="ko-KR" dirty="0" smtClean="0"/>
+              <a:t>, </a:t>
+            </a:r>
+            <a:r>
+              <a:rPr lang="ko-KR" altLang="en-US" dirty="0" smtClean="0"/>
+              <a:t>그 외에의 크기는 비슷한 비율을 나타냈습니다</a:t>
+            </a:r>
+            <a:r>
+              <a:rPr lang="en-US" altLang="ko-KR" dirty="0" smtClean="0"/>
+              <a:t>.</a:t>
+            </a:r>
+          </a:p>
+          <a:p>
+            <a:pPr>
+              <a:lnSpc>
+                <a:spcPct val="150000"/>
+              </a:lnSpc>
+            </a:pPr>
+            <a:endParaRPr lang="en-US" altLang="ko-KR" dirty="0"/>
+          </a:p>
+          <a:p>
+            <a:pPr>
+              <a:lnSpc>
+                <a:spcPct val="150000"/>
+              </a:lnSpc>
+            </a:pPr>
+            <a:r>
+              <a:rPr lang="ko-KR" altLang="en-US" dirty="0" smtClean="0"/>
+              <a:t> </a:t>
+            </a:r>
+            <a:r>
+              <a:rPr lang="en-US" altLang="ko-KR" dirty="0" smtClean="0"/>
+              <a:t>‘Near-Full’</a:t>
+            </a:r>
+            <a:r>
+              <a:rPr lang="ko-KR" altLang="en-US" dirty="0" smtClean="0"/>
+              <a:t>은 </a:t>
+            </a:r>
+            <a:r>
+              <a:rPr lang="en-US" altLang="ko-KR" dirty="0" smtClean="0"/>
+              <a:t>741</a:t>
+            </a:r>
+            <a:r>
+              <a:rPr lang="ko-KR" altLang="en-US" dirty="0" smtClean="0"/>
+              <a:t>로 두번째로 큰 </a:t>
+            </a:r>
+            <a:r>
+              <a:rPr lang="en-US" altLang="ko-KR" dirty="0" smtClean="0"/>
+              <a:t>516</a:t>
+            </a:r>
+            <a:r>
+              <a:rPr lang="ko-KR" altLang="en-US" dirty="0" smtClean="0"/>
+              <a:t>보다 </a:t>
+            </a:r>
+            <a:r>
+              <a:rPr lang="en-US" altLang="ko-KR" dirty="0" smtClean="0"/>
+              <a:t>4.7% </a:t>
+            </a:r>
+            <a:r>
+              <a:rPr lang="ko-KR" altLang="en-US" dirty="0" smtClean="0"/>
+              <a:t>차이가 납니다</a:t>
+            </a:r>
+            <a:r>
+              <a:rPr lang="en-US" altLang="ko-KR" dirty="0" smtClean="0"/>
+              <a:t>. </a:t>
+            </a:r>
+            <a:endParaRPr lang="en-US" altLang="ko-KR" dirty="0" smtClean="0"/>
+          </a:p>
+          <a:p>
+            <a:endParaRPr lang="ko-KR" altLang="en-US" dirty="0"/>
+          </a:p>
+        </p:txBody>
+      </p:sp>
       <p:grpSp>
         <p:nvGrpSpPr>
-          <p:cNvPr id="1002" name="그룹 1002"/>
+          <p:cNvPr id="26" name="그룹 1001"/>
           <p:cNvGrpSpPr/>
           <p:nvPr/>
         </p:nvGrpSpPr>
         <p:grpSpPr>
           <a:xfrm>
-            <a:off x="-1875296" y="7034297"/>
-            <a:ext cx="3902974" cy="3971928"/>
-            <a:chOff x="-1875296" y="7034297"/>
-            <a:chExt cx="3902974" cy="3971928"/>
+            <a:off x="-609600" y="-1053076"/>
+            <a:ext cx="3588190" cy="3553385"/>
+            <a:chOff x="14013934" y="6172836"/>
+            <a:chExt cx="3588190" cy="3553385"/>
           </a:xfrm>
         </p:grpSpPr>
         <p:pic>
           <p:nvPicPr>
-            <p:cNvPr id="9" name="Object 8"/>
+            <p:cNvPr id="27" name="Object 2"/>
             <p:cNvPicPr>
               <a:picLocks noChangeAspect="1"/>
             </p:cNvPicPr>
             <p:nvPr/>
           </p:nvPicPr>
           <p:blipFill>
-            <a:blip r:embed="rId6" cstate="print"/>
+            <a:blip r:embed="rId3" cstate="print"/>
             <a:stretch>
               <a:fillRect/>
             </a:stretch>
           </p:blipFill>
           <p:spPr>
-            <a:xfrm rot="-2700000">
-              <a:off x="-1875296" y="7034297"/>
-              <a:ext cx="3902974" cy="3971928"/>
+            <a:xfrm>
+              <a:off x="14013934" y="6172836"/>
+              <a:ext cx="3588190" cy="3553385"/>
             </a:xfrm>
             <a:prstGeom prst="rect">
               <a:avLst/>
@@ -6911,38 +8082,158 @@
           </p:spPr>
         </p:pic>
       </p:grpSp>
+      <p:pic>
+        <p:nvPicPr>
+          <p:cNvPr id="31" name="Object 5"/>
+          <p:cNvPicPr>
+            <a:picLocks noChangeAspect="1"/>
+          </p:cNvPicPr>
+          <p:nvPr/>
+        </p:nvPicPr>
+        <p:blipFill>
+          <a:blip r:embed="rId12" cstate="print"/>
+          <a:stretch>
+            <a:fillRect/>
+          </a:stretch>
+        </p:blipFill>
+        <p:spPr>
+          <a:xfrm>
+            <a:off x="1371600" y="857250"/>
+            <a:ext cx="5558134" cy="1149496"/>
+          </a:xfrm>
+          <a:prstGeom prst="rect">
+            <a:avLst/>
+          </a:prstGeom>
+        </p:spPr>
+      </p:pic>
       <p:grpSp>
         <p:nvGrpSpPr>
-          <p:cNvPr id="1003" name="그룹 1003"/>
+          <p:cNvPr id="2" name="그룹 1"/>
           <p:cNvGrpSpPr/>
           <p:nvPr/>
         </p:nvGrpSpPr>
         <p:grpSpPr>
           <a:xfrm>
-            <a:off x="15132166" y="7617758"/>
-            <a:ext cx="3708387" cy="3672416"/>
-            <a:chOff x="15132166" y="7617758"/>
-            <a:chExt cx="3708387" cy="3672416"/>
+            <a:off x="1220400" y="1929600"/>
+            <a:ext cx="9219600" cy="8056800"/>
+            <a:chOff x="1220400" y="1929600"/>
+            <a:chExt cx="9219600" cy="8056800"/>
           </a:xfrm>
         </p:grpSpPr>
         <p:pic>
           <p:nvPicPr>
-            <p:cNvPr id="12" name="Object 11"/>
-            <p:cNvPicPr>
-              <a:picLocks noChangeAspect="1"/>
+            <p:cNvPr id="17" name="그림 16"/>
+            <p:cNvPicPr preferRelativeResize="0">
+              <a:picLocks/>
             </p:cNvPicPr>
             <p:nvPr/>
           </p:nvPicPr>
           <p:blipFill>
-            <a:blip r:embed="rId7" cstate="print"/>
+            <a:blip r:embed="rId13">
+              <a:extLst>
+                <a:ext uri="{28A0092B-C50C-407E-A947-70E740481C1C}">
+                  <a14:useLocalDpi xmlns:a14="http://schemas.microsoft.com/office/drawing/2010/main" val="0"/>
+                </a:ext>
+              </a:extLst>
+            </a:blip>
             <a:stretch>
               <a:fillRect/>
             </a:stretch>
           </p:blipFill>
           <p:spPr>
             <a:xfrm>
-              <a:off x="15132166" y="7617758"/>
-              <a:ext cx="3708387" cy="3672416"/>
+              <a:off x="4975200" y="1929600"/>
+              <a:ext cx="4057200" cy="4122000"/>
+            </a:xfrm>
+            <a:prstGeom prst="rect">
+              <a:avLst/>
+            </a:prstGeom>
+          </p:spPr>
+        </p:pic>
+        <p:pic>
+          <p:nvPicPr>
+            <p:cNvPr id="15" name="그림 14"/>
+            <p:cNvPicPr preferRelativeResize="0">
+              <a:picLocks/>
+            </p:cNvPicPr>
+            <p:nvPr/>
+          </p:nvPicPr>
+          <p:blipFill>
+            <a:blip r:embed="rId14">
+              <a:extLst>
+                <a:ext uri="{28A0092B-C50C-407E-A947-70E740481C1C}">
+                  <a14:useLocalDpi xmlns:a14="http://schemas.microsoft.com/office/drawing/2010/main" val="0"/>
+                </a:ext>
+              </a:extLst>
+            </a:blip>
+            <a:stretch>
+              <a:fillRect/>
+            </a:stretch>
+          </p:blipFill>
+          <p:spPr>
+            <a:xfrm>
+              <a:off x="1220400" y="1929600"/>
+              <a:ext cx="4057200" cy="4122000"/>
+            </a:xfrm>
+            <a:prstGeom prst="rect">
+              <a:avLst/>
+            </a:prstGeom>
+          </p:spPr>
+        </p:pic>
+        <p:pic>
+          <p:nvPicPr>
+            <p:cNvPr id="20" name="그림 19"/>
+            <p:cNvPicPr preferRelativeResize="0">
+              <a:picLocks/>
+            </p:cNvPicPr>
+            <p:nvPr/>
+          </p:nvPicPr>
+          <p:blipFill>
+            <a:blip r:embed="rId15">
+              <a:extLst>
+                <a:ext uri="{28A0092B-C50C-407E-A947-70E740481C1C}">
+                  <a14:useLocalDpi xmlns:a14="http://schemas.microsoft.com/office/drawing/2010/main" val="0"/>
+                </a:ext>
+              </a:extLst>
+            </a:blip>
+            <a:stretch>
+              <a:fillRect/>
+            </a:stretch>
+          </p:blipFill>
+          <p:spPr>
+            <a:xfrm>
+              <a:off x="2314800" y="5864400"/>
+              <a:ext cx="4057200" cy="4122000"/>
+            </a:xfrm>
+            <a:prstGeom prst="rect">
+              <a:avLst/>
+            </a:prstGeom>
+          </p:spPr>
+        </p:pic>
+        <p:pic>
+          <p:nvPicPr>
+            <p:cNvPr id="19" name="그림 18"/>
+            <p:cNvPicPr preferRelativeResize="0">
+              <a:picLocks/>
+            </p:cNvPicPr>
+            <p:nvPr/>
+          </p:nvPicPr>
+          <p:blipFill>
+            <a:blip r:embed="rId16">
+              <a:extLst>
+                <a:ext uri="{28A0092B-C50C-407E-A947-70E740481C1C}">
+                  <a14:useLocalDpi xmlns:a14="http://schemas.microsoft.com/office/drawing/2010/main" val="0"/>
+                </a:ext>
+              </a:extLst>
+            </a:blip>
+            <a:stretch>
+              <a:fillRect/>
+            </a:stretch>
+          </p:blipFill>
+          <p:spPr>
+            <a:xfrm>
+              <a:off x="6382800" y="5864400"/>
+              <a:ext cx="4057200" cy="4122000"/>
             </a:xfrm>
             <a:prstGeom prst="rect">
               <a:avLst/>
@@ -6950,50 +8241,132 @@
           </p:spPr>
         </p:pic>
       </p:grpSp>
-      <p:grpSp>
-        <p:nvGrpSpPr>
-          <p:cNvPr id="1004" name="그룹 1004"/>
-          <p:cNvGrpSpPr/>
-          <p:nvPr/>
-        </p:nvGrpSpPr>
-        <p:grpSpPr>
-          <a:xfrm>
-            <a:off x="16986360" y="3561542"/>
-            <a:ext cx="1432688" cy="191978"/>
-            <a:chOff x="16986360" y="3561542"/>
-            <a:chExt cx="1432688" cy="191978"/>
-          </a:xfrm>
-        </p:grpSpPr>
-        <p:pic>
-          <p:nvPicPr>
-            <p:cNvPr id="15" name="Object 14"/>
-            <p:cNvPicPr>
-              <a:picLocks noChangeAspect="1"/>
-            </p:cNvPicPr>
-            <p:nvPr/>
-          </p:nvPicPr>
-          <p:blipFill>
-            <a:blip r:embed="rId8" cstate="print"/>
-            <a:stretch>
-              <a:fillRect/>
-            </a:stretch>
-          </p:blipFill>
-          <p:spPr>
-            <a:xfrm>
-              <a:off x="16986360" y="3561542"/>
-              <a:ext cx="1432688" cy="191978"/>
-            </a:xfrm>
-            <a:prstGeom prst="rect">
-              <a:avLst/>
-            </a:prstGeom>
-          </p:spPr>
-        </p:pic>
-      </p:grpSp>
+      <p:sp>
+        <p:nvSpPr>
+          <p:cNvPr id="29" name="TextBox 28"/>
+          <p:cNvSpPr txBox="1"/>
+          <p:nvPr/>
+        </p:nvSpPr>
+        <p:spPr>
+          <a:xfrm>
+            <a:off x="235390" y="9743552"/>
+            <a:ext cx="5486400" cy="292388"/>
+          </a:xfrm>
+          <a:prstGeom prst="rect">
+            <a:avLst/>
+          </a:prstGeom>
+          <a:noFill/>
+        </p:spPr>
+        <p:txBody>
+          <a:bodyPr wrap="square" rtlCol="0">
+            <a:spAutoFit/>
+          </a:bodyPr>
+          <a:lstStyle/>
+          <a:p>
+            <a:r>
+              <a:rPr lang="en-US" altLang="ko-KR" sz="1300" dirty="0" smtClean="0">
+                <a:solidFill>
+                  <a:srgbClr val="4D51BD"/>
+                </a:solidFill>
+                <a:latin typeface="휴먼엑스포" panose="02030504000101010101" pitchFamily="18" charset="-127"/>
+                <a:ea typeface="휴먼엑스포" panose="02030504000101010101" pitchFamily="18" charset="-127"/>
+                <a:cs typeface="함초롬돋움" panose="020B0604000101010101" pitchFamily="50" charset="-127"/>
+              </a:rPr>
+              <a:t>- </a:t>
+            </a:r>
+            <a:r>
+              <a:rPr lang="ko-KR" altLang="en-US" sz="1300" dirty="0">
+                <a:solidFill>
+                  <a:srgbClr val="4D51BD"/>
+                </a:solidFill>
+                <a:latin typeface="휴먼엑스포" panose="02030504000101010101" pitchFamily="18" charset="-127"/>
+                <a:ea typeface="휴먼엑스포" panose="02030504000101010101" pitchFamily="18" charset="-127"/>
+                <a:cs typeface="함초롬돋움" panose="020B0604000101010101" pitchFamily="50" charset="-127"/>
+              </a:rPr>
+              <a:t>수가 너무 많아서 개수가 작은 값들은 </a:t>
+            </a:r>
+            <a:r>
+              <a:rPr lang="en-US" altLang="ko-KR" sz="1300" dirty="0" smtClean="0">
+                <a:solidFill>
+                  <a:srgbClr val="4D51BD"/>
+                </a:solidFill>
+                <a:latin typeface="휴먼엑스포" panose="02030504000101010101" pitchFamily="18" charset="-127"/>
+                <a:ea typeface="휴먼엑스포" panose="02030504000101010101" pitchFamily="18" charset="-127"/>
+                <a:cs typeface="함초롬돋움" panose="020B0604000101010101" pitchFamily="50" charset="-127"/>
+              </a:rPr>
+              <a:t>Other</a:t>
+            </a:r>
+            <a:r>
+              <a:rPr lang="ko-KR" altLang="en-US" sz="1300" dirty="0">
+                <a:solidFill>
+                  <a:srgbClr val="4D51BD"/>
+                </a:solidFill>
+                <a:latin typeface="휴먼엑스포" panose="02030504000101010101" pitchFamily="18" charset="-127"/>
+                <a:ea typeface="휴먼엑스포" panose="02030504000101010101" pitchFamily="18" charset="-127"/>
+                <a:cs typeface="함초롬돋움" panose="020B0604000101010101" pitchFamily="50" charset="-127"/>
+              </a:rPr>
+              <a:t>로 묶음</a:t>
+            </a:r>
+          </a:p>
+        </p:txBody>
+      </p:sp>
+      <p:sp>
+        <p:nvSpPr>
+          <p:cNvPr id="4" name="TextBox 3"/>
+          <p:cNvSpPr txBox="1"/>
+          <p:nvPr/>
+        </p:nvSpPr>
+        <p:spPr>
+          <a:xfrm>
+            <a:off x="12082659" y="-117881"/>
+            <a:ext cx="6455613" cy="646331"/>
+          </a:xfrm>
+          <a:prstGeom prst="rect">
+            <a:avLst/>
+          </a:prstGeom>
+          <a:noFill/>
+        </p:spPr>
+        <p:txBody>
+          <a:bodyPr wrap="none" rtlCol="0">
+            <a:spAutoFit/>
+          </a:bodyPr>
+          <a:lstStyle/>
+          <a:p>
+            <a:r>
+              <a:rPr lang="ko-KR" altLang="en-US" dirty="0" err="1"/>
+              <a:t>불량유형에따라</a:t>
+            </a:r>
+            <a:r>
+              <a:rPr lang="ko-KR" altLang="en-US" dirty="0"/>
+              <a:t> 많이 나오는 웨이퍼크기를 분석해보았습니다</a:t>
+            </a:r>
+            <a:r>
+              <a:rPr lang="en-US" altLang="ko-KR" dirty="0"/>
+              <a:t>.</a:t>
+            </a:r>
+          </a:p>
+          <a:p>
+            <a:endParaRPr lang="ko-KR" altLang="en-US" dirty="0"/>
+          </a:p>
+        </p:txBody>
+      </p:sp>
     </p:spTree>
+    <p:extLst>
+      <p:ext uri="{BB962C8B-B14F-4D97-AF65-F5344CB8AC3E}">
+        <p14:creationId xmlns:p14="http://schemas.microsoft.com/office/powerpoint/2010/main" val="1030416713"/>
+      </p:ext>
+    </p:extLst>
   </p:cSld>
   <p:clrMapOvr>
     <a:masterClrMapping/>
   </p:clrMapOvr>
+  <p:timing>
+    <p:tnLst>
+      <p:par>
+        <p:cTn id="1" dur="indefinite" restart="never" nodeType="tmRoot"/>
+      </p:par>
+    </p:tnLst>
+  </p:timing>
 </p:sld>
 </file>
 
@@ -7532,6 +8905,1192 @@
 </file>
 
 <file path=ppt/slides/slide20.xml><?xml version="1.0" encoding="utf-8"?>
+<p:sld xmlns:a="http://schemas.openxmlformats.org/drawingml/2006/main" xmlns:r="http://schemas.openxmlformats.org/officeDocument/2006/relationships" xmlns:p="http://schemas.openxmlformats.org/presentationml/2006/main">
+  <p:cSld>
+    <p:bg>
+      <p:bgPr>
+        <a:solidFill>
+          <a:srgbClr val="EAE8E6"/>
+        </a:solidFill>
+        <a:effectLst/>
+      </p:bgPr>
+    </p:bg>
+    <p:spTree>
+      <p:nvGrpSpPr>
+        <p:cNvPr id="1" name=""/>
+        <p:cNvGrpSpPr/>
+        <p:nvPr/>
+      </p:nvGrpSpPr>
+      <p:grpSpPr>
+        <a:xfrm>
+          <a:off x="0" y="0"/>
+          <a:ext cx="0" cy="0"/>
+          <a:chOff x="0" y="0"/>
+          <a:chExt cx="0" cy="0"/>
+        </a:xfrm>
+      </p:grpSpPr>
+      <p:grpSp>
+        <p:nvGrpSpPr>
+          <p:cNvPr id="1001" name="그룹 1001"/>
+          <p:cNvGrpSpPr/>
+          <p:nvPr/>
+        </p:nvGrpSpPr>
+        <p:grpSpPr>
+          <a:xfrm>
+            <a:off x="13939273" y="6190167"/>
+            <a:ext cx="3588190" cy="3553385"/>
+            <a:chOff x="14013934" y="6172836"/>
+            <a:chExt cx="3588190" cy="3553385"/>
+          </a:xfrm>
+        </p:grpSpPr>
+        <p:pic>
+          <p:nvPicPr>
+            <p:cNvPr id="3" name="Object 2"/>
+            <p:cNvPicPr>
+              <a:picLocks noChangeAspect="1"/>
+            </p:cNvPicPr>
+            <p:nvPr/>
+          </p:nvPicPr>
+          <p:blipFill>
+            <a:blip r:embed="rId3" cstate="print"/>
+            <a:stretch>
+              <a:fillRect/>
+            </a:stretch>
+          </p:blipFill>
+          <p:spPr>
+            <a:xfrm>
+              <a:off x="14013934" y="6172836"/>
+              <a:ext cx="3588190" cy="3553385"/>
+            </a:xfrm>
+            <a:prstGeom prst="rect">
+              <a:avLst/>
+            </a:prstGeom>
+          </p:spPr>
+        </p:pic>
+      </p:grpSp>
+      <p:pic>
+        <p:nvPicPr>
+          <p:cNvPr id="5" name="Object 4"/>
+          <p:cNvPicPr>
+            <a:picLocks noChangeAspect="1"/>
+          </p:cNvPicPr>
+          <p:nvPr/>
+        </p:nvPicPr>
+        <p:blipFill>
+          <a:blip r:embed="rId4" cstate="print"/>
+          <a:stretch>
+            <a:fillRect/>
+          </a:stretch>
+        </p:blipFill>
+        <p:spPr>
+          <a:xfrm>
+            <a:off x="14750307" y="471765"/>
+            <a:ext cx="2518316" cy="354593"/>
+          </a:xfrm>
+          <a:prstGeom prst="rect">
+            <a:avLst/>
+          </a:prstGeom>
+        </p:spPr>
+      </p:pic>
+      <p:pic>
+        <p:nvPicPr>
+          <p:cNvPr id="12" name="Object 11"/>
+          <p:cNvPicPr>
+            <a:picLocks noChangeAspect="1"/>
+          </p:cNvPicPr>
+          <p:nvPr/>
+        </p:nvPicPr>
+        <p:blipFill>
+          <a:blip r:embed="rId5" cstate="print"/>
+          <a:stretch>
+            <a:fillRect/>
+          </a:stretch>
+        </p:blipFill>
+        <p:spPr>
+          <a:xfrm>
+            <a:off x="17064169" y="333009"/>
+            <a:ext cx="829398" cy="704785"/>
+          </a:xfrm>
+          <a:prstGeom prst="rect">
+            <a:avLst/>
+          </a:prstGeom>
+        </p:spPr>
+      </p:pic>
+      <p:pic>
+        <p:nvPicPr>
+          <p:cNvPr id="24" name="Object 5"/>
+          <p:cNvPicPr>
+            <a:picLocks noChangeAspect="1"/>
+          </p:cNvPicPr>
+          <p:nvPr/>
+        </p:nvPicPr>
+        <p:blipFill>
+          <a:blip r:embed="rId6" cstate="print"/>
+          <a:stretch>
+            <a:fillRect/>
+          </a:stretch>
+        </p:blipFill>
+        <p:spPr>
+          <a:xfrm>
+            <a:off x="1371600" y="857250"/>
+            <a:ext cx="5558134" cy="1149496"/>
+          </a:xfrm>
+          <a:prstGeom prst="rect">
+            <a:avLst/>
+          </a:prstGeom>
+        </p:spPr>
+      </p:pic>
+      <p:sp>
+        <p:nvSpPr>
+          <p:cNvPr id="25" name="TextBox 24"/>
+          <p:cNvSpPr txBox="1"/>
+          <p:nvPr/>
+        </p:nvSpPr>
+        <p:spPr>
+          <a:xfrm>
+            <a:off x="235390" y="9743552"/>
+            <a:ext cx="5486400" cy="292388"/>
+          </a:xfrm>
+          <a:prstGeom prst="rect">
+            <a:avLst/>
+          </a:prstGeom>
+          <a:noFill/>
+        </p:spPr>
+        <p:txBody>
+          <a:bodyPr wrap="square" rtlCol="0">
+            <a:spAutoFit/>
+          </a:bodyPr>
+          <a:lstStyle/>
+          <a:p>
+            <a:r>
+              <a:rPr lang="en-US" altLang="ko-KR" sz="1300" dirty="0" smtClean="0">
+                <a:solidFill>
+                  <a:srgbClr val="4D51BD"/>
+                </a:solidFill>
+                <a:latin typeface="휴먼엑스포" panose="02030504000101010101" pitchFamily="18" charset="-127"/>
+                <a:ea typeface="휴먼엑스포" panose="02030504000101010101" pitchFamily="18" charset="-127"/>
+                <a:cs typeface="함초롬돋움" panose="020B0604000101010101" pitchFamily="50" charset="-127"/>
+              </a:rPr>
+              <a:t>- </a:t>
+            </a:r>
+            <a:r>
+              <a:rPr lang="ko-KR" altLang="en-US" sz="1300" dirty="0">
+                <a:solidFill>
+                  <a:srgbClr val="4D51BD"/>
+                </a:solidFill>
+                <a:latin typeface="휴먼엑스포" panose="02030504000101010101" pitchFamily="18" charset="-127"/>
+                <a:ea typeface="휴먼엑스포" panose="02030504000101010101" pitchFamily="18" charset="-127"/>
+                <a:cs typeface="함초롬돋움" panose="020B0604000101010101" pitchFamily="50" charset="-127"/>
+              </a:rPr>
+              <a:t>수가 너무 많아서 개수가 작은 값들은 </a:t>
+            </a:r>
+            <a:r>
+              <a:rPr lang="en-US" altLang="ko-KR" sz="1300" dirty="0" smtClean="0">
+                <a:solidFill>
+                  <a:srgbClr val="4D51BD"/>
+                </a:solidFill>
+                <a:latin typeface="휴먼엑스포" panose="02030504000101010101" pitchFamily="18" charset="-127"/>
+                <a:ea typeface="휴먼엑스포" panose="02030504000101010101" pitchFamily="18" charset="-127"/>
+                <a:cs typeface="함초롬돋움" panose="020B0604000101010101" pitchFamily="50" charset="-127"/>
+              </a:rPr>
+              <a:t>Other</a:t>
+            </a:r>
+            <a:r>
+              <a:rPr lang="ko-KR" altLang="en-US" sz="1300" dirty="0">
+                <a:solidFill>
+                  <a:srgbClr val="4D51BD"/>
+                </a:solidFill>
+                <a:latin typeface="휴먼엑스포" panose="02030504000101010101" pitchFamily="18" charset="-127"/>
+                <a:ea typeface="휴먼엑스포" panose="02030504000101010101" pitchFamily="18" charset="-127"/>
+                <a:cs typeface="함초롬돋움" panose="020B0604000101010101" pitchFamily="50" charset="-127"/>
+              </a:rPr>
+              <a:t>로 묶음</a:t>
+            </a:r>
+          </a:p>
+        </p:txBody>
+      </p:sp>
+      <p:grpSp>
+        <p:nvGrpSpPr>
+          <p:cNvPr id="26" name="그룹 1001"/>
+          <p:cNvGrpSpPr/>
+          <p:nvPr/>
+        </p:nvGrpSpPr>
+        <p:grpSpPr>
+          <a:xfrm>
+            <a:off x="-609600" y="-1053076"/>
+            <a:ext cx="3588190" cy="3553385"/>
+            <a:chOff x="14013934" y="6172836"/>
+            <a:chExt cx="3588190" cy="3553385"/>
+          </a:xfrm>
+        </p:grpSpPr>
+        <p:pic>
+          <p:nvPicPr>
+            <p:cNvPr id="27" name="Object 2"/>
+            <p:cNvPicPr>
+              <a:picLocks noChangeAspect="1"/>
+            </p:cNvPicPr>
+            <p:nvPr/>
+          </p:nvPicPr>
+          <p:blipFill>
+            <a:blip r:embed="rId3" cstate="print"/>
+            <a:stretch>
+              <a:fillRect/>
+            </a:stretch>
+          </p:blipFill>
+          <p:spPr>
+            <a:xfrm>
+              <a:off x="14013934" y="6172836"/>
+              <a:ext cx="3588190" cy="3553385"/>
+            </a:xfrm>
+            <a:prstGeom prst="rect">
+              <a:avLst/>
+            </a:prstGeom>
+          </p:spPr>
+        </p:pic>
+      </p:grpSp>
+      <p:sp>
+        <p:nvSpPr>
+          <p:cNvPr id="23" name="TextBox 22"/>
+          <p:cNvSpPr txBox="1"/>
+          <p:nvPr/>
+        </p:nvSpPr>
+        <p:spPr>
+          <a:xfrm>
+            <a:off x="11173629" y="2247900"/>
+            <a:ext cx="4835836" cy="6324808"/>
+          </a:xfrm>
+          <a:prstGeom prst="rect">
+            <a:avLst/>
+          </a:prstGeom>
+          <a:noFill/>
+        </p:spPr>
+        <p:txBody>
+          <a:bodyPr wrap="square" rtlCol="0">
+            <a:spAutoFit/>
+          </a:bodyPr>
+          <a:lstStyle/>
+          <a:p>
+            <a:pPr>
+              <a:lnSpc>
+                <a:spcPct val="150000"/>
+              </a:lnSpc>
+            </a:pPr>
+            <a:r>
+              <a:rPr lang="en-US" altLang="ko-KR" dirty="0" smtClean="0"/>
+              <a:t>‘Center’</a:t>
+            </a:r>
+            <a:r>
+              <a:rPr lang="ko-KR" altLang="en-US" dirty="0" smtClean="0"/>
+              <a:t>는 </a:t>
+            </a:r>
+            <a:r>
+              <a:rPr lang="en-US" altLang="ko-KR" dirty="0" smtClean="0"/>
+              <a:t>515</a:t>
+            </a:r>
+            <a:r>
+              <a:rPr lang="ko-KR" altLang="en-US" dirty="0" smtClean="0"/>
+              <a:t>가 </a:t>
+            </a:r>
+            <a:r>
+              <a:rPr lang="en-US" altLang="ko-KR" dirty="0" smtClean="0"/>
+              <a:t>51.0%</a:t>
+            </a:r>
+            <a:r>
+              <a:rPr lang="ko-KR" altLang="en-US" dirty="0" smtClean="0"/>
+              <a:t>로  압도적으로  높은 수치를 나타내고 뒤를 이어 </a:t>
+            </a:r>
+            <a:r>
+              <a:rPr lang="en-US" altLang="ko-KR" dirty="0" smtClean="0"/>
+              <a:t>904(5.7%), 1226(4.0%)</a:t>
+            </a:r>
+            <a:r>
+              <a:rPr lang="ko-KR" altLang="en-US" dirty="0" smtClean="0"/>
+              <a:t>로 나타났습니다</a:t>
+            </a:r>
+            <a:r>
+              <a:rPr lang="en-US" altLang="ko-KR" dirty="0" smtClean="0"/>
+              <a:t>.</a:t>
+            </a:r>
+          </a:p>
+          <a:p>
+            <a:pPr>
+              <a:lnSpc>
+                <a:spcPct val="150000"/>
+              </a:lnSpc>
+            </a:pPr>
+            <a:endParaRPr lang="en-US" altLang="ko-KR" dirty="0" smtClean="0"/>
+          </a:p>
+          <a:p>
+            <a:pPr>
+              <a:lnSpc>
+                <a:spcPct val="150000"/>
+              </a:lnSpc>
+            </a:pPr>
+            <a:r>
+              <a:rPr lang="en-US" altLang="ko-KR" dirty="0" smtClean="0"/>
+              <a:t>‘Donut’</a:t>
+            </a:r>
+            <a:r>
+              <a:rPr lang="ko-KR" altLang="en-US" dirty="0" smtClean="0"/>
+              <a:t>는 </a:t>
+            </a:r>
+            <a:r>
+              <a:rPr lang="en-US" altLang="ko-KR" dirty="0" smtClean="0"/>
+              <a:t>1334</a:t>
+            </a:r>
+            <a:r>
+              <a:rPr lang="ko-KR" altLang="en-US" dirty="0" smtClean="0"/>
+              <a:t>가 </a:t>
+            </a:r>
+            <a:r>
+              <a:rPr lang="en-US" altLang="ko-KR" dirty="0" smtClean="0"/>
+              <a:t>42.2%</a:t>
+            </a:r>
+            <a:r>
+              <a:rPr lang="ko-KR" altLang="en-US" dirty="0" smtClean="0"/>
+              <a:t>로 압도적으로 높은 수치를 나타냈고 뒤를 이어 </a:t>
+            </a:r>
+            <a:r>
+              <a:rPr lang="en-US" altLang="ko-KR" dirty="0" smtClean="0"/>
+              <a:t>845(7.9%), 1080(5.9 %)</a:t>
+            </a:r>
+            <a:r>
+              <a:rPr lang="ko-KR" altLang="en-US" dirty="0" smtClean="0"/>
+              <a:t>로 나타났습니다</a:t>
+            </a:r>
+            <a:r>
+              <a:rPr lang="en-US" altLang="ko-KR" dirty="0" smtClean="0"/>
+              <a:t>.</a:t>
+            </a:r>
+          </a:p>
+          <a:p>
+            <a:pPr>
+              <a:lnSpc>
+                <a:spcPct val="150000"/>
+              </a:lnSpc>
+            </a:pPr>
+            <a:endParaRPr lang="en-US" altLang="ko-KR" dirty="0" smtClean="0"/>
+          </a:p>
+          <a:p>
+            <a:pPr>
+              <a:lnSpc>
+                <a:spcPct val="150000"/>
+              </a:lnSpc>
+            </a:pPr>
+            <a:r>
+              <a:rPr lang="en-US" altLang="ko-KR" dirty="0" smtClean="0"/>
+              <a:t>‘</a:t>
+            </a:r>
+            <a:r>
+              <a:rPr lang="en-US" altLang="ko-KR" dirty="0" err="1" smtClean="0"/>
+              <a:t>Loc</a:t>
+            </a:r>
+            <a:r>
+              <a:rPr lang="en-US" altLang="ko-KR" dirty="0" smtClean="0"/>
+              <a:t>’</a:t>
+            </a:r>
+            <a:r>
+              <a:rPr lang="ko-KR" altLang="en-US" dirty="0" smtClean="0"/>
+              <a:t>은 </a:t>
+            </a:r>
+            <a:r>
+              <a:rPr lang="en-US" altLang="ko-KR" dirty="0" smtClean="0"/>
+              <a:t>533</a:t>
+            </a:r>
+            <a:r>
+              <a:rPr lang="ko-KR" altLang="en-US" dirty="0" smtClean="0"/>
+              <a:t>이 </a:t>
+            </a:r>
+            <a:r>
+              <a:rPr lang="en-US" altLang="ko-KR" dirty="0" smtClean="0"/>
+              <a:t>8.3%</a:t>
+            </a:r>
+            <a:r>
+              <a:rPr lang="ko-KR" altLang="en-US" dirty="0" smtClean="0"/>
+              <a:t>로 두번째로 많이 나온 </a:t>
+            </a:r>
+            <a:r>
+              <a:rPr lang="en-US" altLang="ko-KR" dirty="0" smtClean="0"/>
+              <a:t>776(6.7%)</a:t>
+            </a:r>
+            <a:r>
+              <a:rPr lang="ko-KR" altLang="en-US" dirty="0" smtClean="0"/>
+              <a:t>와 약 </a:t>
+            </a:r>
+            <a:r>
+              <a:rPr lang="en-US" altLang="ko-KR" dirty="0" smtClean="0"/>
+              <a:t>1.6% </a:t>
+            </a:r>
+            <a:r>
+              <a:rPr lang="ko-KR" altLang="en-US" dirty="0" smtClean="0"/>
+              <a:t>차이가 납니다</a:t>
+            </a:r>
+            <a:r>
+              <a:rPr lang="en-US" altLang="ko-KR" dirty="0" smtClean="0"/>
+              <a:t>.</a:t>
+            </a:r>
+          </a:p>
+          <a:p>
+            <a:pPr>
+              <a:lnSpc>
+                <a:spcPct val="150000"/>
+              </a:lnSpc>
+            </a:pPr>
+            <a:endParaRPr lang="en-US" altLang="ko-KR" dirty="0" smtClean="0"/>
+          </a:p>
+          <a:p>
+            <a:pPr>
+              <a:lnSpc>
+                <a:spcPct val="150000"/>
+              </a:lnSpc>
+            </a:pPr>
+            <a:r>
+              <a:rPr lang="en-US" altLang="ko-KR" dirty="0" smtClean="0"/>
+              <a:t>‘Scratch’ </a:t>
+            </a:r>
+            <a:r>
+              <a:rPr lang="ko-KR" altLang="en-US" dirty="0" smtClean="0"/>
+              <a:t>는 가장 작은 차이가 나는 </a:t>
+            </a:r>
+            <a:r>
+              <a:rPr lang="ko-KR" altLang="en-US" dirty="0" err="1" smtClean="0"/>
+              <a:t>불량유형입니다</a:t>
+            </a:r>
+            <a:r>
+              <a:rPr lang="en-US" altLang="ko-KR" dirty="0" smtClean="0"/>
+              <a:t>. </a:t>
+            </a:r>
+            <a:r>
+              <a:rPr lang="ko-KR" altLang="en-US" dirty="0" smtClean="0"/>
+              <a:t>첫번째와 두번째가 약 </a:t>
+            </a:r>
+            <a:r>
+              <a:rPr lang="en-US" altLang="ko-KR" dirty="0" smtClean="0"/>
+              <a:t>0.3%</a:t>
+            </a:r>
+            <a:r>
+              <a:rPr lang="ko-KR" altLang="en-US" dirty="0" smtClean="0"/>
+              <a:t>차이가 나고 </a:t>
+            </a:r>
+            <a:r>
+              <a:rPr lang="en-US" altLang="ko-KR" dirty="0" smtClean="0"/>
+              <a:t>5</a:t>
+            </a:r>
+            <a:r>
+              <a:rPr lang="ko-KR" altLang="en-US" dirty="0" err="1" smtClean="0"/>
+              <a:t>번째와도</a:t>
+            </a:r>
+            <a:r>
+              <a:rPr lang="ko-KR" altLang="en-US" dirty="0" smtClean="0"/>
+              <a:t> 약</a:t>
+            </a:r>
+            <a:r>
+              <a:rPr lang="en-US" altLang="ko-KR" dirty="0" smtClean="0"/>
+              <a:t>2.3%</a:t>
+            </a:r>
+            <a:r>
+              <a:rPr lang="ko-KR" altLang="en-US" dirty="0" smtClean="0"/>
+              <a:t> 정도 차이가 납니다</a:t>
+            </a:r>
+            <a:r>
+              <a:rPr lang="en-US" altLang="ko-KR" dirty="0" smtClean="0"/>
+              <a:t>. </a:t>
+            </a:r>
+          </a:p>
+        </p:txBody>
+      </p:sp>
+      <p:grpSp>
+        <p:nvGrpSpPr>
+          <p:cNvPr id="2" name="그룹 1"/>
+          <p:cNvGrpSpPr/>
+          <p:nvPr/>
+        </p:nvGrpSpPr>
+        <p:grpSpPr>
+          <a:xfrm>
+            <a:off x="1219200" y="1927830"/>
+            <a:ext cx="9220200" cy="8168782"/>
+            <a:chOff x="1219200" y="1927830"/>
+            <a:chExt cx="9220200" cy="8168782"/>
+          </a:xfrm>
+        </p:grpSpPr>
+        <p:pic>
+          <p:nvPicPr>
+            <p:cNvPr id="4" name="그림 3"/>
+            <p:cNvPicPr preferRelativeResize="0">
+              <a:picLocks/>
+            </p:cNvPicPr>
+            <p:nvPr/>
+          </p:nvPicPr>
+          <p:blipFill>
+            <a:blip r:embed="rId7">
+              <a:extLst>
+                <a:ext uri="{28A0092B-C50C-407E-A947-70E740481C1C}">
+                  <a14:useLocalDpi xmlns:a14="http://schemas.microsoft.com/office/drawing/2010/main" val="0"/>
+                </a:ext>
+              </a:extLst>
+            </a:blip>
+            <a:stretch>
+              <a:fillRect/>
+            </a:stretch>
+          </p:blipFill>
+          <p:spPr>
+            <a:xfrm>
+              <a:off x="1219200" y="1927830"/>
+              <a:ext cx="4058488" cy="4233600"/>
+            </a:xfrm>
+            <a:prstGeom prst="rect">
+              <a:avLst/>
+            </a:prstGeom>
+          </p:spPr>
+        </p:pic>
+        <p:pic>
+          <p:nvPicPr>
+            <p:cNvPr id="30" name="그림 29"/>
+            <p:cNvPicPr preferRelativeResize="0">
+              <a:picLocks/>
+            </p:cNvPicPr>
+            <p:nvPr/>
+          </p:nvPicPr>
+          <p:blipFill>
+            <a:blip r:embed="rId8">
+              <a:extLst>
+                <a:ext uri="{28A0092B-C50C-407E-A947-70E740481C1C}">
+                  <a14:useLocalDpi xmlns:a14="http://schemas.microsoft.com/office/drawing/2010/main" val="0"/>
+                </a:ext>
+              </a:extLst>
+            </a:blip>
+            <a:stretch>
+              <a:fillRect/>
+            </a:stretch>
+          </p:blipFill>
+          <p:spPr>
+            <a:xfrm>
+              <a:off x="2314524" y="5864400"/>
+              <a:ext cx="4056532" cy="4232212"/>
+            </a:xfrm>
+            <a:prstGeom prst="rect">
+              <a:avLst/>
+            </a:prstGeom>
+          </p:spPr>
+        </p:pic>
+        <p:pic>
+          <p:nvPicPr>
+            <p:cNvPr id="31" name="그림 30"/>
+            <p:cNvPicPr preferRelativeResize="0">
+              <a:picLocks/>
+            </p:cNvPicPr>
+            <p:nvPr/>
+          </p:nvPicPr>
+          <p:blipFill>
+            <a:blip r:embed="rId9">
+              <a:extLst>
+                <a:ext uri="{28A0092B-C50C-407E-A947-70E740481C1C}">
+                  <a14:useLocalDpi xmlns:a14="http://schemas.microsoft.com/office/drawing/2010/main" val="0"/>
+                </a:ext>
+              </a:extLst>
+            </a:blip>
+            <a:stretch>
+              <a:fillRect/>
+            </a:stretch>
+          </p:blipFill>
+          <p:spPr>
+            <a:xfrm>
+              <a:off x="6382868" y="5864288"/>
+              <a:ext cx="4056532" cy="4232212"/>
+            </a:xfrm>
+            <a:prstGeom prst="rect">
+              <a:avLst/>
+            </a:prstGeom>
+          </p:spPr>
+        </p:pic>
+        <p:pic>
+          <p:nvPicPr>
+            <p:cNvPr id="32" name="그림 31"/>
+            <p:cNvPicPr preferRelativeResize="0">
+              <a:picLocks/>
+            </p:cNvPicPr>
+            <p:nvPr/>
+          </p:nvPicPr>
+          <p:blipFill>
+            <a:blip r:embed="rId10">
+              <a:extLst>
+                <a:ext uri="{28A0092B-C50C-407E-A947-70E740481C1C}">
+                  <a14:useLocalDpi xmlns:a14="http://schemas.microsoft.com/office/drawing/2010/main" val="0"/>
+                </a:ext>
+              </a:extLst>
+            </a:blip>
+            <a:stretch>
+              <a:fillRect/>
+            </a:stretch>
+          </p:blipFill>
+          <p:spPr>
+            <a:xfrm>
+              <a:off x="4974595" y="1929600"/>
+              <a:ext cx="4058488" cy="4233600"/>
+            </a:xfrm>
+            <a:prstGeom prst="rect">
+              <a:avLst/>
+            </a:prstGeom>
+          </p:spPr>
+        </p:pic>
+      </p:grpSp>
+    </p:spTree>
+    <p:extLst>
+      <p:ext uri="{BB962C8B-B14F-4D97-AF65-F5344CB8AC3E}">
+        <p14:creationId xmlns:p14="http://schemas.microsoft.com/office/powerpoint/2010/main" val="862967780"/>
+      </p:ext>
+    </p:extLst>
+  </p:cSld>
+  <p:clrMapOvr>
+    <a:masterClrMapping/>
+  </p:clrMapOvr>
+  <p:timing>
+    <p:tnLst>
+      <p:par>
+        <p:cTn id="1" dur="indefinite" restart="never" nodeType="tmRoot"/>
+      </p:par>
+    </p:tnLst>
+  </p:timing>
+</p:sld>
+</file>
+
+<file path=ppt/slides/slide21.xml><?xml version="1.0" encoding="utf-8"?>
+<p:sld xmlns:a="http://schemas.openxmlformats.org/drawingml/2006/main" xmlns:r="http://schemas.openxmlformats.org/officeDocument/2006/relationships" xmlns:p="http://schemas.openxmlformats.org/presentationml/2006/main">
+  <p:cSld name="Slide 18">
+    <p:bg>
+      <p:bgPr>
+        <a:solidFill>
+          <a:srgbClr val="4C50BB"/>
+        </a:solidFill>
+        <a:effectLst/>
+      </p:bgPr>
+    </p:bg>
+    <p:spTree>
+      <p:nvGrpSpPr>
+        <p:cNvPr id="1" name=""/>
+        <p:cNvGrpSpPr/>
+        <p:nvPr/>
+      </p:nvGrpSpPr>
+      <p:grpSpPr>
+        <a:xfrm>
+          <a:off x="0" y="0"/>
+          <a:ext cx="0" cy="0"/>
+          <a:chOff x="0" y="0"/>
+          <a:chExt cx="0" cy="0"/>
+        </a:xfrm>
+      </p:grpSpPr>
+      <p:pic>
+        <p:nvPicPr>
+          <p:cNvPr id="2" name="Object 1"/>
+          <p:cNvPicPr>
+            <a:picLocks noChangeAspect="1"/>
+          </p:cNvPicPr>
+          <p:nvPr/>
+        </p:nvPicPr>
+        <p:blipFill>
+          <a:blip r:embed="rId2" cstate="print"/>
+          <a:stretch>
+            <a:fillRect/>
+          </a:stretch>
+        </p:blipFill>
+        <p:spPr>
+          <a:xfrm>
+            <a:off x="1695239" y="6574030"/>
+            <a:ext cx="9873004" cy="1243852"/>
+          </a:xfrm>
+          <a:prstGeom prst="rect">
+            <a:avLst/>
+          </a:prstGeom>
+        </p:spPr>
+      </p:pic>
+      <p:pic>
+        <p:nvPicPr>
+          <p:cNvPr id="3" name="Object 2"/>
+          <p:cNvPicPr>
+            <a:picLocks noChangeAspect="1"/>
+          </p:cNvPicPr>
+          <p:nvPr/>
+        </p:nvPicPr>
+        <p:blipFill>
+          <a:blip r:embed="rId3" cstate="print"/>
+          <a:stretch>
+            <a:fillRect/>
+          </a:stretch>
+        </p:blipFill>
+        <p:spPr>
+          <a:xfrm>
+            <a:off x="1468058" y="2416536"/>
+            <a:ext cx="3344714" cy="3278626"/>
+          </a:xfrm>
+          <a:prstGeom prst="rect">
+            <a:avLst/>
+          </a:prstGeom>
+        </p:spPr>
+      </p:pic>
+      <p:pic>
+        <p:nvPicPr>
+          <p:cNvPr id="4" name="Object 3"/>
+          <p:cNvPicPr>
+            <a:picLocks noChangeAspect="1"/>
+          </p:cNvPicPr>
+          <p:nvPr/>
+        </p:nvPicPr>
+        <p:blipFill>
+          <a:blip r:embed="rId4" cstate="print"/>
+          <a:stretch>
+            <a:fillRect/>
+          </a:stretch>
+        </p:blipFill>
+        <p:spPr>
+          <a:xfrm>
+            <a:off x="1630479" y="5005527"/>
+            <a:ext cx="6074702" cy="1446111"/>
+          </a:xfrm>
+          <a:prstGeom prst="rect">
+            <a:avLst/>
+          </a:prstGeom>
+        </p:spPr>
+      </p:pic>
+      <p:grpSp>
+        <p:nvGrpSpPr>
+          <p:cNvPr id="1001" name="그룹 1001"/>
+          <p:cNvGrpSpPr/>
+          <p:nvPr/>
+        </p:nvGrpSpPr>
+        <p:grpSpPr>
+          <a:xfrm>
+            <a:off x="13074845" y="-1224069"/>
+            <a:ext cx="3388803" cy="3355932"/>
+            <a:chOff x="13074845" y="-1224069"/>
+            <a:chExt cx="3388803" cy="3355932"/>
+          </a:xfrm>
+        </p:grpSpPr>
+        <p:pic>
+          <p:nvPicPr>
+            <p:cNvPr id="6" name="Object 5"/>
+            <p:cNvPicPr>
+              <a:picLocks noChangeAspect="1"/>
+            </p:cNvPicPr>
+            <p:nvPr/>
+          </p:nvPicPr>
+          <p:blipFill>
+            <a:blip r:embed="rId5" cstate="print"/>
+            <a:stretch>
+              <a:fillRect/>
+            </a:stretch>
+          </p:blipFill>
+          <p:spPr>
+            <a:xfrm>
+              <a:off x="13074845" y="-1224069"/>
+              <a:ext cx="3388803" cy="3355932"/>
+            </a:xfrm>
+            <a:prstGeom prst="rect">
+              <a:avLst/>
+            </a:prstGeom>
+          </p:spPr>
+        </p:pic>
+      </p:grpSp>
+      <p:grpSp>
+        <p:nvGrpSpPr>
+          <p:cNvPr id="1002" name="그룹 1002"/>
+          <p:cNvGrpSpPr/>
+          <p:nvPr/>
+        </p:nvGrpSpPr>
+        <p:grpSpPr>
+          <a:xfrm>
+            <a:off x="15502230" y="-877556"/>
+            <a:ext cx="3902974" cy="3971928"/>
+            <a:chOff x="15502230" y="-877556"/>
+            <a:chExt cx="3902974" cy="3971928"/>
+          </a:xfrm>
+        </p:grpSpPr>
+        <p:pic>
+          <p:nvPicPr>
+            <p:cNvPr id="9" name="Object 8"/>
+            <p:cNvPicPr>
+              <a:picLocks noChangeAspect="1"/>
+            </p:cNvPicPr>
+            <p:nvPr/>
+          </p:nvPicPr>
+          <p:blipFill>
+            <a:blip r:embed="rId6" cstate="print"/>
+            <a:stretch>
+              <a:fillRect/>
+            </a:stretch>
+          </p:blipFill>
+          <p:spPr>
+            <a:xfrm rot="-2700000">
+              <a:off x="15502230" y="-877556"/>
+              <a:ext cx="3902974" cy="3971928"/>
+            </a:xfrm>
+            <a:prstGeom prst="rect">
+              <a:avLst/>
+            </a:prstGeom>
+          </p:spPr>
+        </p:pic>
+      </p:grpSp>
+      <p:grpSp>
+        <p:nvGrpSpPr>
+          <p:cNvPr id="1003" name="그룹 1003"/>
+          <p:cNvGrpSpPr/>
+          <p:nvPr/>
+        </p:nvGrpSpPr>
+        <p:grpSpPr>
+          <a:xfrm>
+            <a:off x="14137208" y="6930045"/>
+            <a:ext cx="4652881" cy="4607748"/>
+            <a:chOff x="14137208" y="6930045"/>
+            <a:chExt cx="4652881" cy="4607748"/>
+          </a:xfrm>
+        </p:grpSpPr>
+        <p:pic>
+          <p:nvPicPr>
+            <p:cNvPr id="12" name="Object 11"/>
+            <p:cNvPicPr>
+              <a:picLocks noChangeAspect="1"/>
+            </p:cNvPicPr>
+            <p:nvPr/>
+          </p:nvPicPr>
+          <p:blipFill>
+            <a:blip r:embed="rId7" cstate="print"/>
+            <a:stretch>
+              <a:fillRect/>
+            </a:stretch>
+          </p:blipFill>
+          <p:spPr>
+            <a:xfrm>
+              <a:off x="14137208" y="6930045"/>
+              <a:ext cx="4652881" cy="4607748"/>
+            </a:xfrm>
+            <a:prstGeom prst="rect">
+              <a:avLst/>
+            </a:prstGeom>
+          </p:spPr>
+        </p:pic>
+      </p:grpSp>
+      <p:grpSp>
+        <p:nvGrpSpPr>
+          <p:cNvPr id="1004" name="그룹 1004"/>
+          <p:cNvGrpSpPr/>
+          <p:nvPr/>
+        </p:nvGrpSpPr>
+        <p:grpSpPr>
+          <a:xfrm>
+            <a:off x="-159165" y="3685351"/>
+            <a:ext cx="1432688" cy="191978"/>
+            <a:chOff x="-159165" y="3685351"/>
+            <a:chExt cx="1432688" cy="191978"/>
+          </a:xfrm>
+        </p:grpSpPr>
+        <p:pic>
+          <p:nvPicPr>
+            <p:cNvPr id="15" name="Object 14"/>
+            <p:cNvPicPr>
+              <a:picLocks noChangeAspect="1"/>
+            </p:cNvPicPr>
+            <p:nvPr/>
+          </p:nvPicPr>
+          <p:blipFill>
+            <a:blip r:embed="rId8" cstate="print"/>
+            <a:stretch>
+              <a:fillRect/>
+            </a:stretch>
+          </p:blipFill>
+          <p:spPr>
+            <a:xfrm rot="-10800000">
+              <a:off x="-159165" y="3685351"/>
+              <a:ext cx="1432688" cy="191978"/>
+            </a:xfrm>
+            <a:prstGeom prst="rect">
+              <a:avLst/>
+            </a:prstGeom>
+          </p:spPr>
+        </p:pic>
+      </p:grpSp>
+    </p:spTree>
+  </p:cSld>
+  <p:clrMapOvr>
+    <a:masterClrMapping/>
+  </p:clrMapOvr>
+  <p:timing>
+    <p:tnLst>
+      <p:par>
+        <p:cTn id="1" dur="indefinite" restart="never" nodeType="tmRoot"/>
+      </p:par>
+    </p:tnLst>
+  </p:timing>
+</p:sld>
+</file>
+
+<file path=ppt/slides/slide22.xml><?xml version="1.0" encoding="utf-8"?>
+<p:sld xmlns:a="http://schemas.openxmlformats.org/drawingml/2006/main" xmlns:r="http://schemas.openxmlformats.org/officeDocument/2006/relationships" xmlns:p="http://schemas.openxmlformats.org/presentationml/2006/main">
+  <p:cSld name="Slide 19">
+    <p:bg>
+      <p:bgPr>
+        <a:solidFill>
+          <a:srgbClr val="4C50BB"/>
+        </a:solidFill>
+        <a:effectLst/>
+      </p:bgPr>
+    </p:bg>
+    <p:spTree>
+      <p:nvGrpSpPr>
+        <p:cNvPr id="1" name=""/>
+        <p:cNvGrpSpPr/>
+        <p:nvPr/>
+      </p:nvGrpSpPr>
+      <p:grpSpPr>
+        <a:xfrm>
+          <a:off x="0" y="0"/>
+          <a:ext cx="0" cy="0"/>
+          <a:chOff x="0" y="0"/>
+          <a:chExt cx="0" cy="0"/>
+        </a:xfrm>
+      </p:grpSpPr>
+      <p:pic>
+        <p:nvPicPr>
+          <p:cNvPr id="2" name="Object 1"/>
+          <p:cNvPicPr>
+            <a:picLocks noChangeAspect="1"/>
+          </p:cNvPicPr>
+          <p:nvPr/>
+        </p:nvPicPr>
+        <p:blipFill>
+          <a:blip r:embed="rId2" cstate="print"/>
+          <a:stretch>
+            <a:fillRect/>
+          </a:stretch>
+        </p:blipFill>
+        <p:spPr>
+          <a:xfrm>
+            <a:off x="13669011" y="2416534"/>
+            <a:ext cx="3845989" cy="3278624"/>
+          </a:xfrm>
+          <a:prstGeom prst="rect">
+            <a:avLst/>
+          </a:prstGeom>
+        </p:spPr>
+      </p:pic>
+      <p:pic>
+        <p:nvPicPr>
+          <p:cNvPr id="3" name="Object 2"/>
+          <p:cNvPicPr>
+            <a:picLocks noChangeAspect="1"/>
+          </p:cNvPicPr>
+          <p:nvPr/>
+        </p:nvPicPr>
+        <p:blipFill>
+          <a:blip r:embed="rId3" cstate="print"/>
+          <a:stretch>
+            <a:fillRect/>
+          </a:stretch>
+        </p:blipFill>
+        <p:spPr>
+          <a:xfrm>
+            <a:off x="8754289" y="5005527"/>
+            <a:ext cx="8227854" cy="1436588"/>
+          </a:xfrm>
+          <a:prstGeom prst="rect">
+            <a:avLst/>
+          </a:prstGeom>
+        </p:spPr>
+      </p:pic>
+      <p:pic>
+        <p:nvPicPr>
+          <p:cNvPr id="4" name="Object 3"/>
+          <p:cNvPicPr>
+            <a:picLocks noChangeAspect="1"/>
+          </p:cNvPicPr>
+          <p:nvPr/>
+        </p:nvPicPr>
+        <p:blipFill>
+          <a:blip r:embed="rId4" cstate="print"/>
+          <a:stretch>
+            <a:fillRect/>
+          </a:stretch>
+        </p:blipFill>
+        <p:spPr>
+          <a:xfrm>
+            <a:off x="5455804" y="6574030"/>
+            <a:ext cx="11298566" cy="1832814"/>
+          </a:xfrm>
+          <a:prstGeom prst="rect">
+            <a:avLst/>
+          </a:prstGeom>
+        </p:spPr>
+      </p:pic>
+      <p:grpSp>
+        <p:nvGrpSpPr>
+          <p:cNvPr id="1001" name="그룹 1001"/>
+          <p:cNvGrpSpPr/>
+          <p:nvPr/>
+        </p:nvGrpSpPr>
+        <p:grpSpPr>
+          <a:xfrm>
+            <a:off x="1466667" y="-1273641"/>
+            <a:ext cx="4883301" cy="4835933"/>
+            <a:chOff x="1466667" y="-1273641"/>
+            <a:chExt cx="4883301" cy="4835933"/>
+          </a:xfrm>
+        </p:grpSpPr>
+        <p:pic>
+          <p:nvPicPr>
+            <p:cNvPr id="6" name="Object 5"/>
+            <p:cNvPicPr>
+              <a:picLocks noChangeAspect="1"/>
+            </p:cNvPicPr>
+            <p:nvPr/>
+          </p:nvPicPr>
+          <p:blipFill>
+            <a:blip r:embed="rId5" cstate="print"/>
+            <a:stretch>
+              <a:fillRect/>
+            </a:stretch>
+          </p:blipFill>
+          <p:spPr>
+            <a:xfrm>
+              <a:off x="1466667" y="-1273641"/>
+              <a:ext cx="4883301" cy="4835933"/>
+            </a:xfrm>
+            <a:prstGeom prst="rect">
+              <a:avLst/>
+            </a:prstGeom>
+          </p:spPr>
+        </p:pic>
+      </p:grpSp>
+      <p:grpSp>
+        <p:nvGrpSpPr>
+          <p:cNvPr id="1002" name="그룹 1002"/>
+          <p:cNvGrpSpPr/>
+          <p:nvPr/>
+        </p:nvGrpSpPr>
+        <p:grpSpPr>
+          <a:xfrm>
+            <a:off x="-1875296" y="7034297"/>
+            <a:ext cx="3902974" cy="3971928"/>
+            <a:chOff x="-1875296" y="7034297"/>
+            <a:chExt cx="3902974" cy="3971928"/>
+          </a:xfrm>
+        </p:grpSpPr>
+        <p:pic>
+          <p:nvPicPr>
+            <p:cNvPr id="9" name="Object 8"/>
+            <p:cNvPicPr>
+              <a:picLocks noChangeAspect="1"/>
+            </p:cNvPicPr>
+            <p:nvPr/>
+          </p:nvPicPr>
+          <p:blipFill>
+            <a:blip r:embed="rId6" cstate="print"/>
+            <a:stretch>
+              <a:fillRect/>
+            </a:stretch>
+          </p:blipFill>
+          <p:spPr>
+            <a:xfrm rot="-2700000">
+              <a:off x="-1875296" y="7034297"/>
+              <a:ext cx="3902974" cy="3971928"/>
+            </a:xfrm>
+            <a:prstGeom prst="rect">
+              <a:avLst/>
+            </a:prstGeom>
+          </p:spPr>
+        </p:pic>
+      </p:grpSp>
+      <p:grpSp>
+        <p:nvGrpSpPr>
+          <p:cNvPr id="1003" name="그룹 1003"/>
+          <p:cNvGrpSpPr/>
+          <p:nvPr/>
+        </p:nvGrpSpPr>
+        <p:grpSpPr>
+          <a:xfrm>
+            <a:off x="15132166" y="7617758"/>
+            <a:ext cx="3708387" cy="3672416"/>
+            <a:chOff x="15132166" y="7617758"/>
+            <a:chExt cx="3708387" cy="3672416"/>
+          </a:xfrm>
+        </p:grpSpPr>
+        <p:pic>
+          <p:nvPicPr>
+            <p:cNvPr id="12" name="Object 11"/>
+            <p:cNvPicPr>
+              <a:picLocks noChangeAspect="1"/>
+            </p:cNvPicPr>
+            <p:nvPr/>
+          </p:nvPicPr>
+          <p:blipFill>
+            <a:blip r:embed="rId7" cstate="print"/>
+            <a:stretch>
+              <a:fillRect/>
+            </a:stretch>
+          </p:blipFill>
+          <p:spPr>
+            <a:xfrm>
+              <a:off x="15132166" y="7617758"/>
+              <a:ext cx="3708387" cy="3672416"/>
+            </a:xfrm>
+            <a:prstGeom prst="rect">
+              <a:avLst/>
+            </a:prstGeom>
+          </p:spPr>
+        </p:pic>
+      </p:grpSp>
+      <p:grpSp>
+        <p:nvGrpSpPr>
+          <p:cNvPr id="1004" name="그룹 1004"/>
+          <p:cNvGrpSpPr/>
+          <p:nvPr/>
+        </p:nvGrpSpPr>
+        <p:grpSpPr>
+          <a:xfrm>
+            <a:off x="16986360" y="3561542"/>
+            <a:ext cx="1432688" cy="191978"/>
+            <a:chOff x="16986360" y="3561542"/>
+            <a:chExt cx="1432688" cy="191978"/>
+          </a:xfrm>
+        </p:grpSpPr>
+        <p:pic>
+          <p:nvPicPr>
+            <p:cNvPr id="15" name="Object 14"/>
+            <p:cNvPicPr>
+              <a:picLocks noChangeAspect="1"/>
+            </p:cNvPicPr>
+            <p:nvPr/>
+          </p:nvPicPr>
+          <p:blipFill>
+            <a:blip r:embed="rId8" cstate="print"/>
+            <a:stretch>
+              <a:fillRect/>
+            </a:stretch>
+          </p:blipFill>
+          <p:spPr>
+            <a:xfrm>
+              <a:off x="16986360" y="3561542"/>
+              <a:ext cx="1432688" cy="191978"/>
+            </a:xfrm>
+            <a:prstGeom prst="rect">
+              <a:avLst/>
+            </a:prstGeom>
+          </p:spPr>
+        </p:pic>
+      </p:grpSp>
+    </p:spTree>
+  </p:cSld>
+  <p:clrMapOvr>
+    <a:masterClrMapping/>
+  </p:clrMapOvr>
+  <p:timing>
+    <p:tnLst>
+      <p:par>
+        <p:cTn id="1" dur="indefinite" restart="never" nodeType="tmRoot"/>
+      </p:par>
+    </p:tnLst>
+  </p:timing>
+</p:sld>
+</file>
+
+<file path=ppt/slides/slide23.xml><?xml version="1.0" encoding="utf-8"?>
 <p:sld xmlns:a="http://schemas.openxmlformats.org/drawingml/2006/main" xmlns:r="http://schemas.openxmlformats.org/officeDocument/2006/relationships" xmlns:p="http://schemas.openxmlformats.org/presentationml/2006/main">
   <p:cSld name="Slide 20">
     <p:bg>
@@ -11625,4 +14184,265 @@
   <a:objectDefaults/>
   <a:extraClrSchemeLst/>
 </a:theme>
+</file>
+
+<file path=ppt/theme/theme2.xml><?xml version="1.0" encoding="utf-8"?>
+<a:theme xmlns:a="http://schemas.openxmlformats.org/drawingml/2006/main" name="Office 테마">
+  <a:themeElements>
+    <a:clrScheme name="Office">
+      <a:dk1>
+        <a:sysClr val="windowText" lastClr="000000"/>
+      </a:dk1>
+      <a:lt1>
+        <a:sysClr val="window" lastClr="FFFFFF"/>
+      </a:lt1>
+      <a:dk2>
+        <a:srgbClr val="44546A"/>
+      </a:dk2>
+      <a:lt2>
+        <a:srgbClr val="E7E6E6"/>
+      </a:lt2>
+      <a:accent1>
+        <a:srgbClr val="5B9BD5"/>
+      </a:accent1>
+      <a:accent2>
+        <a:srgbClr val="ED7D31"/>
+      </a:accent2>
+      <a:accent3>
+        <a:srgbClr val="A5A5A5"/>
+      </a:accent3>
+      <a:accent4>
+        <a:srgbClr val="FFC000"/>
+      </a:accent4>
+      <a:accent5>
+        <a:srgbClr val="4472C4"/>
+      </a:accent5>
+      <a:accent6>
+        <a:srgbClr val="70AD47"/>
+      </a:accent6>
+      <a:hlink>
+        <a:srgbClr val="0563C1"/>
+      </a:hlink>
+      <a:folHlink>
+        <a:srgbClr val="954F72"/>
+      </a:folHlink>
+    </a:clrScheme>
+    <a:fontScheme name="Office">
+      <a:majorFont>
+        <a:latin typeface="맑은 고딕" panose="020F0302020204030204"/>
+        <a:ea typeface=""/>
+        <a:cs typeface=""/>
+        <a:font script="Jpan" typeface="游ゴシック Light"/>
+        <a:font script="Hang" typeface="맑은 고딕"/>
+        <a:font script="Hans" typeface="等线 Light"/>
+        <a:font script="Hant" typeface="新細明體"/>
+        <a:font script="Arab" typeface="Times New Roman"/>
+        <a:font script="Hebr" typeface="Times New Roman"/>
+        <a:font script="Thai" typeface="Angsana New"/>
+        <a:font script="Ethi" typeface="Nyala"/>
+        <a:font script="Beng" typeface="Vrinda"/>
+        <a:font script="Gujr" typeface="Shruti"/>
+        <a:font script="Khmr" typeface="MoolBoran"/>
+        <a:font script="Knda" typeface="Tunga"/>
+        <a:font script="Guru" typeface="Raavi"/>
+        <a:font script="Cans" typeface="Euphemia"/>
+        <a:font script="Cher" typeface="Plantagenet Cherokee"/>
+        <a:font script="Yiii" typeface="Microsoft Yi Baiti"/>
+        <a:font script="Tibt" typeface="Microsoft Himalaya"/>
+        <a:font script="Thaa" typeface="MV Boli"/>
+        <a:font script="Deva" typeface="Mangal"/>
+        <a:font script="Telu" typeface="Gautami"/>
+        <a:font script="Taml" typeface="Latha"/>
+        <a:font script="Syrc" typeface="Estrangelo Edessa"/>
+        <a:font script="Orya" typeface="Kalinga"/>
+        <a:font script="Mlym" typeface="Kartika"/>
+        <a:font script="Laoo" typeface="DokChampa"/>
+        <a:font script="Sinh" typeface="Iskoola Pota"/>
+        <a:font script="Mong" typeface="Mongolian Baiti"/>
+        <a:font script="Viet" typeface="Times New Roman"/>
+        <a:font script="Uigh" typeface="Microsoft Uighur"/>
+        <a:font script="Geor" typeface="Sylfaen"/>
+      </a:majorFont>
+      <a:minorFont>
+        <a:latin typeface="맑은 고딕" panose="020F0502020204030204"/>
+        <a:ea typeface=""/>
+        <a:cs typeface=""/>
+        <a:font script="Jpan" typeface="游ゴシック"/>
+        <a:font script="Hang" typeface="맑은 고딕"/>
+        <a:font script="Hans" typeface="等线"/>
+        <a:font script="Hant" typeface="新細明體"/>
+        <a:font script="Arab" typeface="Arial"/>
+        <a:font script="Hebr" typeface="Arial"/>
+        <a:font script="Thai" typeface="Cordia New"/>
+        <a:font script="Ethi" typeface="Nyala"/>
+        <a:font script="Beng" typeface="Vrinda"/>
+        <a:font script="Gujr" typeface="Shruti"/>
+        <a:font script="Khmr" typeface="DaunPenh"/>
+        <a:font script="Knda" typeface="Tunga"/>
+        <a:font script="Guru" typeface="Raavi"/>
+        <a:font script="Cans" typeface="Euphemia"/>
+        <a:font script="Cher" typeface="Plantagenet Cherokee"/>
+        <a:font script="Yiii" typeface="Microsoft Yi Baiti"/>
+        <a:font script="Tibt" typeface="Microsoft Himalaya"/>
+        <a:font script="Thaa" typeface="MV Boli"/>
+        <a:font script="Deva" typeface="Mangal"/>
+        <a:font script="Telu" typeface="Gautami"/>
+        <a:font script="Taml" typeface="Latha"/>
+        <a:font script="Syrc" typeface="Estrangelo Edessa"/>
+        <a:font script="Orya" typeface="Kalinga"/>
+        <a:font script="Mlym" typeface="Kartika"/>
+        <a:font script="Laoo" typeface="DokChampa"/>
+        <a:font script="Sinh" typeface="Iskoola Pota"/>
+        <a:font script="Mong" typeface="Mongolian Baiti"/>
+        <a:font script="Viet" typeface="Arial"/>
+        <a:font script="Uigh" typeface="Microsoft Uighur"/>
+        <a:font script="Geor" typeface="Sylfaen"/>
+      </a:minorFont>
+    </a:fontScheme>
+    <a:fmtScheme name="Office">
+      <a:fillStyleLst>
+        <a:solidFill>
+          <a:schemeClr val="phClr"/>
+        </a:solidFill>
+        <a:gradFill rotWithShape="1">
+          <a:gsLst>
+            <a:gs pos="0">
+              <a:schemeClr val="phClr">
+                <a:lumMod val="110000"/>
+                <a:satMod val="105000"/>
+                <a:tint val="67000"/>
+              </a:schemeClr>
+            </a:gs>
+            <a:gs pos="50000">
+              <a:schemeClr val="phClr">
+                <a:lumMod val="105000"/>
+                <a:satMod val="103000"/>
+                <a:tint val="73000"/>
+              </a:schemeClr>
+            </a:gs>
+            <a:gs pos="100000">
+              <a:schemeClr val="phClr">
+                <a:lumMod val="105000"/>
+                <a:satMod val="109000"/>
+                <a:tint val="81000"/>
+              </a:schemeClr>
+            </a:gs>
+          </a:gsLst>
+          <a:lin ang="5400000" scaled="0"/>
+        </a:gradFill>
+        <a:gradFill rotWithShape="1">
+          <a:gsLst>
+            <a:gs pos="0">
+              <a:schemeClr val="phClr">
+                <a:satMod val="103000"/>
+                <a:lumMod val="102000"/>
+                <a:tint val="94000"/>
+              </a:schemeClr>
+            </a:gs>
+            <a:gs pos="50000">
+              <a:schemeClr val="phClr">
+                <a:satMod val="110000"/>
+                <a:lumMod val="100000"/>
+                <a:shade val="100000"/>
+              </a:schemeClr>
+            </a:gs>
+            <a:gs pos="100000">
+              <a:schemeClr val="phClr">
+                <a:lumMod val="99000"/>
+                <a:satMod val="120000"/>
+                <a:shade val="78000"/>
+              </a:schemeClr>
+            </a:gs>
+          </a:gsLst>
+          <a:lin ang="5400000" scaled="0"/>
+        </a:gradFill>
+      </a:fillStyleLst>
+      <a:lnStyleLst>
+        <a:ln w="6350" cap="flat" cmpd="sng" algn="ctr">
+          <a:solidFill>
+            <a:schemeClr val="phClr"/>
+          </a:solidFill>
+          <a:prstDash val="solid"/>
+          <a:miter lim="800000"/>
+        </a:ln>
+        <a:ln w="12700" cap="flat" cmpd="sng" algn="ctr">
+          <a:solidFill>
+            <a:schemeClr val="phClr"/>
+          </a:solidFill>
+          <a:prstDash val="solid"/>
+          <a:miter lim="800000"/>
+        </a:ln>
+        <a:ln w="19050" cap="flat" cmpd="sng" algn="ctr">
+          <a:solidFill>
+            <a:schemeClr val="phClr"/>
+          </a:solidFill>
+          <a:prstDash val="solid"/>
+          <a:miter lim="800000"/>
+        </a:ln>
+      </a:lnStyleLst>
+      <a:effectStyleLst>
+        <a:effectStyle>
+          <a:effectLst/>
+        </a:effectStyle>
+        <a:effectStyle>
+          <a:effectLst/>
+        </a:effectStyle>
+        <a:effectStyle>
+          <a:effectLst>
+            <a:outerShdw blurRad="57150" dist="19050" dir="5400000" algn="ctr" rotWithShape="0">
+              <a:srgbClr val="000000">
+                <a:alpha val="63000"/>
+              </a:srgbClr>
+            </a:outerShdw>
+          </a:effectLst>
+        </a:effectStyle>
+      </a:effectStyleLst>
+      <a:bgFillStyleLst>
+        <a:solidFill>
+          <a:schemeClr val="phClr"/>
+        </a:solidFill>
+        <a:solidFill>
+          <a:schemeClr val="phClr">
+            <a:tint val="95000"/>
+            <a:satMod val="170000"/>
+          </a:schemeClr>
+        </a:solidFill>
+        <a:gradFill rotWithShape="1">
+          <a:gsLst>
+            <a:gs pos="0">
+              <a:schemeClr val="phClr">
+                <a:tint val="93000"/>
+                <a:satMod val="150000"/>
+                <a:shade val="98000"/>
+                <a:lumMod val="102000"/>
+              </a:schemeClr>
+            </a:gs>
+            <a:gs pos="50000">
+              <a:schemeClr val="phClr">
+                <a:tint val="98000"/>
+                <a:satMod val="130000"/>
+                <a:shade val="90000"/>
+                <a:lumMod val="103000"/>
+              </a:schemeClr>
+            </a:gs>
+            <a:gs pos="100000">
+              <a:schemeClr val="phClr">
+                <a:shade val="63000"/>
+                <a:satMod val="120000"/>
+              </a:schemeClr>
+            </a:gs>
+          </a:gsLst>
+          <a:lin ang="5400000" scaled="0"/>
+        </a:gradFill>
+      </a:bgFillStyleLst>
+    </a:fmtScheme>
+  </a:themeElements>
+  <a:objectDefaults/>
+  <a:extraClrSchemeLst/>
+  <a:extLst>
+    <a:ext uri="{05A4C25C-085E-4340-85A3-A5531E510DB2}">
+      <thm15:themeFamily xmlns:thm15="http://schemas.microsoft.com/office/thememl/2012/main" name="Office Theme" id="{62F939B6-93AF-4DB8-9C6B-D6C7DFDC589F}" vid="{4A3C46E8-61CC-4603-A589-7422A47A8E4A}"/>
+    </a:ext>
+  </a:extLst>
+</a:theme>
 </file>